--- a/文档/项目展示-1.pptx
+++ b/文档/项目展示-1.pptx
@@ -12,6 +12,9 @@
     <p:sldId id="259" r:id="rId6"/>
     <p:sldId id="260" r:id="rId7"/>
     <p:sldId id="262" r:id="rId8"/>
+    <p:sldId id="263" r:id="rId9"/>
+    <p:sldId id="264" r:id="rId10"/>
+    <p:sldId id="265" r:id="rId11"/>
   </p:sldIdLst>
   <p:sldSz cx="12192000" cy="6858000"/>
   <p:notesSz cx="6858000" cy="9144000"/>
@@ -110,6 +113,11 @@
       </a:defRPr>
     </a:lvl9pPr>
   </p:defaultTextStyle>
+  <p:extLst>
+    <p:ext uri="{EFAFB233-063F-42B5-8137-9DF3F51BA10A}">
+      <p15:sldGuideLst xmlns:p15="http://schemas.microsoft.com/office/powerpoint/2012/main"/>
+    </p:ext>
+  </p:extLst>
 </p:presentation>
 </file>
 
@@ -3393,6 +3401,96 @@
 </p:sld>
 </file>
 
+<file path=ppt/slides/slide10.xml><?xml version="1.0" encoding="utf-8"?>
+<p:sld xmlns:a="http://schemas.openxmlformats.org/drawingml/2006/main" xmlns:r="http://schemas.openxmlformats.org/officeDocument/2006/relationships" xmlns:p="http://schemas.openxmlformats.org/presentationml/2006/main">
+  <p:cSld>
+    <p:spTree>
+      <p:nvGrpSpPr>
+        <p:cNvPr id="1" name=""/>
+        <p:cNvGrpSpPr/>
+        <p:nvPr/>
+      </p:nvGrpSpPr>
+      <p:grpSpPr>
+        <a:xfrm>
+          <a:off x="0" y="0"/>
+          <a:ext cx="0" cy="0"/>
+          <a:chOff x="0" y="0"/>
+          <a:chExt cx="0" cy="0"/>
+        </a:xfrm>
+      </p:grpSpPr>
+      <p:sp>
+        <p:nvSpPr>
+          <p:cNvPr id="2" name="标题 1">
+            <a:extLst>
+              <a:ext uri="{FF2B5EF4-FFF2-40B4-BE49-F238E27FC236}">
+                <a16:creationId xmlns:a16="http://schemas.microsoft.com/office/drawing/2014/main" id="{F92BBD06-C0D2-4CA1-8347-99CC0CFA7CE4}"/>
+              </a:ext>
+            </a:extLst>
+          </p:cNvPr>
+          <p:cNvSpPr>
+            <a:spLocks noGrp="1"/>
+          </p:cNvSpPr>
+          <p:nvPr>
+            <p:ph type="title"/>
+          </p:nvPr>
+        </p:nvSpPr>
+        <p:spPr/>
+        <p:txBody>
+          <a:bodyPr/>
+          <a:lstStyle/>
+          <a:p>
+            <a:endParaRPr lang="zh-CN" altLang="en-US"/>
+          </a:p>
+        </p:txBody>
+      </p:sp>
+      <p:pic>
+        <p:nvPicPr>
+          <p:cNvPr id="5" name="内容占位符 4">
+            <a:extLst>
+              <a:ext uri="{FF2B5EF4-FFF2-40B4-BE49-F238E27FC236}">
+                <a16:creationId xmlns:a16="http://schemas.microsoft.com/office/drawing/2014/main" id="{AD482112-DD90-4BF3-AD13-F12BDBFCA4A0}"/>
+              </a:ext>
+            </a:extLst>
+          </p:cNvPr>
+          <p:cNvPicPr>
+            <a:picLocks noGrp="1" noChangeAspect="1"/>
+          </p:cNvPicPr>
+          <p:nvPr>
+            <p:ph idx="1"/>
+          </p:nvPr>
+        </p:nvPicPr>
+        <p:blipFill>
+          <a:blip r:embed="rId2">
+            <a:extLst>
+              <a:ext uri="{28A0092B-C50C-407E-A947-70E740481C1C}">
+                <a14:useLocalDpi xmlns:a14="http://schemas.microsoft.com/office/drawing/2010/main" val="0"/>
+              </a:ext>
+            </a:extLst>
+          </a:blip>
+          <a:stretch>
+            <a:fillRect/>
+          </a:stretch>
+        </p:blipFill>
+        <p:spPr>
+          <a:xfrm>
+            <a:off x="1554839" y="1825625"/>
+            <a:ext cx="9082322" cy="4351338"/>
+          </a:xfrm>
+        </p:spPr>
+      </p:pic>
+    </p:spTree>
+    <p:extLst>
+      <p:ext uri="{BB962C8B-B14F-4D97-AF65-F5344CB8AC3E}">
+        <p14:creationId xmlns:p14="http://schemas.microsoft.com/office/powerpoint/2010/main" val="4034837800"/>
+      </p:ext>
+    </p:extLst>
+  </p:cSld>
+  <p:clrMapOvr>
+    <a:masterClrMapping/>
+  </p:clrMapOvr>
+</p:sld>
+</file>
+
 <file path=ppt/slides/slide2.xml><?xml version="1.0" encoding="utf-8"?>
 <p:sld xmlns:a="http://schemas.openxmlformats.org/drawingml/2006/main" xmlns:r="http://schemas.openxmlformats.org/officeDocument/2006/relationships" xmlns:p="http://schemas.openxmlformats.org/presentationml/2006/main">
   <p:cSld>
@@ -3893,31 +3991,41 @@
           </a:p>
         </p:txBody>
       </p:sp>
-      <p:sp>
-        <p:nvSpPr>
-          <p:cNvPr id="3" name="内容占位符 2">
-            <a:extLst>
-              <a:ext uri="{FF2B5EF4-FFF2-40B4-BE49-F238E27FC236}">
-                <a16:creationId xmlns:a16="http://schemas.microsoft.com/office/drawing/2014/main" id="{FC2831C3-DA44-4731-A484-79CBED430E29}"/>
-              </a:ext>
-            </a:extLst>
-          </p:cNvPr>
-          <p:cNvSpPr>
-            <a:spLocks noGrp="1"/>
-          </p:cNvSpPr>
+      <p:pic>
+        <p:nvPicPr>
+          <p:cNvPr id="5" name="内容占位符 4">
+            <a:extLst>
+              <a:ext uri="{FF2B5EF4-FFF2-40B4-BE49-F238E27FC236}">
+                <a16:creationId xmlns:a16="http://schemas.microsoft.com/office/drawing/2014/main" id="{F0CE3832-E045-457D-9A0B-4141A883B080}"/>
+              </a:ext>
+            </a:extLst>
+          </p:cNvPr>
+          <p:cNvPicPr>
+            <a:picLocks noGrp="1" noChangeAspect="1"/>
+          </p:cNvPicPr>
           <p:nvPr>
             <p:ph idx="1"/>
           </p:nvPr>
-        </p:nvSpPr>
-        <p:spPr/>
-        <p:txBody>
-          <a:bodyPr/>
-          <a:lstStyle/>
-          <a:p>
-            <a:endParaRPr lang="zh-CN" altLang="en-US" dirty="0"/>
-          </a:p>
-        </p:txBody>
-      </p:sp>
+        </p:nvPicPr>
+        <p:blipFill>
+          <a:blip r:embed="rId2">
+            <a:extLst>
+              <a:ext uri="{28A0092B-C50C-407E-A947-70E740481C1C}">
+                <a14:useLocalDpi xmlns:a14="http://schemas.microsoft.com/office/drawing/2010/main" val="0"/>
+              </a:ext>
+            </a:extLst>
+          </a:blip>
+          <a:stretch>
+            <a:fillRect/>
+          </a:stretch>
+        </p:blipFill>
+        <p:spPr>
+          <a:xfrm>
+            <a:off x="1810370" y="1825625"/>
+            <a:ext cx="8571259" cy="4351338"/>
+          </a:xfrm>
+        </p:spPr>
+      </p:pic>
     </p:spTree>
     <p:extLst>
       <p:ext uri="{BB962C8B-B14F-4D97-AF65-F5344CB8AC3E}">
@@ -3973,35 +4081,225 @@
           </a:p>
         </p:txBody>
       </p:sp>
-      <p:sp>
-        <p:nvSpPr>
-          <p:cNvPr id="3" name="内容占位符 2">
-            <a:extLst>
-              <a:ext uri="{FF2B5EF4-FFF2-40B4-BE49-F238E27FC236}">
-                <a16:creationId xmlns:a16="http://schemas.microsoft.com/office/drawing/2014/main" id="{ACF48965-C842-48D3-99BE-022ACF743110}"/>
-              </a:ext>
-            </a:extLst>
-          </p:cNvPr>
-          <p:cNvSpPr>
-            <a:spLocks noGrp="1"/>
-          </p:cNvSpPr>
+      <p:pic>
+        <p:nvPicPr>
+          <p:cNvPr id="5" name="内容占位符 4">
+            <a:extLst>
+              <a:ext uri="{FF2B5EF4-FFF2-40B4-BE49-F238E27FC236}">
+                <a16:creationId xmlns:a16="http://schemas.microsoft.com/office/drawing/2014/main" id="{128BCAE2-F858-4948-BE04-B1D61035A668}"/>
+              </a:ext>
+            </a:extLst>
+          </p:cNvPr>
+          <p:cNvPicPr>
+            <a:picLocks noGrp="1" noChangeAspect="1"/>
+          </p:cNvPicPr>
           <p:nvPr>
             <p:ph idx="1"/>
           </p:nvPr>
-        </p:nvSpPr>
-        <p:spPr/>
-        <p:txBody>
-          <a:bodyPr/>
-          <a:lstStyle/>
-          <a:p>
-            <a:endParaRPr lang="zh-CN" altLang="en-US"/>
-          </a:p>
-        </p:txBody>
-      </p:sp>
+        </p:nvPicPr>
+        <p:blipFill>
+          <a:blip r:embed="rId2">
+            <a:extLst>
+              <a:ext uri="{28A0092B-C50C-407E-A947-70E740481C1C}">
+                <a14:useLocalDpi xmlns:a14="http://schemas.microsoft.com/office/drawing/2010/main" val="0"/>
+              </a:ext>
+            </a:extLst>
+          </a:blip>
+          <a:stretch>
+            <a:fillRect/>
+          </a:stretch>
+        </p:blipFill>
+        <p:spPr>
+          <a:xfrm>
+            <a:off x="4159306" y="1825625"/>
+            <a:ext cx="3873387" cy="4351338"/>
+          </a:xfrm>
+        </p:spPr>
+      </p:pic>
     </p:spTree>
     <p:extLst>
       <p:ext uri="{BB962C8B-B14F-4D97-AF65-F5344CB8AC3E}">
         <p14:creationId xmlns:p14="http://schemas.microsoft.com/office/powerpoint/2010/main" val="2514725508"/>
+      </p:ext>
+    </p:extLst>
+  </p:cSld>
+  <p:clrMapOvr>
+    <a:masterClrMapping/>
+  </p:clrMapOvr>
+</p:sld>
+</file>
+
+<file path=ppt/slides/slide8.xml><?xml version="1.0" encoding="utf-8"?>
+<p:sld xmlns:a="http://schemas.openxmlformats.org/drawingml/2006/main" xmlns:r="http://schemas.openxmlformats.org/officeDocument/2006/relationships" xmlns:p="http://schemas.openxmlformats.org/presentationml/2006/main">
+  <p:cSld>
+    <p:spTree>
+      <p:nvGrpSpPr>
+        <p:cNvPr id="1" name=""/>
+        <p:cNvGrpSpPr/>
+        <p:nvPr/>
+      </p:nvGrpSpPr>
+      <p:grpSpPr>
+        <a:xfrm>
+          <a:off x="0" y="0"/>
+          <a:ext cx="0" cy="0"/>
+          <a:chOff x="0" y="0"/>
+          <a:chExt cx="0" cy="0"/>
+        </a:xfrm>
+      </p:grpSpPr>
+      <p:sp>
+        <p:nvSpPr>
+          <p:cNvPr id="2" name="标题 1">
+            <a:extLst>
+              <a:ext uri="{FF2B5EF4-FFF2-40B4-BE49-F238E27FC236}">
+                <a16:creationId xmlns:a16="http://schemas.microsoft.com/office/drawing/2014/main" id="{BB926CF1-23A7-49FD-8964-C3F3A2B45F5F}"/>
+              </a:ext>
+            </a:extLst>
+          </p:cNvPr>
+          <p:cNvSpPr>
+            <a:spLocks noGrp="1"/>
+          </p:cNvSpPr>
+          <p:nvPr>
+            <p:ph type="title"/>
+          </p:nvPr>
+        </p:nvSpPr>
+        <p:spPr/>
+        <p:txBody>
+          <a:bodyPr/>
+          <a:lstStyle/>
+          <a:p>
+            <a:endParaRPr lang="zh-CN" altLang="en-US"/>
+          </a:p>
+        </p:txBody>
+      </p:sp>
+      <p:pic>
+        <p:nvPicPr>
+          <p:cNvPr id="5" name="内容占位符 4">
+            <a:extLst>
+              <a:ext uri="{FF2B5EF4-FFF2-40B4-BE49-F238E27FC236}">
+                <a16:creationId xmlns:a16="http://schemas.microsoft.com/office/drawing/2014/main" id="{2B13343F-DC2E-45E6-B255-466176EC77DB}"/>
+              </a:ext>
+            </a:extLst>
+          </p:cNvPr>
+          <p:cNvPicPr>
+            <a:picLocks noGrp="1" noChangeAspect="1"/>
+          </p:cNvPicPr>
+          <p:nvPr>
+            <p:ph idx="1"/>
+          </p:nvPr>
+        </p:nvPicPr>
+        <p:blipFill>
+          <a:blip r:embed="rId2">
+            <a:extLst>
+              <a:ext uri="{28A0092B-C50C-407E-A947-70E740481C1C}">
+                <a14:useLocalDpi xmlns:a14="http://schemas.microsoft.com/office/drawing/2010/main" val="0"/>
+              </a:ext>
+            </a:extLst>
+          </a:blip>
+          <a:stretch>
+            <a:fillRect/>
+          </a:stretch>
+        </p:blipFill>
+        <p:spPr>
+          <a:xfrm>
+            <a:off x="4238660" y="1825625"/>
+            <a:ext cx="3714679" cy="4351338"/>
+          </a:xfrm>
+        </p:spPr>
+      </p:pic>
+    </p:spTree>
+    <p:extLst>
+      <p:ext uri="{BB962C8B-B14F-4D97-AF65-F5344CB8AC3E}">
+        <p14:creationId xmlns:p14="http://schemas.microsoft.com/office/powerpoint/2010/main" val="4006961182"/>
+      </p:ext>
+    </p:extLst>
+  </p:cSld>
+  <p:clrMapOvr>
+    <a:masterClrMapping/>
+  </p:clrMapOvr>
+</p:sld>
+</file>
+
+<file path=ppt/slides/slide9.xml><?xml version="1.0" encoding="utf-8"?>
+<p:sld xmlns:a="http://schemas.openxmlformats.org/drawingml/2006/main" xmlns:r="http://schemas.openxmlformats.org/officeDocument/2006/relationships" xmlns:p="http://schemas.openxmlformats.org/presentationml/2006/main">
+  <p:cSld>
+    <p:spTree>
+      <p:nvGrpSpPr>
+        <p:cNvPr id="1" name=""/>
+        <p:cNvGrpSpPr/>
+        <p:nvPr/>
+      </p:nvGrpSpPr>
+      <p:grpSpPr>
+        <a:xfrm>
+          <a:off x="0" y="0"/>
+          <a:ext cx="0" cy="0"/>
+          <a:chOff x="0" y="0"/>
+          <a:chExt cx="0" cy="0"/>
+        </a:xfrm>
+      </p:grpSpPr>
+      <p:sp>
+        <p:nvSpPr>
+          <p:cNvPr id="7" name="标题 6">
+            <a:extLst>
+              <a:ext uri="{FF2B5EF4-FFF2-40B4-BE49-F238E27FC236}">
+                <a16:creationId xmlns:a16="http://schemas.microsoft.com/office/drawing/2014/main" id="{D37DC146-B25B-4A03-891E-E2226043FE93}"/>
+              </a:ext>
+            </a:extLst>
+          </p:cNvPr>
+          <p:cNvSpPr>
+            <a:spLocks noGrp="1"/>
+          </p:cNvSpPr>
+          <p:nvPr>
+            <p:ph type="title"/>
+          </p:nvPr>
+        </p:nvSpPr>
+        <p:spPr/>
+        <p:txBody>
+          <a:bodyPr/>
+          <a:lstStyle/>
+          <a:p>
+            <a:endParaRPr lang="zh-CN" altLang="en-US"/>
+          </a:p>
+        </p:txBody>
+      </p:sp>
+      <p:pic>
+        <p:nvPicPr>
+          <p:cNvPr id="5" name="内容占位符 4">
+            <a:extLst>
+              <a:ext uri="{FF2B5EF4-FFF2-40B4-BE49-F238E27FC236}">
+                <a16:creationId xmlns:a16="http://schemas.microsoft.com/office/drawing/2014/main" id="{2478126C-1F74-407B-BA1A-E5FB9BC336B8}"/>
+              </a:ext>
+            </a:extLst>
+          </p:cNvPr>
+          <p:cNvPicPr>
+            <a:picLocks noGrp="1" noChangeAspect="1"/>
+          </p:cNvPicPr>
+          <p:nvPr>
+            <p:ph idx="1"/>
+          </p:nvPr>
+        </p:nvPicPr>
+        <p:blipFill>
+          <a:blip r:embed="rId2">
+            <a:extLst>
+              <a:ext uri="{28A0092B-C50C-407E-A947-70E740481C1C}">
+                <a14:useLocalDpi xmlns:a14="http://schemas.microsoft.com/office/drawing/2010/main" val="0"/>
+              </a:ext>
+            </a:extLst>
+          </a:blip>
+          <a:stretch>
+            <a:fillRect/>
+          </a:stretch>
+        </p:blipFill>
+        <p:spPr>
+          <a:xfrm>
+            <a:off x="1400222" y="1825625"/>
+            <a:ext cx="9391555" cy="4351338"/>
+          </a:xfrm>
+        </p:spPr>
+      </p:pic>
+    </p:spTree>
+    <p:extLst>
+      <p:ext uri="{BB962C8B-B14F-4D97-AF65-F5344CB8AC3E}">
+        <p14:creationId xmlns:p14="http://schemas.microsoft.com/office/powerpoint/2010/main" val="1790407258"/>
       </p:ext>
     </p:extLst>
   </p:cSld>

--- a/文档/项目展示-1.pptx
+++ b/文档/项目展示-1.pptx
@@ -3585,15 +3585,16 @@
           <a:p>
             <a:r>
               <a:rPr lang="zh-CN" altLang="en-US" dirty="0"/>
-              <a:t>朗玉鑫、刘旭 后端</a:t>
+              <a:t>李约翰、刘旭 后端</a:t>
             </a:r>
             <a:endParaRPr lang="en-US" altLang="zh-CN" dirty="0"/>
           </a:p>
           <a:p>
             <a:r>
-              <a:rPr lang="zh-CN" altLang="en-US" dirty="0"/>
-              <a:t>李约翰 数据库</a:t>
-            </a:r>
+              <a:rPr lang="zh-CN" altLang="en-US"/>
+              <a:t>郎玉鑫 数据库</a:t>
+            </a:r>
+            <a:endParaRPr lang="zh-CN" altLang="en-US" dirty="0"/>
           </a:p>
         </p:txBody>
       </p:sp>

--- a/文档/项目展示-1.pptx
+++ b/文档/项目展示-1.pptx
@@ -7,14 +7,17 @@
   <p:sldIdLst>
     <p:sldId id="256" r:id="rId2"/>
     <p:sldId id="257" r:id="rId3"/>
-    <p:sldId id="261" r:id="rId4"/>
-    <p:sldId id="258" r:id="rId5"/>
-    <p:sldId id="259" r:id="rId6"/>
-    <p:sldId id="260" r:id="rId7"/>
-    <p:sldId id="262" r:id="rId8"/>
-    <p:sldId id="263" r:id="rId9"/>
-    <p:sldId id="264" r:id="rId10"/>
-    <p:sldId id="265" r:id="rId11"/>
+    <p:sldId id="266" r:id="rId4"/>
+    <p:sldId id="267" r:id="rId5"/>
+    <p:sldId id="268" r:id="rId6"/>
+    <p:sldId id="261" r:id="rId7"/>
+    <p:sldId id="258" r:id="rId8"/>
+    <p:sldId id="259" r:id="rId9"/>
+    <p:sldId id="260" r:id="rId10"/>
+    <p:sldId id="262" r:id="rId11"/>
+    <p:sldId id="263" r:id="rId12"/>
+    <p:sldId id="264" r:id="rId13"/>
+    <p:sldId id="265" r:id="rId14"/>
   </p:sldIdLst>
   <p:sldSz cx="12192000" cy="6858000"/>
   <p:notesSz cx="6858000" cy="9144000"/>
@@ -3423,6 +3426,276 @@
           <p:cNvPr id="2" name="标题 1">
             <a:extLst>
               <a:ext uri="{FF2B5EF4-FFF2-40B4-BE49-F238E27FC236}">
+                <a16:creationId xmlns:a16="http://schemas.microsoft.com/office/drawing/2014/main" id="{C6A06754-99B1-475E-839A-71B866F2E223}"/>
+              </a:ext>
+            </a:extLst>
+          </p:cNvPr>
+          <p:cNvSpPr>
+            <a:spLocks noGrp="1"/>
+          </p:cNvSpPr>
+          <p:nvPr>
+            <p:ph type="title"/>
+          </p:nvPr>
+        </p:nvSpPr>
+        <p:spPr/>
+        <p:txBody>
+          <a:bodyPr/>
+          <a:lstStyle/>
+          <a:p>
+            <a:endParaRPr lang="zh-CN" altLang="en-US" dirty="0"/>
+          </a:p>
+        </p:txBody>
+      </p:sp>
+      <p:pic>
+        <p:nvPicPr>
+          <p:cNvPr id="5" name="内容占位符 4">
+            <a:extLst>
+              <a:ext uri="{FF2B5EF4-FFF2-40B4-BE49-F238E27FC236}">
+                <a16:creationId xmlns:a16="http://schemas.microsoft.com/office/drawing/2014/main" id="{128BCAE2-F858-4948-BE04-B1D61035A668}"/>
+              </a:ext>
+            </a:extLst>
+          </p:cNvPr>
+          <p:cNvPicPr>
+            <a:picLocks noGrp="1" noChangeAspect="1"/>
+          </p:cNvPicPr>
+          <p:nvPr>
+            <p:ph idx="1"/>
+          </p:nvPr>
+        </p:nvPicPr>
+        <p:blipFill>
+          <a:blip r:embed="rId2">
+            <a:extLst>
+              <a:ext uri="{28A0092B-C50C-407E-A947-70E740481C1C}">
+                <a14:useLocalDpi xmlns:a14="http://schemas.microsoft.com/office/drawing/2010/main" val="0"/>
+              </a:ext>
+            </a:extLst>
+          </a:blip>
+          <a:stretch>
+            <a:fillRect/>
+          </a:stretch>
+        </p:blipFill>
+        <p:spPr>
+          <a:xfrm>
+            <a:off x="4159306" y="1825625"/>
+            <a:ext cx="3873387" cy="4351338"/>
+          </a:xfrm>
+        </p:spPr>
+      </p:pic>
+    </p:spTree>
+    <p:extLst>
+      <p:ext uri="{BB962C8B-B14F-4D97-AF65-F5344CB8AC3E}">
+        <p14:creationId xmlns:p14="http://schemas.microsoft.com/office/powerpoint/2010/main" val="2514725508"/>
+      </p:ext>
+    </p:extLst>
+  </p:cSld>
+  <p:clrMapOvr>
+    <a:masterClrMapping/>
+  </p:clrMapOvr>
+</p:sld>
+</file>
+
+<file path=ppt/slides/slide11.xml><?xml version="1.0" encoding="utf-8"?>
+<p:sld xmlns:a="http://schemas.openxmlformats.org/drawingml/2006/main" xmlns:r="http://schemas.openxmlformats.org/officeDocument/2006/relationships" xmlns:p="http://schemas.openxmlformats.org/presentationml/2006/main">
+  <p:cSld>
+    <p:spTree>
+      <p:nvGrpSpPr>
+        <p:cNvPr id="1" name=""/>
+        <p:cNvGrpSpPr/>
+        <p:nvPr/>
+      </p:nvGrpSpPr>
+      <p:grpSpPr>
+        <a:xfrm>
+          <a:off x="0" y="0"/>
+          <a:ext cx="0" cy="0"/>
+          <a:chOff x="0" y="0"/>
+          <a:chExt cx="0" cy="0"/>
+        </a:xfrm>
+      </p:grpSpPr>
+      <p:sp>
+        <p:nvSpPr>
+          <p:cNvPr id="2" name="标题 1">
+            <a:extLst>
+              <a:ext uri="{FF2B5EF4-FFF2-40B4-BE49-F238E27FC236}">
+                <a16:creationId xmlns:a16="http://schemas.microsoft.com/office/drawing/2014/main" id="{BB926CF1-23A7-49FD-8964-C3F3A2B45F5F}"/>
+              </a:ext>
+            </a:extLst>
+          </p:cNvPr>
+          <p:cNvSpPr>
+            <a:spLocks noGrp="1"/>
+          </p:cNvSpPr>
+          <p:nvPr>
+            <p:ph type="title"/>
+          </p:nvPr>
+        </p:nvSpPr>
+        <p:spPr/>
+        <p:txBody>
+          <a:bodyPr/>
+          <a:lstStyle/>
+          <a:p>
+            <a:endParaRPr lang="zh-CN" altLang="en-US"/>
+          </a:p>
+        </p:txBody>
+      </p:sp>
+      <p:pic>
+        <p:nvPicPr>
+          <p:cNvPr id="5" name="内容占位符 4">
+            <a:extLst>
+              <a:ext uri="{FF2B5EF4-FFF2-40B4-BE49-F238E27FC236}">
+                <a16:creationId xmlns:a16="http://schemas.microsoft.com/office/drawing/2014/main" id="{2B13343F-DC2E-45E6-B255-466176EC77DB}"/>
+              </a:ext>
+            </a:extLst>
+          </p:cNvPr>
+          <p:cNvPicPr>
+            <a:picLocks noGrp="1" noChangeAspect="1"/>
+          </p:cNvPicPr>
+          <p:nvPr>
+            <p:ph idx="1"/>
+          </p:nvPr>
+        </p:nvPicPr>
+        <p:blipFill>
+          <a:blip r:embed="rId2">
+            <a:extLst>
+              <a:ext uri="{28A0092B-C50C-407E-A947-70E740481C1C}">
+                <a14:useLocalDpi xmlns:a14="http://schemas.microsoft.com/office/drawing/2010/main" val="0"/>
+              </a:ext>
+            </a:extLst>
+          </a:blip>
+          <a:stretch>
+            <a:fillRect/>
+          </a:stretch>
+        </p:blipFill>
+        <p:spPr>
+          <a:xfrm>
+            <a:off x="4238660" y="1825625"/>
+            <a:ext cx="3714679" cy="4351338"/>
+          </a:xfrm>
+        </p:spPr>
+      </p:pic>
+    </p:spTree>
+    <p:extLst>
+      <p:ext uri="{BB962C8B-B14F-4D97-AF65-F5344CB8AC3E}">
+        <p14:creationId xmlns:p14="http://schemas.microsoft.com/office/powerpoint/2010/main" val="4006961182"/>
+      </p:ext>
+    </p:extLst>
+  </p:cSld>
+  <p:clrMapOvr>
+    <a:masterClrMapping/>
+  </p:clrMapOvr>
+</p:sld>
+</file>
+
+<file path=ppt/slides/slide12.xml><?xml version="1.0" encoding="utf-8"?>
+<p:sld xmlns:a="http://schemas.openxmlformats.org/drawingml/2006/main" xmlns:r="http://schemas.openxmlformats.org/officeDocument/2006/relationships" xmlns:p="http://schemas.openxmlformats.org/presentationml/2006/main">
+  <p:cSld>
+    <p:spTree>
+      <p:nvGrpSpPr>
+        <p:cNvPr id="1" name=""/>
+        <p:cNvGrpSpPr/>
+        <p:nvPr/>
+      </p:nvGrpSpPr>
+      <p:grpSpPr>
+        <a:xfrm>
+          <a:off x="0" y="0"/>
+          <a:ext cx="0" cy="0"/>
+          <a:chOff x="0" y="0"/>
+          <a:chExt cx="0" cy="0"/>
+        </a:xfrm>
+      </p:grpSpPr>
+      <p:sp>
+        <p:nvSpPr>
+          <p:cNvPr id="7" name="标题 6">
+            <a:extLst>
+              <a:ext uri="{FF2B5EF4-FFF2-40B4-BE49-F238E27FC236}">
+                <a16:creationId xmlns:a16="http://schemas.microsoft.com/office/drawing/2014/main" id="{D37DC146-B25B-4A03-891E-E2226043FE93}"/>
+              </a:ext>
+            </a:extLst>
+          </p:cNvPr>
+          <p:cNvSpPr>
+            <a:spLocks noGrp="1"/>
+          </p:cNvSpPr>
+          <p:nvPr>
+            <p:ph type="title"/>
+          </p:nvPr>
+        </p:nvSpPr>
+        <p:spPr/>
+        <p:txBody>
+          <a:bodyPr/>
+          <a:lstStyle/>
+          <a:p>
+            <a:endParaRPr lang="zh-CN" altLang="en-US"/>
+          </a:p>
+        </p:txBody>
+      </p:sp>
+      <p:pic>
+        <p:nvPicPr>
+          <p:cNvPr id="5" name="内容占位符 4">
+            <a:extLst>
+              <a:ext uri="{FF2B5EF4-FFF2-40B4-BE49-F238E27FC236}">
+                <a16:creationId xmlns:a16="http://schemas.microsoft.com/office/drawing/2014/main" id="{2478126C-1F74-407B-BA1A-E5FB9BC336B8}"/>
+              </a:ext>
+            </a:extLst>
+          </p:cNvPr>
+          <p:cNvPicPr>
+            <a:picLocks noGrp="1" noChangeAspect="1"/>
+          </p:cNvPicPr>
+          <p:nvPr>
+            <p:ph idx="1"/>
+          </p:nvPr>
+        </p:nvPicPr>
+        <p:blipFill>
+          <a:blip r:embed="rId2">
+            <a:extLst>
+              <a:ext uri="{28A0092B-C50C-407E-A947-70E740481C1C}">
+                <a14:useLocalDpi xmlns:a14="http://schemas.microsoft.com/office/drawing/2010/main" val="0"/>
+              </a:ext>
+            </a:extLst>
+          </a:blip>
+          <a:stretch>
+            <a:fillRect/>
+          </a:stretch>
+        </p:blipFill>
+        <p:spPr>
+          <a:xfrm>
+            <a:off x="1400222" y="1825625"/>
+            <a:ext cx="9391555" cy="4351338"/>
+          </a:xfrm>
+        </p:spPr>
+      </p:pic>
+    </p:spTree>
+    <p:extLst>
+      <p:ext uri="{BB962C8B-B14F-4D97-AF65-F5344CB8AC3E}">
+        <p14:creationId xmlns:p14="http://schemas.microsoft.com/office/powerpoint/2010/main" val="1790407258"/>
+      </p:ext>
+    </p:extLst>
+  </p:cSld>
+  <p:clrMapOvr>
+    <a:masterClrMapping/>
+  </p:clrMapOvr>
+</p:sld>
+</file>
+
+<file path=ppt/slides/slide13.xml><?xml version="1.0" encoding="utf-8"?>
+<p:sld xmlns:a="http://schemas.openxmlformats.org/drawingml/2006/main" xmlns:r="http://schemas.openxmlformats.org/officeDocument/2006/relationships" xmlns:p="http://schemas.openxmlformats.org/presentationml/2006/main">
+  <p:cSld>
+    <p:spTree>
+      <p:nvGrpSpPr>
+        <p:cNvPr id="1" name=""/>
+        <p:cNvGrpSpPr/>
+        <p:nvPr/>
+      </p:nvGrpSpPr>
+      <p:grpSpPr>
+        <a:xfrm>
+          <a:off x="0" y="0"/>
+          <a:ext cx="0" cy="0"/>
+          <a:chOff x="0" y="0"/>
+          <a:chExt cx="0" cy="0"/>
+        </a:xfrm>
+      </p:grpSpPr>
+      <p:sp>
+        <p:nvSpPr>
+          <p:cNvPr id="2" name="标题 1">
+            <a:extLst>
+              <a:ext uri="{FF2B5EF4-FFF2-40B4-BE49-F238E27FC236}">
                 <a16:creationId xmlns:a16="http://schemas.microsoft.com/office/drawing/2014/main" id="{F92BBD06-C0D2-4CA1-8347-99CC0CFA7CE4}"/>
               </a:ext>
             </a:extLst>
@@ -3630,13 +3903,7 @@
       </p:grpSpPr>
       <p:sp>
         <p:nvSpPr>
-          <p:cNvPr id="2" name="标题 1">
-            <a:extLst>
-              <a:ext uri="{FF2B5EF4-FFF2-40B4-BE49-F238E27FC236}">
-                <a16:creationId xmlns:a16="http://schemas.microsoft.com/office/drawing/2014/main" id="{0F366785-B3A9-4F2F-B478-D788D62D9FED}"/>
-              </a:ext>
-            </a:extLst>
-          </p:cNvPr>
+          <p:cNvPr id="2" name="标题 1"/>
           <p:cNvSpPr>
             <a:spLocks noGrp="1"/>
           </p:cNvSpPr>
@@ -3650,21 +3917,24 @@
           <a:lstStyle/>
           <a:p>
             <a:r>
+              <a:rPr lang="zh-CN" altLang="en-US" dirty="0" smtClean="0"/>
+              <a:t>前端样式具</a:t>
+            </a:r>
+            <a:r>
               <a:rPr lang="zh-CN" altLang="en-US" dirty="0"/>
-              <a:t>项目介绍</a:t>
-            </a:r>
-          </a:p>
-        </p:txBody>
-      </p:sp>
-      <p:sp>
-        <p:nvSpPr>
-          <p:cNvPr id="3" name="内容占位符 2">
-            <a:extLst>
-              <a:ext uri="{FF2B5EF4-FFF2-40B4-BE49-F238E27FC236}">
-                <a16:creationId xmlns:a16="http://schemas.microsoft.com/office/drawing/2014/main" id="{EAF557A3-3912-43A3-B308-A75586F75E97}"/>
-              </a:ext>
-            </a:extLst>
-          </p:cNvPr>
+              <a:t>体工</a:t>
+            </a:r>
+            <a:r>
+              <a:rPr lang="zh-CN" altLang="en-US" dirty="0" smtClean="0"/>
+              <a:t>作</a:t>
+            </a:r>
+            <a:endParaRPr lang="zh-CN" altLang="en-US" dirty="0"/>
+          </a:p>
+        </p:txBody>
+      </p:sp>
+      <p:sp>
+        <p:nvSpPr>
+          <p:cNvPr id="3" name="内容占位符 2"/>
           <p:cNvSpPr>
             <a:spLocks noGrp="1"/>
           </p:cNvSpPr>
@@ -3677,63 +3947,61 @@
           <a:bodyPr/>
           <a:lstStyle/>
           <a:p>
-            <a:r>
-              <a:rPr lang="zh-CN" altLang="en-US" dirty="0"/>
-              <a:t>一个允许用户自由上传相片的网站</a:t>
-            </a:r>
-            <a:endParaRPr lang="en-US" altLang="zh-CN" dirty="0"/>
-          </a:p>
-          <a:p>
-            <a:r>
-              <a:rPr lang="zh-CN" altLang="en-US" dirty="0"/>
-              <a:t>首页</a:t>
-            </a:r>
-            <a:endParaRPr lang="en-US" altLang="zh-CN" dirty="0"/>
-          </a:p>
-          <a:p>
-            <a:pPr lvl="1"/>
-            <a:r>
-              <a:rPr lang="zh-CN" altLang="en-US" dirty="0"/>
-              <a:t>进行相册展示</a:t>
-            </a:r>
-            <a:endParaRPr lang="en-US" altLang="zh-CN" dirty="0"/>
-          </a:p>
-          <a:p>
-            <a:r>
-              <a:rPr lang="zh-CN" altLang="en-US" dirty="0"/>
-              <a:t>相册页</a:t>
-            </a:r>
-            <a:endParaRPr lang="en-US" altLang="zh-CN" dirty="0"/>
-          </a:p>
-          <a:p>
-            <a:pPr lvl="1"/>
-            <a:r>
-              <a:rPr lang="zh-CN" altLang="en-US" dirty="0"/>
-              <a:t>展示相册内的所有照片</a:t>
-            </a:r>
-            <a:endParaRPr lang="en-US" altLang="zh-CN" dirty="0"/>
-          </a:p>
-          <a:p>
-            <a:r>
-              <a:rPr lang="zh-CN" altLang="en-US" dirty="0"/>
-              <a:t>登陆、注册页</a:t>
-            </a:r>
-            <a:endParaRPr lang="en-US" altLang="zh-CN" dirty="0"/>
-          </a:p>
-          <a:p>
-            <a:pPr lvl="1"/>
-            <a:r>
-              <a:rPr lang="zh-CN" altLang="en-US" dirty="0"/>
-              <a:t>用户进行登陆注册</a:t>
-            </a:r>
-            <a:endParaRPr lang="en-US" altLang="zh-CN" dirty="0"/>
+            <a:pPr marL="0" indent="0">
+              <a:buNone/>
+            </a:pPr>
+            <a:r>
+              <a:rPr lang="en-US" altLang="zh-CN" dirty="0" smtClean="0"/>
+              <a:t>1.</a:t>
+            </a:r>
+            <a:r>
+              <a:rPr lang="zh-CN" altLang="en-US" dirty="0" smtClean="0"/>
+              <a:t>先拿出一个能看的页面，和团队确定具体的功能和方向。</a:t>
+            </a:r>
+            <a:endParaRPr lang="en-US" altLang="zh-CN" dirty="0" smtClean="0"/>
+          </a:p>
+          <a:p>
+            <a:pPr marL="0" indent="0">
+              <a:buNone/>
+            </a:pPr>
+            <a:r>
+              <a:rPr lang="en-US" altLang="zh-CN" dirty="0" smtClean="0"/>
+              <a:t>2.</a:t>
+            </a:r>
+            <a:r>
+              <a:rPr lang="zh-CN" altLang="en-US" dirty="0" smtClean="0"/>
+              <a:t>实现各个页面的视觉效果图形样式，尽可能使页面更好看一点</a:t>
+            </a:r>
+            <a:endParaRPr lang="en-US" altLang="zh-CN" dirty="0" smtClean="0"/>
+          </a:p>
+          <a:p>
+            <a:pPr marL="0" indent="0">
+              <a:buNone/>
+            </a:pPr>
+            <a:r>
+              <a:rPr lang="en-US" altLang="zh-CN" dirty="0" smtClean="0"/>
+              <a:t>3.</a:t>
+            </a:r>
+            <a:r>
+              <a:rPr lang="zh-CN" altLang="en-US" dirty="0" smtClean="0"/>
+              <a:t>配合写</a:t>
+            </a:r>
+            <a:r>
+              <a:rPr lang="en-US" altLang="zh-CN" dirty="0" smtClean="0"/>
+              <a:t>js</a:t>
+            </a:r>
+            <a:r>
+              <a:rPr lang="zh-CN" altLang="en-US" dirty="0" smtClean="0"/>
+              <a:t>前端逻辑的同学</a:t>
+            </a:r>
+            <a:endParaRPr lang="zh-CN" altLang="en-US" dirty="0"/>
           </a:p>
         </p:txBody>
       </p:sp>
     </p:spTree>
     <p:extLst>
       <p:ext uri="{BB962C8B-B14F-4D97-AF65-F5344CB8AC3E}">
-        <p14:creationId xmlns:p14="http://schemas.microsoft.com/office/powerpoint/2010/main" val="3488536208"/>
+        <p14:creationId xmlns:p14="http://schemas.microsoft.com/office/powerpoint/2010/main" val="205924808"/>
       </p:ext>
     </p:extLst>
   </p:cSld>
@@ -3762,13 +4030,7 @@
       </p:grpSpPr>
       <p:sp>
         <p:nvSpPr>
-          <p:cNvPr id="2" name="标题 1">
-            <a:extLst>
-              <a:ext uri="{FF2B5EF4-FFF2-40B4-BE49-F238E27FC236}">
-                <a16:creationId xmlns:a16="http://schemas.microsoft.com/office/drawing/2014/main" id="{A45A4CE6-2906-4D2C-AC65-4D9C89E62F94}"/>
-              </a:ext>
-            </a:extLst>
-          </p:cNvPr>
+          <p:cNvPr id="2" name="标题 1"/>
           <p:cNvSpPr>
             <a:spLocks noGrp="1"/>
           </p:cNvSpPr>
@@ -3783,20 +4045,19 @@
           <a:p>
             <a:r>
               <a:rPr lang="zh-CN" altLang="en-US" dirty="0"/>
-              <a:t>总体流程计划</a:t>
-            </a:r>
-          </a:p>
-        </p:txBody>
-      </p:sp>
-      <p:sp>
-        <p:nvSpPr>
-          <p:cNvPr id="3" name="内容占位符 2">
-            <a:extLst>
-              <a:ext uri="{FF2B5EF4-FFF2-40B4-BE49-F238E27FC236}">
-                <a16:creationId xmlns:a16="http://schemas.microsoft.com/office/drawing/2014/main" id="{09260894-1ED6-4C26-9FFF-6BF8AA15F150}"/>
-              </a:ext>
-            </a:extLst>
-          </p:cNvPr>
+              <a:t>我感觉的</a:t>
+            </a:r>
+            <a:r>
+              <a:rPr lang="en-US" altLang="zh-CN" dirty="0" smtClean="0"/>
+              <a:t>Vue cli</a:t>
+            </a:r>
+            <a:endParaRPr lang="zh-CN" altLang="en-US" dirty="0"/>
+          </a:p>
+        </p:txBody>
+      </p:sp>
+      <p:sp>
+        <p:nvSpPr>
+          <p:cNvPr id="3" name="内容占位符 2"/>
           <p:cNvSpPr>
             <a:spLocks noGrp="1"/>
           </p:cNvSpPr>
@@ -3806,45 +4067,130 @@
         </p:nvSpPr>
         <p:spPr/>
         <p:txBody>
-          <a:bodyPr/>
-          <a:lstStyle/>
-          <a:p>
+          <a:bodyPr>
+            <a:normAutofit fontScale="92500" lnSpcReduction="10000"/>
+          </a:bodyPr>
+          <a:lstStyle/>
+          <a:p>
+            <a:pPr marL="0" indent="0">
+              <a:buNone/>
+            </a:pPr>
             <a:r>
               <a:rPr lang="zh-CN" altLang="en-US" dirty="0"/>
-              <a:t>第一周：进行基本的学习和页面构建</a:t>
+              <a:t>优</a:t>
+            </a:r>
+            <a:r>
+              <a:rPr lang="zh-CN" altLang="en-US" dirty="0" smtClean="0"/>
+              <a:t>点：</a:t>
+            </a:r>
+            <a:endParaRPr lang="en-US" altLang="zh-CN" dirty="0" smtClean="0"/>
+          </a:p>
+          <a:p>
+            <a:pPr marL="0" indent="0">
+              <a:buNone/>
+            </a:pPr>
+            <a:r>
+              <a:rPr lang="en-US" altLang="zh-CN" dirty="0" smtClean="0"/>
+              <a:t>1</a:t>
+            </a:r>
+            <a:r>
+              <a:rPr lang="zh-CN" altLang="en-US" dirty="0" smtClean="0"/>
+              <a:t>，我是第一次用</a:t>
+            </a:r>
+            <a:r>
+              <a:rPr lang="en-US" altLang="zh-CN" dirty="0" smtClean="0"/>
+              <a:t>vue cli</a:t>
+            </a:r>
+            <a:r>
+              <a:rPr lang="zh-CN" altLang="en-US" dirty="0" smtClean="0"/>
+              <a:t>感觉颠覆了我以前写网页的经验，感觉写组件就像写对象一样。</a:t>
+            </a:r>
+            <a:endParaRPr lang="en-US" altLang="zh-CN" dirty="0" smtClean="0"/>
+          </a:p>
+          <a:p>
+            <a:pPr marL="0" indent="0">
+              <a:buNone/>
+            </a:pPr>
+            <a:r>
+              <a:rPr lang="en-US" altLang="zh-CN" dirty="0" smtClean="0"/>
+              <a:t>2</a:t>
+            </a:r>
+            <a:r>
+              <a:rPr lang="zh-CN" altLang="en-US" dirty="0" smtClean="0"/>
+              <a:t>，因为有路由，页面之间的通信和跳转都十分方便</a:t>
+            </a:r>
+            <a:endParaRPr lang="en-US" altLang="zh-CN" dirty="0" smtClean="0"/>
+          </a:p>
+          <a:p>
+            <a:pPr marL="0" indent="0">
+              <a:buNone/>
+            </a:pPr>
+            <a:r>
+              <a:rPr lang="en-US" altLang="zh-CN" dirty="0" smtClean="0"/>
+              <a:t>3</a:t>
+            </a:r>
+            <a:r>
+              <a:rPr lang="zh-CN" altLang="en-US" dirty="0" smtClean="0"/>
+              <a:t>，可以双向绑定数据，有模板语法循环语法条件语法这些都比较方便，这也是平时经常用的。</a:t>
+            </a:r>
+            <a:endParaRPr lang="en-US" altLang="zh-CN" dirty="0" smtClean="0"/>
+          </a:p>
+          <a:p>
+            <a:pPr marL="0" indent="0">
+              <a:buNone/>
+            </a:pPr>
+            <a:r>
+              <a:rPr lang="zh-CN" altLang="en-US" dirty="0"/>
+              <a:t>缺</a:t>
+            </a:r>
+            <a:r>
+              <a:rPr lang="zh-CN" altLang="en-US" dirty="0" smtClean="0"/>
+              <a:t>点：</a:t>
             </a:r>
             <a:endParaRPr lang="en-US" altLang="zh-CN" dirty="0"/>
           </a:p>
           <a:p>
-            <a:r>
-              <a:rPr lang="zh-CN" altLang="en-US" dirty="0"/>
-              <a:t>第二周：完成所有前端页面，后端初步完成</a:t>
-            </a:r>
-            <a:r>
-              <a:rPr lang="en-US" altLang="zh-CN" dirty="0"/>
-              <a:t> API</a:t>
-            </a:r>
-          </a:p>
-          <a:p>
-            <a:r>
-              <a:rPr lang="zh-CN" altLang="en-US" dirty="0"/>
-              <a:t>第三周：页面 </a:t>
-            </a:r>
-            <a:r>
-              <a:rPr lang="en-US" altLang="zh-CN" dirty="0"/>
-              <a:t>API </a:t>
-            </a:r>
-            <a:r>
-              <a:rPr lang="zh-CN" altLang="en-US" dirty="0"/>
-              <a:t>调试</a:t>
-            </a:r>
+            <a:pPr marL="0" indent="0">
+              <a:buNone/>
+            </a:pPr>
+            <a:r>
+              <a:rPr lang="en-US" altLang="zh-CN" dirty="0" smtClean="0"/>
+              <a:t>1</a:t>
+            </a:r>
+            <a:r>
+              <a:rPr lang="zh-CN" altLang="en-US" dirty="0" smtClean="0"/>
+              <a:t>，因为是第一次使用，很多地方，比如用法方法都不熟悉，开发的时候总体上感觉比较麻烦。</a:t>
+            </a:r>
+            <a:endParaRPr lang="en-US" altLang="zh-CN" dirty="0" smtClean="0"/>
+          </a:p>
+          <a:p>
+            <a:pPr marL="0" indent="0">
+              <a:buNone/>
+            </a:pPr>
+            <a:r>
+              <a:rPr lang="en-US" altLang="zh-CN" dirty="0" smtClean="0"/>
+              <a:t>2</a:t>
+            </a:r>
+            <a:r>
+              <a:rPr lang="zh-CN" altLang="en-US" dirty="0" smtClean="0"/>
+              <a:t>，</a:t>
+            </a:r>
+            <a:r>
+              <a:rPr lang="en-US" altLang="zh-CN" dirty="0" smtClean="0"/>
+              <a:t>vue cli </a:t>
+            </a:r>
+            <a:r>
+              <a:rPr lang="zh-CN" altLang="en-US" dirty="0" smtClean="0"/>
+              <a:t>脚手架比较适合大型的复杂的项目，像比较小的项目我觉得不用这个脚手架比较合适。</a:t>
+            </a:r>
+            <a:endParaRPr lang="zh-CN" altLang="en-US" dirty="0"/>
           </a:p>
         </p:txBody>
       </p:sp>
     </p:spTree>
     <p:extLst>
       <p:ext uri="{BB962C8B-B14F-4D97-AF65-F5344CB8AC3E}">
-        <p14:creationId xmlns:p14="http://schemas.microsoft.com/office/powerpoint/2010/main" val="3739353374"/>
+        <p14:creationId xmlns:p14="http://schemas.microsoft.com/office/powerpoint/2010/main" val="1359120761"/>
       </p:ext>
     </p:extLst>
   </p:cSld>
@@ -3873,13 +4219,7 @@
       </p:grpSpPr>
       <p:sp>
         <p:nvSpPr>
-          <p:cNvPr id="2" name="标题 1">
-            <a:extLst>
-              <a:ext uri="{FF2B5EF4-FFF2-40B4-BE49-F238E27FC236}">
-                <a16:creationId xmlns:a16="http://schemas.microsoft.com/office/drawing/2014/main" id="{700FA466-2BC8-448E-8F9D-0002F64FAC41}"/>
-              </a:ext>
-            </a:extLst>
-          </p:cNvPr>
+          <p:cNvPr id="2" name="标题 1"/>
           <p:cNvSpPr>
             <a:spLocks noGrp="1"/>
           </p:cNvSpPr>
@@ -3894,20 +4234,18 @@
           <a:p>
             <a:r>
               <a:rPr lang="zh-CN" altLang="en-US" dirty="0"/>
-              <a:t>问题分析</a:t>
-            </a:r>
-          </a:p>
-        </p:txBody>
-      </p:sp>
-      <p:sp>
-        <p:nvSpPr>
-          <p:cNvPr id="3" name="内容占位符 2">
-            <a:extLst>
-              <a:ext uri="{FF2B5EF4-FFF2-40B4-BE49-F238E27FC236}">
-                <a16:creationId xmlns:a16="http://schemas.microsoft.com/office/drawing/2014/main" id="{0A28F096-23D7-4C53-886B-3E4D1EEF92A2}"/>
-              </a:ext>
-            </a:extLst>
-          </p:cNvPr>
+              <a:t>遇到的问题</a:t>
+            </a:r>
+            <a:br>
+              <a:rPr lang="zh-CN" altLang="en-US" dirty="0"/>
+            </a:br>
+            <a:endParaRPr lang="zh-CN" altLang="en-US" dirty="0"/>
+          </a:p>
+        </p:txBody>
+      </p:sp>
+      <p:sp>
+        <p:nvSpPr>
+          <p:cNvPr id="3" name="内容占位符 2"/>
           <p:cNvSpPr>
             <a:spLocks noGrp="1"/>
           </p:cNvSpPr>
@@ -3920,24 +4258,103 @@
           <a:bodyPr/>
           <a:lstStyle/>
           <a:p>
+            <a:pPr marL="0" indent="0">
+              <a:buNone/>
+            </a:pPr>
+            <a:r>
+              <a:rPr lang="zh-CN" altLang="en-US" dirty="0" smtClean="0"/>
+              <a:t>在参照网上教程的模板学习</a:t>
+            </a:r>
+            <a:r>
+              <a:rPr lang="en-US" altLang="zh-CN" dirty="0" smtClean="0"/>
+              <a:t>vue cli</a:t>
+            </a:r>
+            <a:r>
+              <a:rPr lang="zh-CN" altLang="en-US" dirty="0" smtClean="0"/>
+              <a:t>的时候似乎一切都变得简单，但是要自己发展出一些分至结构，添加功能的时候就会遇到很多问题，</a:t>
+            </a:r>
+            <a:endParaRPr lang="en-US" altLang="zh-CN" dirty="0" smtClean="0"/>
+          </a:p>
+          <a:p>
+            <a:pPr marL="0" indent="0">
+              <a:buNone/>
+            </a:pPr>
             <a:r>
               <a:rPr lang="zh-CN" altLang="en-US" dirty="0"/>
-              <a:t>前后端进度不同</a:t>
-            </a:r>
-            <a:endParaRPr lang="en-US" altLang="zh-CN" dirty="0"/>
-          </a:p>
-          <a:p>
+              <a:t>有时</a:t>
+            </a:r>
+            <a:r>
+              <a:rPr lang="zh-CN" altLang="en-US" dirty="0" smtClean="0"/>
+              <a:t>候会有一些功能的</a:t>
+            </a:r>
+            <a:r>
+              <a:rPr lang="en-US" altLang="zh-CN" dirty="0" smtClean="0"/>
+              <a:t>js</a:t>
+            </a:r>
+            <a:r>
+              <a:rPr lang="zh-CN" altLang="en-US" dirty="0" smtClean="0"/>
+              <a:t>不起作用，或者跟别的东西冲突，但是在传统开发方式中就没有问题。</a:t>
+            </a:r>
+            <a:endParaRPr lang="en-US" altLang="zh-CN" dirty="0" smtClean="0"/>
+          </a:p>
+          <a:p>
+            <a:pPr marL="0" indent="0">
+              <a:buNone/>
+            </a:pPr>
             <a:r>
               <a:rPr lang="zh-CN" altLang="en-US" dirty="0"/>
-              <a:t>网站开发经验不足</a:t>
-            </a:r>
+              <a:t>因</a:t>
+            </a:r>
+            <a:r>
+              <a:rPr lang="zh-CN" altLang="en-US" dirty="0" smtClean="0"/>
+              <a:t>为前端页面要最早的写出来供团队参考，没有时间边学边写，所以为了尽早出成果，用</a:t>
+            </a:r>
+            <a:r>
+              <a:rPr lang="en-US" altLang="zh-CN" dirty="0" smtClean="0"/>
+              <a:t>vue cli</a:t>
+            </a:r>
+            <a:r>
+              <a:rPr lang="zh-CN" altLang="en-US" dirty="0" smtClean="0"/>
+              <a:t>写了一半以后我用传统开发方式对前端进行了重构，但还是使用了很多的</a:t>
+            </a:r>
+            <a:r>
+              <a:rPr lang="en-US" altLang="zh-CN" dirty="0" smtClean="0"/>
+              <a:t>vue</a:t>
+            </a:r>
+            <a:r>
+              <a:rPr lang="zh-CN" altLang="en-US" dirty="0" smtClean="0"/>
+              <a:t>特有的方法。</a:t>
+            </a:r>
+            <a:endParaRPr lang="en-US" altLang="zh-CN" dirty="0" smtClean="0"/>
+          </a:p>
+          <a:p>
+            <a:pPr marL="0" indent="0">
+              <a:buNone/>
+            </a:pPr>
+            <a:r>
+              <a:rPr lang="zh-CN" altLang="en-US" dirty="0"/>
+              <a:t>总体</a:t>
+            </a:r>
+            <a:r>
+              <a:rPr lang="zh-CN" altLang="en-US" dirty="0" smtClean="0"/>
+              <a:t>上感觉</a:t>
+            </a:r>
+            <a:r>
+              <a:rPr lang="en-US" altLang="zh-CN" dirty="0" smtClean="0"/>
+              <a:t>vue</a:t>
+            </a:r>
+            <a:r>
+              <a:rPr lang="zh-CN" altLang="en-US" dirty="0" smtClean="0"/>
+              <a:t>是一种给我焕然一新的感觉的前端框架，课后也要深入学习一下。</a:t>
+            </a:r>
+            <a:endParaRPr lang="zh-CN" altLang="en-US" dirty="0"/>
           </a:p>
         </p:txBody>
       </p:sp>
     </p:spTree>
     <p:extLst>
       <p:ext uri="{BB962C8B-B14F-4D97-AF65-F5344CB8AC3E}">
-        <p14:creationId xmlns:p14="http://schemas.microsoft.com/office/powerpoint/2010/main" val="2053815845"/>
+        <p14:creationId xmlns:p14="http://schemas.microsoft.com/office/powerpoint/2010/main" val="533775043"/>
       </p:ext>
     </p:extLst>
   </p:cSld>
@@ -3969,7 +4386,7 @@
           <p:cNvPr id="2" name="标题 1">
             <a:extLst>
               <a:ext uri="{FF2B5EF4-FFF2-40B4-BE49-F238E27FC236}">
-                <a16:creationId xmlns:a16="http://schemas.microsoft.com/office/drawing/2014/main" id="{14375B67-B4E6-402C-9498-DB3824B0F3B4}"/>
+                <a16:creationId xmlns:a16="http://schemas.microsoft.com/office/drawing/2014/main" id="{0F366785-B3A9-4F2F-B478-D788D62D9FED}"/>
               </a:ext>
             </a:extLst>
           </p:cNvPr>
@@ -3987,50 +4404,89 @@
           <a:p>
             <a:r>
               <a:rPr lang="zh-CN" altLang="en-US" dirty="0"/>
-              <a:t>页面展示</a:t>
-            </a:r>
-          </a:p>
-        </p:txBody>
-      </p:sp>
-      <p:pic>
-        <p:nvPicPr>
-          <p:cNvPr id="5" name="内容占位符 4">
-            <a:extLst>
-              <a:ext uri="{FF2B5EF4-FFF2-40B4-BE49-F238E27FC236}">
-                <a16:creationId xmlns:a16="http://schemas.microsoft.com/office/drawing/2014/main" id="{F0CE3832-E045-457D-9A0B-4141A883B080}"/>
-              </a:ext>
-            </a:extLst>
-          </p:cNvPr>
-          <p:cNvPicPr>
-            <a:picLocks noGrp="1" noChangeAspect="1"/>
-          </p:cNvPicPr>
+              <a:t>项目介绍</a:t>
+            </a:r>
+          </a:p>
+        </p:txBody>
+      </p:sp>
+      <p:sp>
+        <p:nvSpPr>
+          <p:cNvPr id="3" name="内容占位符 2">
+            <a:extLst>
+              <a:ext uri="{FF2B5EF4-FFF2-40B4-BE49-F238E27FC236}">
+                <a16:creationId xmlns:a16="http://schemas.microsoft.com/office/drawing/2014/main" id="{EAF557A3-3912-43A3-B308-A75586F75E97}"/>
+              </a:ext>
+            </a:extLst>
+          </p:cNvPr>
+          <p:cNvSpPr>
+            <a:spLocks noGrp="1"/>
+          </p:cNvSpPr>
           <p:nvPr>
             <p:ph idx="1"/>
           </p:nvPr>
-        </p:nvPicPr>
-        <p:blipFill>
-          <a:blip r:embed="rId2">
-            <a:extLst>
-              <a:ext uri="{28A0092B-C50C-407E-A947-70E740481C1C}">
-                <a14:useLocalDpi xmlns:a14="http://schemas.microsoft.com/office/drawing/2010/main" val="0"/>
-              </a:ext>
-            </a:extLst>
-          </a:blip>
-          <a:stretch>
-            <a:fillRect/>
-          </a:stretch>
-        </p:blipFill>
-        <p:spPr>
-          <a:xfrm>
-            <a:off x="1810370" y="1825625"/>
-            <a:ext cx="8571259" cy="4351338"/>
-          </a:xfrm>
-        </p:spPr>
-      </p:pic>
+        </p:nvSpPr>
+        <p:spPr/>
+        <p:txBody>
+          <a:bodyPr/>
+          <a:lstStyle/>
+          <a:p>
+            <a:r>
+              <a:rPr lang="zh-CN" altLang="en-US" dirty="0"/>
+              <a:t>一个允许用户自由上传相片的网站</a:t>
+            </a:r>
+            <a:endParaRPr lang="en-US" altLang="zh-CN" dirty="0"/>
+          </a:p>
+          <a:p>
+            <a:r>
+              <a:rPr lang="zh-CN" altLang="en-US" dirty="0"/>
+              <a:t>首页</a:t>
+            </a:r>
+            <a:endParaRPr lang="en-US" altLang="zh-CN" dirty="0"/>
+          </a:p>
+          <a:p>
+            <a:pPr lvl="1"/>
+            <a:r>
+              <a:rPr lang="zh-CN" altLang="en-US" dirty="0"/>
+              <a:t>进行相册展示</a:t>
+            </a:r>
+            <a:endParaRPr lang="en-US" altLang="zh-CN" dirty="0"/>
+          </a:p>
+          <a:p>
+            <a:r>
+              <a:rPr lang="zh-CN" altLang="en-US" dirty="0"/>
+              <a:t>相册页</a:t>
+            </a:r>
+            <a:endParaRPr lang="en-US" altLang="zh-CN" dirty="0"/>
+          </a:p>
+          <a:p>
+            <a:pPr lvl="1"/>
+            <a:r>
+              <a:rPr lang="zh-CN" altLang="en-US" dirty="0"/>
+              <a:t>展示相册内的所有照片</a:t>
+            </a:r>
+            <a:endParaRPr lang="en-US" altLang="zh-CN" dirty="0"/>
+          </a:p>
+          <a:p>
+            <a:r>
+              <a:rPr lang="zh-CN" altLang="en-US" dirty="0"/>
+              <a:t>登陆、注册页</a:t>
+            </a:r>
+            <a:endParaRPr lang="en-US" altLang="zh-CN" dirty="0"/>
+          </a:p>
+          <a:p>
+            <a:pPr lvl="1"/>
+            <a:r>
+              <a:rPr lang="zh-CN" altLang="en-US" dirty="0"/>
+              <a:t>用户进行登陆注册</a:t>
+            </a:r>
+            <a:endParaRPr lang="en-US" altLang="zh-CN" dirty="0"/>
+          </a:p>
+        </p:txBody>
+      </p:sp>
     </p:spTree>
     <p:extLst>
       <p:ext uri="{BB962C8B-B14F-4D97-AF65-F5344CB8AC3E}">
-        <p14:creationId xmlns:p14="http://schemas.microsoft.com/office/powerpoint/2010/main" val="2082207871"/>
+        <p14:creationId xmlns:p14="http://schemas.microsoft.com/office/powerpoint/2010/main" val="3488536208"/>
       </p:ext>
     </p:extLst>
   </p:cSld>
@@ -4062,7 +4518,7 @@
           <p:cNvPr id="2" name="标题 1">
             <a:extLst>
               <a:ext uri="{FF2B5EF4-FFF2-40B4-BE49-F238E27FC236}">
-                <a16:creationId xmlns:a16="http://schemas.microsoft.com/office/drawing/2014/main" id="{C6A06754-99B1-475E-839A-71B866F2E223}"/>
+                <a16:creationId xmlns:a16="http://schemas.microsoft.com/office/drawing/2014/main" id="{A45A4CE6-2906-4D2C-AC65-4D9C89E62F94}"/>
               </a:ext>
             </a:extLst>
           </p:cNvPr>
@@ -4078,49 +4534,70 @@
           <a:bodyPr/>
           <a:lstStyle/>
           <a:p>
-            <a:endParaRPr lang="zh-CN" altLang="en-US" dirty="0"/>
-          </a:p>
-        </p:txBody>
-      </p:sp>
-      <p:pic>
-        <p:nvPicPr>
-          <p:cNvPr id="5" name="内容占位符 4">
-            <a:extLst>
-              <a:ext uri="{FF2B5EF4-FFF2-40B4-BE49-F238E27FC236}">
-                <a16:creationId xmlns:a16="http://schemas.microsoft.com/office/drawing/2014/main" id="{128BCAE2-F858-4948-BE04-B1D61035A668}"/>
-              </a:ext>
-            </a:extLst>
-          </p:cNvPr>
-          <p:cNvPicPr>
-            <a:picLocks noGrp="1" noChangeAspect="1"/>
-          </p:cNvPicPr>
+            <a:r>
+              <a:rPr lang="zh-CN" altLang="en-US" dirty="0"/>
+              <a:t>总体流程计划</a:t>
+            </a:r>
+          </a:p>
+        </p:txBody>
+      </p:sp>
+      <p:sp>
+        <p:nvSpPr>
+          <p:cNvPr id="3" name="内容占位符 2">
+            <a:extLst>
+              <a:ext uri="{FF2B5EF4-FFF2-40B4-BE49-F238E27FC236}">
+                <a16:creationId xmlns:a16="http://schemas.microsoft.com/office/drawing/2014/main" id="{09260894-1ED6-4C26-9FFF-6BF8AA15F150}"/>
+              </a:ext>
+            </a:extLst>
+          </p:cNvPr>
+          <p:cNvSpPr>
+            <a:spLocks noGrp="1"/>
+          </p:cNvSpPr>
           <p:nvPr>
             <p:ph idx="1"/>
           </p:nvPr>
-        </p:nvPicPr>
-        <p:blipFill>
-          <a:blip r:embed="rId2">
-            <a:extLst>
-              <a:ext uri="{28A0092B-C50C-407E-A947-70E740481C1C}">
-                <a14:useLocalDpi xmlns:a14="http://schemas.microsoft.com/office/drawing/2010/main" val="0"/>
-              </a:ext>
-            </a:extLst>
-          </a:blip>
-          <a:stretch>
-            <a:fillRect/>
-          </a:stretch>
-        </p:blipFill>
-        <p:spPr>
-          <a:xfrm>
-            <a:off x="4159306" y="1825625"/>
-            <a:ext cx="3873387" cy="4351338"/>
-          </a:xfrm>
-        </p:spPr>
-      </p:pic>
+        </p:nvSpPr>
+        <p:spPr/>
+        <p:txBody>
+          <a:bodyPr/>
+          <a:lstStyle/>
+          <a:p>
+            <a:r>
+              <a:rPr lang="zh-CN" altLang="en-US" dirty="0"/>
+              <a:t>第一周：进行基本的学习和页面构建</a:t>
+            </a:r>
+            <a:endParaRPr lang="en-US" altLang="zh-CN" dirty="0"/>
+          </a:p>
+          <a:p>
+            <a:r>
+              <a:rPr lang="zh-CN" altLang="en-US" dirty="0"/>
+              <a:t>第二周：完成所有前端页面，后端初步完成</a:t>
+            </a:r>
+            <a:r>
+              <a:rPr lang="en-US" altLang="zh-CN" dirty="0"/>
+              <a:t> API</a:t>
+            </a:r>
+          </a:p>
+          <a:p>
+            <a:r>
+              <a:rPr lang="zh-CN" altLang="en-US" dirty="0"/>
+              <a:t>第三周：页面 </a:t>
+            </a:r>
+            <a:r>
+              <a:rPr lang="en-US" altLang="zh-CN" dirty="0"/>
+              <a:t>API </a:t>
+            </a:r>
+            <a:r>
+              <a:rPr lang="zh-CN" altLang="en-US" dirty="0"/>
+              <a:t>调试</a:t>
+            </a:r>
+          </a:p>
+        </p:txBody>
+      </p:sp>
     </p:spTree>
     <p:extLst>
       <p:ext uri="{BB962C8B-B14F-4D97-AF65-F5344CB8AC3E}">
-        <p14:creationId xmlns:p14="http://schemas.microsoft.com/office/powerpoint/2010/main" val="2514725508"/>
+        <p14:creationId xmlns:p14="http://schemas.microsoft.com/office/powerpoint/2010/main" val="3739353374"/>
       </p:ext>
     </p:extLst>
   </p:cSld>
@@ -4152,7 +4629,7 @@
           <p:cNvPr id="2" name="标题 1">
             <a:extLst>
               <a:ext uri="{FF2B5EF4-FFF2-40B4-BE49-F238E27FC236}">
-                <a16:creationId xmlns:a16="http://schemas.microsoft.com/office/drawing/2014/main" id="{BB926CF1-23A7-49FD-8964-C3F3A2B45F5F}"/>
+                <a16:creationId xmlns:a16="http://schemas.microsoft.com/office/drawing/2014/main" id="{700FA466-2BC8-448E-8F9D-0002F64FAC41}"/>
               </a:ext>
             </a:extLst>
           </p:cNvPr>
@@ -4168,49 +4645,52 @@
           <a:bodyPr/>
           <a:lstStyle/>
           <a:p>
-            <a:endParaRPr lang="zh-CN" altLang="en-US"/>
-          </a:p>
-        </p:txBody>
-      </p:sp>
-      <p:pic>
-        <p:nvPicPr>
-          <p:cNvPr id="5" name="内容占位符 4">
-            <a:extLst>
-              <a:ext uri="{FF2B5EF4-FFF2-40B4-BE49-F238E27FC236}">
-                <a16:creationId xmlns:a16="http://schemas.microsoft.com/office/drawing/2014/main" id="{2B13343F-DC2E-45E6-B255-466176EC77DB}"/>
-              </a:ext>
-            </a:extLst>
-          </p:cNvPr>
-          <p:cNvPicPr>
-            <a:picLocks noGrp="1" noChangeAspect="1"/>
-          </p:cNvPicPr>
+            <a:r>
+              <a:rPr lang="zh-CN" altLang="en-US" dirty="0"/>
+              <a:t>问题分析</a:t>
+            </a:r>
+          </a:p>
+        </p:txBody>
+      </p:sp>
+      <p:sp>
+        <p:nvSpPr>
+          <p:cNvPr id="3" name="内容占位符 2">
+            <a:extLst>
+              <a:ext uri="{FF2B5EF4-FFF2-40B4-BE49-F238E27FC236}">
+                <a16:creationId xmlns:a16="http://schemas.microsoft.com/office/drawing/2014/main" id="{0A28F096-23D7-4C53-886B-3E4D1EEF92A2}"/>
+              </a:ext>
+            </a:extLst>
+          </p:cNvPr>
+          <p:cNvSpPr>
+            <a:spLocks noGrp="1"/>
+          </p:cNvSpPr>
           <p:nvPr>
             <p:ph idx="1"/>
           </p:nvPr>
-        </p:nvPicPr>
-        <p:blipFill>
-          <a:blip r:embed="rId2">
-            <a:extLst>
-              <a:ext uri="{28A0092B-C50C-407E-A947-70E740481C1C}">
-                <a14:useLocalDpi xmlns:a14="http://schemas.microsoft.com/office/drawing/2010/main" val="0"/>
-              </a:ext>
-            </a:extLst>
-          </a:blip>
-          <a:stretch>
-            <a:fillRect/>
-          </a:stretch>
-        </p:blipFill>
-        <p:spPr>
-          <a:xfrm>
-            <a:off x="4238660" y="1825625"/>
-            <a:ext cx="3714679" cy="4351338"/>
-          </a:xfrm>
-        </p:spPr>
-      </p:pic>
+        </p:nvSpPr>
+        <p:spPr/>
+        <p:txBody>
+          <a:bodyPr/>
+          <a:lstStyle/>
+          <a:p>
+            <a:r>
+              <a:rPr lang="zh-CN" altLang="en-US" dirty="0"/>
+              <a:t>前后端进度不同</a:t>
+            </a:r>
+            <a:endParaRPr lang="en-US" altLang="zh-CN" dirty="0"/>
+          </a:p>
+          <a:p>
+            <a:r>
+              <a:rPr lang="zh-CN" altLang="en-US" dirty="0"/>
+              <a:t>网站开发经验不足</a:t>
+            </a:r>
+          </a:p>
+        </p:txBody>
+      </p:sp>
     </p:spTree>
     <p:extLst>
       <p:ext uri="{BB962C8B-B14F-4D97-AF65-F5344CB8AC3E}">
-        <p14:creationId xmlns:p14="http://schemas.microsoft.com/office/powerpoint/2010/main" val="4006961182"/>
+        <p14:creationId xmlns:p14="http://schemas.microsoft.com/office/powerpoint/2010/main" val="2053815845"/>
       </p:ext>
     </p:extLst>
   </p:cSld>
@@ -4239,10 +4719,10 @@
       </p:grpSpPr>
       <p:sp>
         <p:nvSpPr>
-          <p:cNvPr id="7" name="标题 6">
-            <a:extLst>
-              <a:ext uri="{FF2B5EF4-FFF2-40B4-BE49-F238E27FC236}">
-                <a16:creationId xmlns:a16="http://schemas.microsoft.com/office/drawing/2014/main" id="{D37DC146-B25B-4A03-891E-E2226043FE93}"/>
+          <p:cNvPr id="2" name="标题 1">
+            <a:extLst>
+              <a:ext uri="{FF2B5EF4-FFF2-40B4-BE49-F238E27FC236}">
+                <a16:creationId xmlns:a16="http://schemas.microsoft.com/office/drawing/2014/main" id="{14375B67-B4E6-402C-9498-DB3824B0F3B4}"/>
               </a:ext>
             </a:extLst>
           </p:cNvPr>
@@ -4258,7 +4738,10 @@
           <a:bodyPr/>
           <a:lstStyle/>
           <a:p>
-            <a:endParaRPr lang="zh-CN" altLang="en-US"/>
+            <a:r>
+              <a:rPr lang="zh-CN" altLang="en-US" dirty="0"/>
+              <a:t>页面展示</a:t>
+            </a:r>
           </a:p>
         </p:txBody>
       </p:sp>
@@ -4267,7 +4750,7 @@
           <p:cNvPr id="5" name="内容占位符 4">
             <a:extLst>
               <a:ext uri="{FF2B5EF4-FFF2-40B4-BE49-F238E27FC236}">
-                <a16:creationId xmlns:a16="http://schemas.microsoft.com/office/drawing/2014/main" id="{2478126C-1F74-407B-BA1A-E5FB9BC336B8}"/>
+                <a16:creationId xmlns:a16="http://schemas.microsoft.com/office/drawing/2014/main" id="{F0CE3832-E045-457D-9A0B-4141A883B080}"/>
               </a:ext>
             </a:extLst>
           </p:cNvPr>
@@ -4292,15 +4775,15 @@
         </p:blipFill>
         <p:spPr>
           <a:xfrm>
-            <a:off x="1400222" y="1825625"/>
-            <a:ext cx="9391555" cy="4351338"/>
+            <a:off x="1810370" y="1825625"/>
+            <a:ext cx="8571259" cy="4351338"/>
           </a:xfrm>
         </p:spPr>
       </p:pic>
     </p:spTree>
     <p:extLst>
       <p:ext uri="{BB962C8B-B14F-4D97-AF65-F5344CB8AC3E}">
-        <p14:creationId xmlns:p14="http://schemas.microsoft.com/office/powerpoint/2010/main" val="1790407258"/>
+        <p14:creationId xmlns:p14="http://schemas.microsoft.com/office/powerpoint/2010/main" val="2082207871"/>
       </p:ext>
     </p:extLst>
   </p:cSld>

--- a/文档/项目展示-1.pptx
+++ b/文档/项目展示-1.pptx
@@ -10,14 +10,17 @@
     <p:sldId id="266" r:id="rId4"/>
     <p:sldId id="267" r:id="rId5"/>
     <p:sldId id="268" r:id="rId6"/>
-    <p:sldId id="261" r:id="rId7"/>
-    <p:sldId id="258" r:id="rId8"/>
-    <p:sldId id="259" r:id="rId9"/>
-    <p:sldId id="260" r:id="rId10"/>
-    <p:sldId id="262" r:id="rId11"/>
-    <p:sldId id="263" r:id="rId12"/>
-    <p:sldId id="264" r:id="rId13"/>
-    <p:sldId id="265" r:id="rId14"/>
+    <p:sldId id="269" r:id="rId7"/>
+    <p:sldId id="270" r:id="rId8"/>
+    <p:sldId id="271" r:id="rId9"/>
+    <p:sldId id="261" r:id="rId10"/>
+    <p:sldId id="258" r:id="rId11"/>
+    <p:sldId id="259" r:id="rId12"/>
+    <p:sldId id="260" r:id="rId13"/>
+    <p:sldId id="262" r:id="rId14"/>
+    <p:sldId id="263" r:id="rId15"/>
+    <p:sldId id="264" r:id="rId16"/>
+    <p:sldId id="265" r:id="rId17"/>
   </p:sldIdLst>
   <p:sldSz cx="12192000" cy="6858000"/>
   <p:notesSz cx="6858000" cy="9144000"/>
@@ -271,7 +274,7 @@
           <a:p>
             <a:fld id="{0E993C3F-A2AA-462E-BB69-758B9B1B13A6}" type="datetimeFigureOut">
               <a:rPr lang="zh-CN" altLang="en-US" smtClean="0"/>
-              <a:t>2020/9/15</a:t>
+              <a:t>20.9.15</a:t>
             </a:fld>
             <a:endParaRPr lang="zh-CN" altLang="en-US"/>
           </a:p>
@@ -469,7 +472,7 @@
           <a:p>
             <a:fld id="{0E993C3F-A2AA-462E-BB69-758B9B1B13A6}" type="datetimeFigureOut">
               <a:rPr lang="zh-CN" altLang="en-US" smtClean="0"/>
-              <a:t>2020/9/15</a:t>
+              <a:t>20.9.15</a:t>
             </a:fld>
             <a:endParaRPr lang="zh-CN" altLang="en-US"/>
           </a:p>
@@ -677,7 +680,7 @@
           <a:p>
             <a:fld id="{0E993C3F-A2AA-462E-BB69-758B9B1B13A6}" type="datetimeFigureOut">
               <a:rPr lang="zh-CN" altLang="en-US" smtClean="0"/>
-              <a:t>2020/9/15</a:t>
+              <a:t>20.9.15</a:t>
             </a:fld>
             <a:endParaRPr lang="zh-CN" altLang="en-US"/>
           </a:p>
@@ -875,7 +878,7 @@
           <a:p>
             <a:fld id="{0E993C3F-A2AA-462E-BB69-758B9B1B13A6}" type="datetimeFigureOut">
               <a:rPr lang="zh-CN" altLang="en-US" smtClean="0"/>
-              <a:t>2020/9/15</a:t>
+              <a:t>20.9.15</a:t>
             </a:fld>
             <a:endParaRPr lang="zh-CN" altLang="en-US"/>
           </a:p>
@@ -1150,7 +1153,7 @@
           <a:p>
             <a:fld id="{0E993C3F-A2AA-462E-BB69-758B9B1B13A6}" type="datetimeFigureOut">
               <a:rPr lang="zh-CN" altLang="en-US" smtClean="0"/>
-              <a:t>2020/9/15</a:t>
+              <a:t>20.9.15</a:t>
             </a:fld>
             <a:endParaRPr lang="zh-CN" altLang="en-US"/>
           </a:p>
@@ -1415,7 +1418,7 @@
           <a:p>
             <a:fld id="{0E993C3F-A2AA-462E-BB69-758B9B1B13A6}" type="datetimeFigureOut">
               <a:rPr lang="zh-CN" altLang="en-US" smtClean="0"/>
-              <a:t>2020/9/15</a:t>
+              <a:t>20.9.15</a:t>
             </a:fld>
             <a:endParaRPr lang="zh-CN" altLang="en-US"/>
           </a:p>
@@ -1827,7 +1830,7 @@
           <a:p>
             <a:fld id="{0E993C3F-A2AA-462E-BB69-758B9B1B13A6}" type="datetimeFigureOut">
               <a:rPr lang="zh-CN" altLang="en-US" smtClean="0"/>
-              <a:t>2020/9/15</a:t>
+              <a:t>20.9.15</a:t>
             </a:fld>
             <a:endParaRPr lang="zh-CN" altLang="en-US"/>
           </a:p>
@@ -1968,7 +1971,7 @@
           <a:p>
             <a:fld id="{0E993C3F-A2AA-462E-BB69-758B9B1B13A6}" type="datetimeFigureOut">
               <a:rPr lang="zh-CN" altLang="en-US" smtClean="0"/>
-              <a:t>2020/9/15</a:t>
+              <a:t>20.9.15</a:t>
             </a:fld>
             <a:endParaRPr lang="zh-CN" altLang="en-US"/>
           </a:p>
@@ -2081,7 +2084,7 @@
           <a:p>
             <a:fld id="{0E993C3F-A2AA-462E-BB69-758B9B1B13A6}" type="datetimeFigureOut">
               <a:rPr lang="zh-CN" altLang="en-US" smtClean="0"/>
-              <a:t>2020/9/15</a:t>
+              <a:t>20.9.15</a:t>
             </a:fld>
             <a:endParaRPr lang="zh-CN" altLang="en-US"/>
           </a:p>
@@ -2392,7 +2395,7 @@
           <a:p>
             <a:fld id="{0E993C3F-A2AA-462E-BB69-758B9B1B13A6}" type="datetimeFigureOut">
               <a:rPr lang="zh-CN" altLang="en-US" smtClean="0"/>
-              <a:t>2020/9/15</a:t>
+              <a:t>20.9.15</a:t>
             </a:fld>
             <a:endParaRPr lang="zh-CN" altLang="en-US"/>
           </a:p>
@@ -2680,7 +2683,7 @@
           <a:p>
             <a:fld id="{0E993C3F-A2AA-462E-BB69-758B9B1B13A6}" type="datetimeFigureOut">
               <a:rPr lang="zh-CN" altLang="en-US" smtClean="0"/>
-              <a:t>2020/9/15</a:t>
+              <a:t>20.9.15</a:t>
             </a:fld>
             <a:endParaRPr lang="zh-CN" altLang="en-US"/>
           </a:p>
@@ -2921,7 +2924,7 @@
           <a:p>
             <a:fld id="{0E993C3F-A2AA-462E-BB69-758B9B1B13A6}" type="datetimeFigureOut">
               <a:rPr lang="zh-CN" altLang="en-US" smtClean="0"/>
-              <a:t>2020/9/15</a:t>
+              <a:t>20.9.15</a:t>
             </a:fld>
             <a:endParaRPr lang="zh-CN" altLang="en-US"/>
           </a:p>
@@ -3426,7 +3429,7 @@
           <p:cNvPr id="2" name="标题 1">
             <a:extLst>
               <a:ext uri="{FF2B5EF4-FFF2-40B4-BE49-F238E27FC236}">
-                <a16:creationId xmlns:a16="http://schemas.microsoft.com/office/drawing/2014/main" id="{C6A06754-99B1-475E-839A-71B866F2E223}"/>
+                <a16:creationId xmlns:a16="http://schemas.microsoft.com/office/drawing/2014/main" id="{A45A4CE6-2906-4D2C-AC65-4D9C89E62F94}"/>
               </a:ext>
             </a:extLst>
           </p:cNvPr>
@@ -3442,49 +3445,70 @@
           <a:bodyPr/>
           <a:lstStyle/>
           <a:p>
-            <a:endParaRPr lang="zh-CN" altLang="en-US" dirty="0"/>
-          </a:p>
-        </p:txBody>
-      </p:sp>
-      <p:pic>
-        <p:nvPicPr>
-          <p:cNvPr id="5" name="内容占位符 4">
-            <a:extLst>
-              <a:ext uri="{FF2B5EF4-FFF2-40B4-BE49-F238E27FC236}">
-                <a16:creationId xmlns:a16="http://schemas.microsoft.com/office/drawing/2014/main" id="{128BCAE2-F858-4948-BE04-B1D61035A668}"/>
-              </a:ext>
-            </a:extLst>
-          </p:cNvPr>
-          <p:cNvPicPr>
-            <a:picLocks noGrp="1" noChangeAspect="1"/>
-          </p:cNvPicPr>
+            <a:r>
+              <a:rPr lang="zh-CN" altLang="en-US" dirty="0"/>
+              <a:t>总体流程计划</a:t>
+            </a:r>
+          </a:p>
+        </p:txBody>
+      </p:sp>
+      <p:sp>
+        <p:nvSpPr>
+          <p:cNvPr id="3" name="内容占位符 2">
+            <a:extLst>
+              <a:ext uri="{FF2B5EF4-FFF2-40B4-BE49-F238E27FC236}">
+                <a16:creationId xmlns:a16="http://schemas.microsoft.com/office/drawing/2014/main" id="{09260894-1ED6-4C26-9FFF-6BF8AA15F150}"/>
+              </a:ext>
+            </a:extLst>
+          </p:cNvPr>
+          <p:cNvSpPr>
+            <a:spLocks noGrp="1"/>
+          </p:cNvSpPr>
           <p:nvPr>
             <p:ph idx="1"/>
           </p:nvPr>
-        </p:nvPicPr>
-        <p:blipFill>
-          <a:blip r:embed="rId2">
-            <a:extLst>
-              <a:ext uri="{28A0092B-C50C-407E-A947-70E740481C1C}">
-                <a14:useLocalDpi xmlns:a14="http://schemas.microsoft.com/office/drawing/2010/main" val="0"/>
-              </a:ext>
-            </a:extLst>
-          </a:blip>
-          <a:stretch>
-            <a:fillRect/>
-          </a:stretch>
-        </p:blipFill>
-        <p:spPr>
-          <a:xfrm>
-            <a:off x="4159306" y="1825625"/>
-            <a:ext cx="3873387" cy="4351338"/>
-          </a:xfrm>
-        </p:spPr>
-      </p:pic>
+        </p:nvSpPr>
+        <p:spPr/>
+        <p:txBody>
+          <a:bodyPr/>
+          <a:lstStyle/>
+          <a:p>
+            <a:r>
+              <a:rPr lang="zh-CN" altLang="en-US" dirty="0"/>
+              <a:t>第一周：进行基本的学习和页面构建</a:t>
+            </a:r>
+            <a:endParaRPr lang="en-US" altLang="zh-CN" dirty="0"/>
+          </a:p>
+          <a:p>
+            <a:r>
+              <a:rPr lang="zh-CN" altLang="en-US" dirty="0"/>
+              <a:t>第二周：完成所有前端页面，后端初步完成</a:t>
+            </a:r>
+            <a:r>
+              <a:rPr lang="en-US" altLang="zh-CN" dirty="0"/>
+              <a:t> API</a:t>
+            </a:r>
+          </a:p>
+          <a:p>
+            <a:r>
+              <a:rPr lang="zh-CN" altLang="en-US" dirty="0"/>
+              <a:t>第三周：页面 </a:t>
+            </a:r>
+            <a:r>
+              <a:rPr lang="en-US" altLang="zh-CN" dirty="0"/>
+              <a:t>API </a:t>
+            </a:r>
+            <a:r>
+              <a:rPr lang="zh-CN" altLang="en-US" dirty="0"/>
+              <a:t>调试</a:t>
+            </a:r>
+          </a:p>
+        </p:txBody>
+      </p:sp>
     </p:spTree>
     <p:extLst>
       <p:ext uri="{BB962C8B-B14F-4D97-AF65-F5344CB8AC3E}">
-        <p14:creationId xmlns:p14="http://schemas.microsoft.com/office/powerpoint/2010/main" val="2514725508"/>
+        <p14:creationId xmlns:p14="http://schemas.microsoft.com/office/powerpoint/2010/main" val="3739353374"/>
       </p:ext>
     </p:extLst>
   </p:cSld>
@@ -3516,7 +3540,7 @@
           <p:cNvPr id="2" name="标题 1">
             <a:extLst>
               <a:ext uri="{FF2B5EF4-FFF2-40B4-BE49-F238E27FC236}">
-                <a16:creationId xmlns:a16="http://schemas.microsoft.com/office/drawing/2014/main" id="{BB926CF1-23A7-49FD-8964-C3F3A2B45F5F}"/>
+                <a16:creationId xmlns:a16="http://schemas.microsoft.com/office/drawing/2014/main" id="{700FA466-2BC8-448E-8F9D-0002F64FAC41}"/>
               </a:ext>
             </a:extLst>
           </p:cNvPr>
@@ -3532,49 +3556,52 @@
           <a:bodyPr/>
           <a:lstStyle/>
           <a:p>
-            <a:endParaRPr lang="zh-CN" altLang="en-US"/>
-          </a:p>
-        </p:txBody>
-      </p:sp>
-      <p:pic>
-        <p:nvPicPr>
-          <p:cNvPr id="5" name="内容占位符 4">
-            <a:extLst>
-              <a:ext uri="{FF2B5EF4-FFF2-40B4-BE49-F238E27FC236}">
-                <a16:creationId xmlns:a16="http://schemas.microsoft.com/office/drawing/2014/main" id="{2B13343F-DC2E-45E6-B255-466176EC77DB}"/>
-              </a:ext>
-            </a:extLst>
-          </p:cNvPr>
-          <p:cNvPicPr>
-            <a:picLocks noGrp="1" noChangeAspect="1"/>
-          </p:cNvPicPr>
+            <a:r>
+              <a:rPr lang="zh-CN" altLang="en-US" dirty="0"/>
+              <a:t>问题分析</a:t>
+            </a:r>
+          </a:p>
+        </p:txBody>
+      </p:sp>
+      <p:sp>
+        <p:nvSpPr>
+          <p:cNvPr id="3" name="内容占位符 2">
+            <a:extLst>
+              <a:ext uri="{FF2B5EF4-FFF2-40B4-BE49-F238E27FC236}">
+                <a16:creationId xmlns:a16="http://schemas.microsoft.com/office/drawing/2014/main" id="{0A28F096-23D7-4C53-886B-3E4D1EEF92A2}"/>
+              </a:ext>
+            </a:extLst>
+          </p:cNvPr>
+          <p:cNvSpPr>
+            <a:spLocks noGrp="1"/>
+          </p:cNvSpPr>
           <p:nvPr>
             <p:ph idx="1"/>
           </p:nvPr>
-        </p:nvPicPr>
-        <p:blipFill>
-          <a:blip r:embed="rId2">
-            <a:extLst>
-              <a:ext uri="{28A0092B-C50C-407E-A947-70E740481C1C}">
-                <a14:useLocalDpi xmlns:a14="http://schemas.microsoft.com/office/drawing/2010/main" val="0"/>
-              </a:ext>
-            </a:extLst>
-          </a:blip>
-          <a:stretch>
-            <a:fillRect/>
-          </a:stretch>
-        </p:blipFill>
-        <p:spPr>
-          <a:xfrm>
-            <a:off x="4238660" y="1825625"/>
-            <a:ext cx="3714679" cy="4351338"/>
-          </a:xfrm>
-        </p:spPr>
-      </p:pic>
+        </p:nvSpPr>
+        <p:spPr/>
+        <p:txBody>
+          <a:bodyPr/>
+          <a:lstStyle/>
+          <a:p>
+            <a:r>
+              <a:rPr lang="zh-CN" altLang="en-US" dirty="0"/>
+              <a:t>前后端进度不同</a:t>
+            </a:r>
+            <a:endParaRPr lang="en-US" altLang="zh-CN" dirty="0"/>
+          </a:p>
+          <a:p>
+            <a:r>
+              <a:rPr lang="zh-CN" altLang="en-US" dirty="0"/>
+              <a:t>网站开发经验不足</a:t>
+            </a:r>
+          </a:p>
+        </p:txBody>
+      </p:sp>
     </p:spTree>
     <p:extLst>
       <p:ext uri="{BB962C8B-B14F-4D97-AF65-F5344CB8AC3E}">
-        <p14:creationId xmlns:p14="http://schemas.microsoft.com/office/powerpoint/2010/main" val="4006961182"/>
+        <p14:creationId xmlns:p14="http://schemas.microsoft.com/office/powerpoint/2010/main" val="2053815845"/>
       </p:ext>
     </p:extLst>
   </p:cSld>
@@ -3603,6 +3630,279 @@
       </p:grpSpPr>
       <p:sp>
         <p:nvSpPr>
+          <p:cNvPr id="2" name="标题 1">
+            <a:extLst>
+              <a:ext uri="{FF2B5EF4-FFF2-40B4-BE49-F238E27FC236}">
+                <a16:creationId xmlns:a16="http://schemas.microsoft.com/office/drawing/2014/main" id="{14375B67-B4E6-402C-9498-DB3824B0F3B4}"/>
+              </a:ext>
+            </a:extLst>
+          </p:cNvPr>
+          <p:cNvSpPr>
+            <a:spLocks noGrp="1"/>
+          </p:cNvSpPr>
+          <p:nvPr>
+            <p:ph type="title"/>
+          </p:nvPr>
+        </p:nvSpPr>
+        <p:spPr/>
+        <p:txBody>
+          <a:bodyPr/>
+          <a:lstStyle/>
+          <a:p>
+            <a:r>
+              <a:rPr lang="zh-CN" altLang="en-US" dirty="0"/>
+              <a:t>页面展示</a:t>
+            </a:r>
+          </a:p>
+        </p:txBody>
+      </p:sp>
+      <p:pic>
+        <p:nvPicPr>
+          <p:cNvPr id="5" name="内容占位符 4">
+            <a:extLst>
+              <a:ext uri="{FF2B5EF4-FFF2-40B4-BE49-F238E27FC236}">
+                <a16:creationId xmlns:a16="http://schemas.microsoft.com/office/drawing/2014/main" id="{F0CE3832-E045-457D-9A0B-4141A883B080}"/>
+              </a:ext>
+            </a:extLst>
+          </p:cNvPr>
+          <p:cNvPicPr>
+            <a:picLocks noGrp="1" noChangeAspect="1"/>
+          </p:cNvPicPr>
+          <p:nvPr>
+            <p:ph idx="1"/>
+          </p:nvPr>
+        </p:nvPicPr>
+        <p:blipFill>
+          <a:blip r:embed="rId2">
+            <a:extLst>
+              <a:ext uri="{28A0092B-C50C-407E-A947-70E740481C1C}">
+                <a14:useLocalDpi xmlns:a14="http://schemas.microsoft.com/office/drawing/2010/main" val="0"/>
+              </a:ext>
+            </a:extLst>
+          </a:blip>
+          <a:stretch>
+            <a:fillRect/>
+          </a:stretch>
+        </p:blipFill>
+        <p:spPr>
+          <a:xfrm>
+            <a:off x="1810370" y="1825625"/>
+            <a:ext cx="8571259" cy="4351338"/>
+          </a:xfrm>
+        </p:spPr>
+      </p:pic>
+    </p:spTree>
+    <p:extLst>
+      <p:ext uri="{BB962C8B-B14F-4D97-AF65-F5344CB8AC3E}">
+        <p14:creationId xmlns:p14="http://schemas.microsoft.com/office/powerpoint/2010/main" val="2082207871"/>
+      </p:ext>
+    </p:extLst>
+  </p:cSld>
+  <p:clrMapOvr>
+    <a:masterClrMapping/>
+  </p:clrMapOvr>
+</p:sld>
+</file>
+
+<file path=ppt/slides/slide13.xml><?xml version="1.0" encoding="utf-8"?>
+<p:sld xmlns:a="http://schemas.openxmlformats.org/drawingml/2006/main" xmlns:r="http://schemas.openxmlformats.org/officeDocument/2006/relationships" xmlns:p="http://schemas.openxmlformats.org/presentationml/2006/main">
+  <p:cSld>
+    <p:spTree>
+      <p:nvGrpSpPr>
+        <p:cNvPr id="1" name=""/>
+        <p:cNvGrpSpPr/>
+        <p:nvPr/>
+      </p:nvGrpSpPr>
+      <p:grpSpPr>
+        <a:xfrm>
+          <a:off x="0" y="0"/>
+          <a:ext cx="0" cy="0"/>
+          <a:chOff x="0" y="0"/>
+          <a:chExt cx="0" cy="0"/>
+        </a:xfrm>
+      </p:grpSpPr>
+      <p:sp>
+        <p:nvSpPr>
+          <p:cNvPr id="2" name="标题 1">
+            <a:extLst>
+              <a:ext uri="{FF2B5EF4-FFF2-40B4-BE49-F238E27FC236}">
+                <a16:creationId xmlns:a16="http://schemas.microsoft.com/office/drawing/2014/main" id="{C6A06754-99B1-475E-839A-71B866F2E223}"/>
+              </a:ext>
+            </a:extLst>
+          </p:cNvPr>
+          <p:cNvSpPr>
+            <a:spLocks noGrp="1"/>
+          </p:cNvSpPr>
+          <p:nvPr>
+            <p:ph type="title"/>
+          </p:nvPr>
+        </p:nvSpPr>
+        <p:spPr/>
+        <p:txBody>
+          <a:bodyPr/>
+          <a:lstStyle/>
+          <a:p>
+            <a:endParaRPr lang="zh-CN" altLang="en-US" dirty="0"/>
+          </a:p>
+        </p:txBody>
+      </p:sp>
+      <p:pic>
+        <p:nvPicPr>
+          <p:cNvPr id="5" name="内容占位符 4">
+            <a:extLst>
+              <a:ext uri="{FF2B5EF4-FFF2-40B4-BE49-F238E27FC236}">
+                <a16:creationId xmlns:a16="http://schemas.microsoft.com/office/drawing/2014/main" id="{128BCAE2-F858-4948-BE04-B1D61035A668}"/>
+              </a:ext>
+            </a:extLst>
+          </p:cNvPr>
+          <p:cNvPicPr>
+            <a:picLocks noGrp="1" noChangeAspect="1"/>
+          </p:cNvPicPr>
+          <p:nvPr>
+            <p:ph idx="1"/>
+          </p:nvPr>
+        </p:nvPicPr>
+        <p:blipFill>
+          <a:blip r:embed="rId2">
+            <a:extLst>
+              <a:ext uri="{28A0092B-C50C-407E-A947-70E740481C1C}">
+                <a14:useLocalDpi xmlns:a14="http://schemas.microsoft.com/office/drawing/2010/main" val="0"/>
+              </a:ext>
+            </a:extLst>
+          </a:blip>
+          <a:stretch>
+            <a:fillRect/>
+          </a:stretch>
+        </p:blipFill>
+        <p:spPr>
+          <a:xfrm>
+            <a:off x="4159306" y="1825625"/>
+            <a:ext cx="3873387" cy="4351338"/>
+          </a:xfrm>
+        </p:spPr>
+      </p:pic>
+    </p:spTree>
+    <p:extLst>
+      <p:ext uri="{BB962C8B-B14F-4D97-AF65-F5344CB8AC3E}">
+        <p14:creationId xmlns:p14="http://schemas.microsoft.com/office/powerpoint/2010/main" val="2514725508"/>
+      </p:ext>
+    </p:extLst>
+  </p:cSld>
+  <p:clrMapOvr>
+    <a:masterClrMapping/>
+  </p:clrMapOvr>
+</p:sld>
+</file>
+
+<file path=ppt/slides/slide14.xml><?xml version="1.0" encoding="utf-8"?>
+<p:sld xmlns:a="http://schemas.openxmlformats.org/drawingml/2006/main" xmlns:r="http://schemas.openxmlformats.org/officeDocument/2006/relationships" xmlns:p="http://schemas.openxmlformats.org/presentationml/2006/main">
+  <p:cSld>
+    <p:spTree>
+      <p:nvGrpSpPr>
+        <p:cNvPr id="1" name=""/>
+        <p:cNvGrpSpPr/>
+        <p:nvPr/>
+      </p:nvGrpSpPr>
+      <p:grpSpPr>
+        <a:xfrm>
+          <a:off x="0" y="0"/>
+          <a:ext cx="0" cy="0"/>
+          <a:chOff x="0" y="0"/>
+          <a:chExt cx="0" cy="0"/>
+        </a:xfrm>
+      </p:grpSpPr>
+      <p:sp>
+        <p:nvSpPr>
+          <p:cNvPr id="2" name="标题 1">
+            <a:extLst>
+              <a:ext uri="{FF2B5EF4-FFF2-40B4-BE49-F238E27FC236}">
+                <a16:creationId xmlns:a16="http://schemas.microsoft.com/office/drawing/2014/main" id="{BB926CF1-23A7-49FD-8964-C3F3A2B45F5F}"/>
+              </a:ext>
+            </a:extLst>
+          </p:cNvPr>
+          <p:cNvSpPr>
+            <a:spLocks noGrp="1"/>
+          </p:cNvSpPr>
+          <p:nvPr>
+            <p:ph type="title"/>
+          </p:nvPr>
+        </p:nvSpPr>
+        <p:spPr/>
+        <p:txBody>
+          <a:bodyPr/>
+          <a:lstStyle/>
+          <a:p>
+            <a:endParaRPr lang="zh-CN" altLang="en-US"/>
+          </a:p>
+        </p:txBody>
+      </p:sp>
+      <p:pic>
+        <p:nvPicPr>
+          <p:cNvPr id="5" name="内容占位符 4">
+            <a:extLst>
+              <a:ext uri="{FF2B5EF4-FFF2-40B4-BE49-F238E27FC236}">
+                <a16:creationId xmlns:a16="http://schemas.microsoft.com/office/drawing/2014/main" id="{2B13343F-DC2E-45E6-B255-466176EC77DB}"/>
+              </a:ext>
+            </a:extLst>
+          </p:cNvPr>
+          <p:cNvPicPr>
+            <a:picLocks noGrp="1" noChangeAspect="1"/>
+          </p:cNvPicPr>
+          <p:nvPr>
+            <p:ph idx="1"/>
+          </p:nvPr>
+        </p:nvPicPr>
+        <p:blipFill>
+          <a:blip r:embed="rId2">
+            <a:extLst>
+              <a:ext uri="{28A0092B-C50C-407E-A947-70E740481C1C}">
+                <a14:useLocalDpi xmlns:a14="http://schemas.microsoft.com/office/drawing/2010/main" val="0"/>
+              </a:ext>
+            </a:extLst>
+          </a:blip>
+          <a:stretch>
+            <a:fillRect/>
+          </a:stretch>
+        </p:blipFill>
+        <p:spPr>
+          <a:xfrm>
+            <a:off x="4238660" y="1825625"/>
+            <a:ext cx="3714679" cy="4351338"/>
+          </a:xfrm>
+        </p:spPr>
+      </p:pic>
+    </p:spTree>
+    <p:extLst>
+      <p:ext uri="{BB962C8B-B14F-4D97-AF65-F5344CB8AC3E}">
+        <p14:creationId xmlns:p14="http://schemas.microsoft.com/office/powerpoint/2010/main" val="4006961182"/>
+      </p:ext>
+    </p:extLst>
+  </p:cSld>
+  <p:clrMapOvr>
+    <a:masterClrMapping/>
+  </p:clrMapOvr>
+</p:sld>
+</file>
+
+<file path=ppt/slides/slide15.xml><?xml version="1.0" encoding="utf-8"?>
+<p:sld xmlns:a="http://schemas.openxmlformats.org/drawingml/2006/main" xmlns:r="http://schemas.openxmlformats.org/officeDocument/2006/relationships" xmlns:p="http://schemas.openxmlformats.org/presentationml/2006/main">
+  <p:cSld>
+    <p:spTree>
+      <p:nvGrpSpPr>
+        <p:cNvPr id="1" name=""/>
+        <p:cNvGrpSpPr/>
+        <p:nvPr/>
+      </p:nvGrpSpPr>
+      <p:grpSpPr>
+        <a:xfrm>
+          <a:off x="0" y="0"/>
+          <a:ext cx="0" cy="0"/>
+          <a:chOff x="0" y="0"/>
+          <a:chExt cx="0" cy="0"/>
+        </a:xfrm>
+      </p:grpSpPr>
+      <p:sp>
+        <p:nvSpPr>
           <p:cNvPr id="7" name="标题 6">
             <a:extLst>
               <a:ext uri="{FF2B5EF4-FFF2-40B4-BE49-F238E27FC236}">
@@ -3674,7 +3974,7 @@
 </p:sld>
 </file>
 
-<file path=ppt/slides/slide13.xml><?xml version="1.0" encoding="utf-8"?>
+<file path=ppt/slides/slide16.xml><?xml version="1.0" encoding="utf-8"?>
 <p:sld xmlns:a="http://schemas.openxmlformats.org/drawingml/2006/main" xmlns:r="http://schemas.openxmlformats.org/officeDocument/2006/relationships" xmlns:p="http://schemas.openxmlformats.org/presentationml/2006/main">
   <p:cSld>
     <p:spTree>
@@ -3917,18 +4217,9 @@
           <a:lstStyle/>
           <a:p>
             <a:r>
-              <a:rPr lang="zh-CN" altLang="en-US" dirty="0" smtClean="0"/>
-              <a:t>前端样式具</a:t>
-            </a:r>
-            <a:r>
-              <a:rPr lang="zh-CN" altLang="en-US" dirty="0"/>
-              <a:t>体工</a:t>
-            </a:r>
-            <a:r>
-              <a:rPr lang="zh-CN" altLang="en-US" dirty="0" smtClean="0"/>
-              <a:t>作</a:t>
-            </a:r>
-            <a:endParaRPr lang="zh-CN" altLang="en-US" dirty="0"/>
+              <a:rPr lang="zh-CN" altLang="en-US" dirty="0"/>
+              <a:t>前端样式具体工作</a:t>
+            </a:r>
           </a:p>
         </p:txBody>
       </p:sp>
@@ -3951,50 +4242,49 @@
               <a:buNone/>
             </a:pPr>
             <a:r>
-              <a:rPr lang="en-US" altLang="zh-CN" dirty="0" smtClean="0"/>
+              <a:rPr lang="en-US" altLang="zh-CN" dirty="0"/>
               <a:t>1.</a:t>
             </a:r>
             <a:r>
-              <a:rPr lang="zh-CN" altLang="en-US" dirty="0" smtClean="0"/>
+              <a:rPr lang="zh-CN" altLang="en-US" dirty="0"/>
               <a:t>先拿出一个能看的页面，和团队确定具体的功能和方向。</a:t>
             </a:r>
-            <a:endParaRPr lang="en-US" altLang="zh-CN" dirty="0" smtClean="0"/>
+            <a:endParaRPr lang="en-US" altLang="zh-CN" dirty="0"/>
           </a:p>
           <a:p>
             <a:pPr marL="0" indent="0">
               <a:buNone/>
             </a:pPr>
             <a:r>
-              <a:rPr lang="en-US" altLang="zh-CN" dirty="0" smtClean="0"/>
+              <a:rPr lang="en-US" altLang="zh-CN" dirty="0"/>
               <a:t>2.</a:t>
             </a:r>
             <a:r>
-              <a:rPr lang="zh-CN" altLang="en-US" dirty="0" smtClean="0"/>
+              <a:rPr lang="zh-CN" altLang="en-US" dirty="0"/>
               <a:t>实现各个页面的视觉效果图形样式，尽可能使页面更好看一点</a:t>
             </a:r>
-            <a:endParaRPr lang="en-US" altLang="zh-CN" dirty="0" smtClean="0"/>
+            <a:endParaRPr lang="en-US" altLang="zh-CN" dirty="0"/>
           </a:p>
           <a:p>
             <a:pPr marL="0" indent="0">
               <a:buNone/>
             </a:pPr>
             <a:r>
-              <a:rPr lang="en-US" altLang="zh-CN" dirty="0" smtClean="0"/>
+              <a:rPr lang="en-US" altLang="zh-CN" dirty="0"/>
               <a:t>3.</a:t>
             </a:r>
             <a:r>
-              <a:rPr lang="zh-CN" altLang="en-US" dirty="0" smtClean="0"/>
+              <a:rPr lang="zh-CN" altLang="en-US" dirty="0"/>
               <a:t>配合写</a:t>
             </a:r>
             <a:r>
-              <a:rPr lang="en-US" altLang="zh-CN" dirty="0" smtClean="0"/>
+              <a:rPr lang="en-US" altLang="zh-CN" dirty="0"/>
               <a:t>js</a:t>
             </a:r>
             <a:r>
-              <a:rPr lang="zh-CN" altLang="en-US" dirty="0" smtClean="0"/>
+              <a:rPr lang="zh-CN" altLang="en-US" dirty="0"/>
               <a:t>前端逻辑的同学</a:t>
             </a:r>
-            <a:endParaRPr lang="zh-CN" altLang="en-US" dirty="0"/>
           </a:p>
         </p:txBody>
       </p:sp>
@@ -4048,7 +4338,7 @@
               <a:t>我感觉的</a:t>
             </a:r>
             <a:r>
-              <a:rPr lang="en-US" altLang="zh-CN" dirty="0" smtClean="0"/>
+              <a:rPr lang="en-US" altLang="zh-CN" dirty="0"/>
               <a:t>Vue cli</a:t>
             </a:r>
             <a:endParaRPr lang="zh-CN" altLang="en-US" dirty="0"/>
@@ -4077,63 +4367,59 @@
             </a:pPr>
             <a:r>
               <a:rPr lang="zh-CN" altLang="en-US" dirty="0"/>
-              <a:t>优</a:t>
-            </a:r>
-            <a:r>
-              <a:rPr lang="zh-CN" altLang="en-US" dirty="0" smtClean="0"/>
-              <a:t>点：</a:t>
-            </a:r>
-            <a:endParaRPr lang="en-US" altLang="zh-CN" dirty="0" smtClean="0"/>
+              <a:t>优点：</a:t>
+            </a:r>
+            <a:endParaRPr lang="en-US" altLang="zh-CN" dirty="0"/>
           </a:p>
           <a:p>
             <a:pPr marL="0" indent="0">
               <a:buNone/>
             </a:pPr>
             <a:r>
-              <a:rPr lang="en-US" altLang="zh-CN" dirty="0" smtClean="0"/>
+              <a:rPr lang="en-US" altLang="zh-CN" dirty="0"/>
               <a:t>1</a:t>
             </a:r>
             <a:r>
-              <a:rPr lang="zh-CN" altLang="en-US" dirty="0" smtClean="0"/>
+              <a:rPr lang="zh-CN" altLang="en-US" dirty="0"/>
               <a:t>，我是第一次用</a:t>
             </a:r>
             <a:r>
-              <a:rPr lang="en-US" altLang="zh-CN" dirty="0" smtClean="0"/>
+              <a:rPr lang="en-US" altLang="zh-CN" dirty="0"/>
               <a:t>vue cli</a:t>
             </a:r>
             <a:r>
-              <a:rPr lang="zh-CN" altLang="en-US" dirty="0" smtClean="0"/>
+              <a:rPr lang="zh-CN" altLang="en-US" dirty="0"/>
               <a:t>感觉颠覆了我以前写网页的经验，感觉写组件就像写对象一样。</a:t>
             </a:r>
-            <a:endParaRPr lang="en-US" altLang="zh-CN" dirty="0" smtClean="0"/>
+            <a:endParaRPr lang="en-US" altLang="zh-CN" dirty="0"/>
           </a:p>
           <a:p>
             <a:pPr marL="0" indent="0">
               <a:buNone/>
             </a:pPr>
             <a:r>
-              <a:rPr lang="en-US" altLang="zh-CN" dirty="0" smtClean="0"/>
+              <a:rPr lang="en-US" altLang="zh-CN" dirty="0"/>
               <a:t>2</a:t>
             </a:r>
             <a:r>
-              <a:rPr lang="zh-CN" altLang="en-US" dirty="0" smtClean="0"/>
+              <a:rPr lang="zh-CN" altLang="en-US" dirty="0"/>
               <a:t>，因为有路由，页面之间的通信和跳转都十分方便</a:t>
             </a:r>
-            <a:endParaRPr lang="en-US" altLang="zh-CN" dirty="0" smtClean="0"/>
+            <a:endParaRPr lang="en-US" altLang="zh-CN" dirty="0"/>
           </a:p>
           <a:p>
             <a:pPr marL="0" indent="0">
               <a:buNone/>
             </a:pPr>
             <a:r>
-              <a:rPr lang="en-US" altLang="zh-CN" dirty="0" smtClean="0"/>
+              <a:rPr lang="en-US" altLang="zh-CN" dirty="0"/>
               <a:t>3</a:t>
             </a:r>
             <a:r>
-              <a:rPr lang="zh-CN" altLang="en-US" dirty="0" smtClean="0"/>
+              <a:rPr lang="zh-CN" altLang="en-US" dirty="0"/>
               <a:t>，可以双向绑定数据，有模板语法循环语法条件语法这些都比较方便，这也是平时经常用的。</a:t>
             </a:r>
-            <a:endParaRPr lang="en-US" altLang="zh-CN" dirty="0" smtClean="0"/>
+            <a:endParaRPr lang="en-US" altLang="zh-CN" dirty="0"/>
           </a:p>
           <a:p>
             <a:pPr marL="0" indent="0">
@@ -4141,11 +4427,7 @@
             </a:pPr>
             <a:r>
               <a:rPr lang="zh-CN" altLang="en-US" dirty="0"/>
-              <a:t>缺</a:t>
-            </a:r>
-            <a:r>
-              <a:rPr lang="zh-CN" altLang="en-US" dirty="0" smtClean="0"/>
-              <a:t>点：</a:t>
+              <a:t>缺点：</a:t>
             </a:r>
             <a:endParaRPr lang="en-US" altLang="zh-CN" dirty="0"/>
           </a:p>
@@ -4154,36 +4436,35 @@
               <a:buNone/>
             </a:pPr>
             <a:r>
-              <a:rPr lang="en-US" altLang="zh-CN" dirty="0" smtClean="0"/>
+              <a:rPr lang="en-US" altLang="zh-CN" dirty="0"/>
               <a:t>1</a:t>
             </a:r>
             <a:r>
-              <a:rPr lang="zh-CN" altLang="en-US" dirty="0" smtClean="0"/>
+              <a:rPr lang="zh-CN" altLang="en-US" dirty="0"/>
               <a:t>，因为是第一次使用，很多地方，比如用法方法都不熟悉，开发的时候总体上感觉比较麻烦。</a:t>
             </a:r>
-            <a:endParaRPr lang="en-US" altLang="zh-CN" dirty="0" smtClean="0"/>
+            <a:endParaRPr lang="en-US" altLang="zh-CN" dirty="0"/>
           </a:p>
           <a:p>
             <a:pPr marL="0" indent="0">
               <a:buNone/>
             </a:pPr>
             <a:r>
-              <a:rPr lang="en-US" altLang="zh-CN" dirty="0" smtClean="0"/>
+              <a:rPr lang="en-US" altLang="zh-CN" dirty="0"/>
               <a:t>2</a:t>
             </a:r>
             <a:r>
-              <a:rPr lang="zh-CN" altLang="en-US" dirty="0" smtClean="0"/>
+              <a:rPr lang="zh-CN" altLang="en-US" dirty="0"/>
               <a:t>，</a:t>
             </a:r>
             <a:r>
-              <a:rPr lang="en-US" altLang="zh-CN" dirty="0" smtClean="0"/>
+              <a:rPr lang="en-US" altLang="zh-CN" dirty="0"/>
               <a:t>vue cli </a:t>
             </a:r>
             <a:r>
-              <a:rPr lang="zh-CN" altLang="en-US" dirty="0" smtClean="0"/>
+              <a:rPr lang="zh-CN" altLang="en-US" dirty="0"/>
               <a:t>脚手架比较适合大型的复杂的项目，像比较小的项目我觉得不用这个脚手架比较合适。</a:t>
             </a:r>
-            <a:endParaRPr lang="zh-CN" altLang="en-US" dirty="0"/>
           </a:p>
         </p:txBody>
       </p:sp>
@@ -4262,18 +4543,18 @@
               <a:buNone/>
             </a:pPr>
             <a:r>
-              <a:rPr lang="zh-CN" altLang="en-US" dirty="0" smtClean="0"/>
+              <a:rPr lang="zh-CN" altLang="en-US" dirty="0"/>
               <a:t>在参照网上教程的模板学习</a:t>
             </a:r>
             <a:r>
-              <a:rPr lang="en-US" altLang="zh-CN" dirty="0" smtClean="0"/>
+              <a:rPr lang="en-US" altLang="zh-CN" dirty="0"/>
               <a:t>vue cli</a:t>
             </a:r>
             <a:r>
-              <a:rPr lang="zh-CN" altLang="en-US" dirty="0" smtClean="0"/>
+              <a:rPr lang="zh-CN" altLang="en-US" dirty="0"/>
               <a:t>的时候似乎一切都变得简单，但是要自己发展出一些分至结构，添加功能的时候就会遇到很多问题，</a:t>
             </a:r>
-            <a:endParaRPr lang="en-US" altLang="zh-CN" dirty="0" smtClean="0"/>
+            <a:endParaRPr lang="en-US" altLang="zh-CN" dirty="0"/>
           </a:p>
           <a:p>
             <a:pPr marL="0" indent="0">
@@ -4281,21 +4562,17 @@
             </a:pPr>
             <a:r>
               <a:rPr lang="zh-CN" altLang="en-US" dirty="0"/>
-              <a:t>有时</a:t>
-            </a:r>
-            <a:r>
-              <a:rPr lang="zh-CN" altLang="en-US" dirty="0" smtClean="0"/>
-              <a:t>候会有一些功能的</a:t>
-            </a:r>
-            <a:r>
-              <a:rPr lang="en-US" altLang="zh-CN" dirty="0" smtClean="0"/>
+              <a:t>有时候会有一些功能的</a:t>
+            </a:r>
+            <a:r>
+              <a:rPr lang="en-US" altLang="zh-CN" dirty="0"/>
               <a:t>js</a:t>
             </a:r>
             <a:r>
-              <a:rPr lang="zh-CN" altLang="en-US" dirty="0" smtClean="0"/>
+              <a:rPr lang="zh-CN" altLang="en-US" dirty="0"/>
               <a:t>不起作用，或者跟别的东西冲突，但是在传统开发方式中就没有问题。</a:t>
             </a:r>
-            <a:endParaRPr lang="en-US" altLang="zh-CN" dirty="0" smtClean="0"/>
+            <a:endParaRPr lang="en-US" altLang="zh-CN" dirty="0"/>
           </a:p>
           <a:p>
             <a:pPr marL="0" indent="0">
@@ -4303,29 +4580,25 @@
             </a:pPr>
             <a:r>
               <a:rPr lang="zh-CN" altLang="en-US" dirty="0"/>
-              <a:t>因</a:t>
-            </a:r>
-            <a:r>
-              <a:rPr lang="zh-CN" altLang="en-US" dirty="0" smtClean="0"/>
-              <a:t>为前端页面要最早的写出来供团队参考，没有时间边学边写，所以为了尽早出成果，用</a:t>
-            </a:r>
-            <a:r>
-              <a:rPr lang="en-US" altLang="zh-CN" dirty="0" smtClean="0"/>
+              <a:t>因为前端页面要最早的写出来供团队参考，没有时间边学边写，所以为了尽早出成果，用</a:t>
+            </a:r>
+            <a:r>
+              <a:rPr lang="en-US" altLang="zh-CN" dirty="0"/>
               <a:t>vue cli</a:t>
             </a:r>
             <a:r>
-              <a:rPr lang="zh-CN" altLang="en-US" dirty="0" smtClean="0"/>
+              <a:rPr lang="zh-CN" altLang="en-US" dirty="0"/>
               <a:t>写了一半以后我用传统开发方式对前端进行了重构，但还是使用了很多的</a:t>
             </a:r>
             <a:r>
-              <a:rPr lang="en-US" altLang="zh-CN" dirty="0" smtClean="0"/>
+              <a:rPr lang="en-US" altLang="zh-CN" dirty="0"/>
               <a:t>vue</a:t>
             </a:r>
             <a:r>
-              <a:rPr lang="zh-CN" altLang="en-US" dirty="0" smtClean="0"/>
+              <a:rPr lang="zh-CN" altLang="en-US" dirty="0"/>
               <a:t>特有的方法。</a:t>
             </a:r>
-            <a:endParaRPr lang="en-US" altLang="zh-CN" dirty="0" smtClean="0"/>
+            <a:endParaRPr lang="en-US" altLang="zh-CN" dirty="0"/>
           </a:p>
           <a:p>
             <a:pPr marL="0" indent="0">
@@ -4333,21 +4606,16 @@
             </a:pPr>
             <a:r>
               <a:rPr lang="zh-CN" altLang="en-US" dirty="0"/>
-              <a:t>总体</a:t>
-            </a:r>
-            <a:r>
-              <a:rPr lang="zh-CN" altLang="en-US" dirty="0" smtClean="0"/>
-              <a:t>上感觉</a:t>
-            </a:r>
-            <a:r>
-              <a:rPr lang="en-US" altLang="zh-CN" dirty="0" smtClean="0"/>
+              <a:t>总体上感觉</a:t>
+            </a:r>
+            <a:r>
+              <a:rPr lang="en-US" altLang="zh-CN" dirty="0"/>
               <a:t>vue</a:t>
             </a:r>
             <a:r>
-              <a:rPr lang="zh-CN" altLang="en-US" dirty="0" smtClean="0"/>
+              <a:rPr lang="zh-CN" altLang="en-US" dirty="0"/>
               <a:t>是一种给我焕然一新的感觉的前端框架，课后也要深入学习一下。</a:t>
             </a:r>
-            <a:endParaRPr lang="zh-CN" altLang="en-US" dirty="0"/>
           </a:p>
         </p:txBody>
       </p:sp>
@@ -4386,7 +4654,7 @@
           <p:cNvPr id="2" name="标题 1">
             <a:extLst>
               <a:ext uri="{FF2B5EF4-FFF2-40B4-BE49-F238E27FC236}">
-                <a16:creationId xmlns:a16="http://schemas.microsoft.com/office/drawing/2014/main" id="{0F366785-B3A9-4F2F-B478-D788D62D9FED}"/>
+                <a16:creationId xmlns:a16="http://schemas.microsoft.com/office/drawing/2014/main" id="{476D3A10-CE26-4821-892A-2EF9F286C9D7}"/>
               </a:ext>
             </a:extLst>
           </p:cNvPr>
@@ -4404,7 +4672,7 @@
           <a:p>
             <a:r>
               <a:rPr lang="zh-CN" altLang="en-US" dirty="0"/>
-              <a:t>项目介绍</a:t>
+              <a:t>前端逻辑</a:t>
             </a:r>
           </a:p>
         </p:txBody>
@@ -4414,7 +4682,7 @@
           <p:cNvPr id="3" name="内容占位符 2">
             <a:extLst>
               <a:ext uri="{FF2B5EF4-FFF2-40B4-BE49-F238E27FC236}">
-                <a16:creationId xmlns:a16="http://schemas.microsoft.com/office/drawing/2014/main" id="{EAF557A3-3912-43A3-B308-A75586F75E97}"/>
+                <a16:creationId xmlns:a16="http://schemas.microsoft.com/office/drawing/2014/main" id="{DB33297A-248B-4E96-8449-CF63BED96C09}"/>
               </a:ext>
             </a:extLst>
           </p:cNvPr>
@@ -4430,63 +4698,66 @@
           <a:bodyPr/>
           <a:lstStyle/>
           <a:p>
-            <a:r>
-              <a:rPr lang="zh-CN" altLang="en-US" dirty="0"/>
-              <a:t>一个允许用户自由上传相片的网站</a:t>
-            </a:r>
-            <a:endParaRPr lang="en-US" altLang="zh-CN" dirty="0"/>
-          </a:p>
-          <a:p>
-            <a:r>
-              <a:rPr lang="zh-CN" altLang="en-US" dirty="0"/>
-              <a:t>首页</a:t>
-            </a:r>
-            <a:endParaRPr lang="en-US" altLang="zh-CN" dirty="0"/>
-          </a:p>
-          <a:p>
-            <a:pPr lvl="1"/>
-            <a:r>
-              <a:rPr lang="zh-CN" altLang="en-US" dirty="0"/>
-              <a:t>进行相册展示</a:t>
-            </a:r>
-            <a:endParaRPr lang="en-US" altLang="zh-CN" dirty="0"/>
-          </a:p>
-          <a:p>
-            <a:r>
-              <a:rPr lang="zh-CN" altLang="en-US" dirty="0"/>
-              <a:t>相册页</a:t>
-            </a:r>
-            <a:endParaRPr lang="en-US" altLang="zh-CN" dirty="0"/>
-          </a:p>
-          <a:p>
-            <a:pPr lvl="1"/>
-            <a:r>
-              <a:rPr lang="zh-CN" altLang="en-US" dirty="0"/>
-              <a:t>展示相册内的所有照片</a:t>
-            </a:r>
-            <a:endParaRPr lang="en-US" altLang="zh-CN" dirty="0"/>
-          </a:p>
-          <a:p>
-            <a:r>
-              <a:rPr lang="zh-CN" altLang="en-US" dirty="0"/>
-              <a:t>登陆、注册页</a:t>
-            </a:r>
-            <a:endParaRPr lang="en-US" altLang="zh-CN" dirty="0"/>
-          </a:p>
-          <a:p>
-            <a:pPr lvl="1"/>
-            <a:r>
-              <a:rPr lang="zh-CN" altLang="en-US" dirty="0"/>
-              <a:t>用户进行登陆注册</a:t>
-            </a:r>
-            <a:endParaRPr lang="en-US" altLang="zh-CN" dirty="0"/>
+            <a:pPr marL="0" indent="0">
+              <a:buNone/>
+            </a:pPr>
+            <a:r>
+              <a:rPr lang="en-US" altLang="zh-CN" dirty="0"/>
+              <a:t> </a:t>
+            </a:r>
+            <a:r>
+              <a:rPr lang="zh-CN" altLang="en-US" dirty="0"/>
+              <a:t>通过</a:t>
+            </a:r>
+            <a:r>
+              <a:rPr lang="en-US" altLang="zh-CN" dirty="0" err="1"/>
+              <a:t>Axios</a:t>
+            </a:r>
+            <a:r>
+              <a:rPr lang="zh-CN" altLang="en-US" dirty="0"/>
+              <a:t>以</a:t>
+            </a:r>
+            <a:r>
+              <a:rPr lang="en-US" altLang="zh-CN" dirty="0"/>
+              <a:t>JSON</a:t>
+            </a:r>
+            <a:r>
+              <a:rPr lang="zh-CN" altLang="en-US" dirty="0"/>
+              <a:t>格式发送请求</a:t>
+            </a:r>
+            <a:r>
+              <a:rPr lang="en-US" altLang="zh-CN" dirty="0"/>
+              <a:t>, </a:t>
+            </a:r>
+            <a:r>
+              <a:rPr lang="zh-CN" altLang="en-US" dirty="0"/>
+              <a:t>获取数据</a:t>
+            </a:r>
+            <a:r>
+              <a:rPr lang="en-US" altLang="zh-CN" dirty="0"/>
+              <a:t>. </a:t>
+            </a:r>
+            <a:r>
+              <a:rPr lang="zh-CN" altLang="en-US" dirty="0"/>
+              <a:t>然后处理数据并输出</a:t>
+            </a:r>
+            <a:r>
+              <a:rPr lang="en-US" altLang="zh-CN" dirty="0"/>
+              <a:t>.</a:t>
+            </a:r>
+          </a:p>
+          <a:p>
+            <a:pPr marL="0" indent="0">
+              <a:buNone/>
+            </a:pPr>
+            <a:endParaRPr lang="zh-CN" altLang="en-US" dirty="0"/>
           </a:p>
         </p:txBody>
       </p:sp>
     </p:spTree>
     <p:extLst>
       <p:ext uri="{BB962C8B-B14F-4D97-AF65-F5344CB8AC3E}">
-        <p14:creationId xmlns:p14="http://schemas.microsoft.com/office/powerpoint/2010/main" val="3488536208"/>
+        <p14:creationId xmlns:p14="http://schemas.microsoft.com/office/powerpoint/2010/main" val="2209293413"/>
       </p:ext>
     </p:extLst>
   </p:cSld>
@@ -4518,7 +4789,7 @@
           <p:cNvPr id="2" name="标题 1">
             <a:extLst>
               <a:ext uri="{FF2B5EF4-FFF2-40B4-BE49-F238E27FC236}">
-                <a16:creationId xmlns:a16="http://schemas.microsoft.com/office/drawing/2014/main" id="{A45A4CE6-2906-4D2C-AC65-4D9C89E62F94}"/>
+                <a16:creationId xmlns:a16="http://schemas.microsoft.com/office/drawing/2014/main" id="{186B34EA-44B7-4DE0-8B75-3AE21C4133B9}"/>
               </a:ext>
             </a:extLst>
           </p:cNvPr>
@@ -4535,9 +4806,10 @@
           <a:lstStyle/>
           <a:p>
             <a:r>
-              <a:rPr lang="zh-CN" altLang="en-US" dirty="0"/>
-              <a:t>总体流程计划</a:t>
-            </a:r>
+              <a:rPr lang="en-US" altLang="zh-CN" dirty="0"/>
+              <a:t>AXIOS</a:t>
+            </a:r>
+            <a:endParaRPr lang="zh-CN" altLang="en-US" dirty="0"/>
           </a:p>
         </p:txBody>
       </p:sp>
@@ -4546,7 +4818,7 @@
           <p:cNvPr id="3" name="内容占位符 2">
             <a:extLst>
               <a:ext uri="{FF2B5EF4-FFF2-40B4-BE49-F238E27FC236}">
-                <a16:creationId xmlns:a16="http://schemas.microsoft.com/office/drawing/2014/main" id="{09260894-1ED6-4C26-9FFF-6BF8AA15F150}"/>
+                <a16:creationId xmlns:a16="http://schemas.microsoft.com/office/drawing/2014/main" id="{F12FF2B6-9CEB-4DCF-9B44-351964E2FF0F}"/>
               </a:ext>
             </a:extLst>
           </p:cNvPr>
@@ -4562,42 +4834,77 @@
           <a:bodyPr/>
           <a:lstStyle/>
           <a:p>
-            <a:r>
-              <a:rPr lang="zh-CN" altLang="en-US" dirty="0"/>
-              <a:t>第一周：进行基本的学习和页面构建</a:t>
-            </a:r>
-            <a:endParaRPr lang="en-US" altLang="zh-CN" dirty="0"/>
-          </a:p>
-          <a:p>
-            <a:r>
-              <a:rPr lang="zh-CN" altLang="en-US" dirty="0"/>
-              <a:t>第二周：完成所有前端页面，后端初步完成</a:t>
-            </a:r>
+            <a:pPr marL="0" indent="0">
+              <a:buNone/>
+            </a:pPr>
             <a:r>
               <a:rPr lang="en-US" altLang="zh-CN" dirty="0"/>
-              <a:t> API</a:t>
-            </a:r>
-          </a:p>
-          <a:p>
-            <a:r>
-              <a:rPr lang="zh-CN" altLang="en-US" dirty="0"/>
-              <a:t>第三周：页面 </a:t>
+              <a:t>AJAX</a:t>
+            </a:r>
+            <a:r>
+              <a:rPr lang="zh-CN" altLang="en-US" dirty="0"/>
+              <a:t>适用于</a:t>
             </a:r>
             <a:r>
               <a:rPr lang="en-US" altLang="zh-CN" dirty="0"/>
-              <a:t>API </a:t>
-            </a:r>
-            <a:r>
-              <a:rPr lang="zh-CN" altLang="en-US" dirty="0"/>
-              <a:t>调试</a:t>
-            </a:r>
+              <a:t>MVC</a:t>
+            </a:r>
+            <a:r>
+              <a:rPr lang="zh-CN" altLang="en-US" dirty="0"/>
+              <a:t>模式</a:t>
+            </a:r>
+            <a:r>
+              <a:rPr lang="en-US" altLang="zh-CN" dirty="0"/>
+              <a:t>, </a:t>
+            </a:r>
+            <a:r>
+              <a:rPr lang="zh-CN" altLang="en-US" dirty="0"/>
+              <a:t>不适用于现在前端的</a:t>
+            </a:r>
+            <a:r>
+              <a:rPr lang="en-US" altLang="zh-CN" dirty="0"/>
+              <a:t>MVVM</a:t>
+            </a:r>
+            <a:r>
+              <a:rPr lang="zh-CN" altLang="en-US" dirty="0"/>
+              <a:t>模式</a:t>
+            </a:r>
+            <a:r>
+              <a:rPr lang="en-US" altLang="zh-CN" dirty="0"/>
+              <a:t>, </a:t>
+            </a:r>
+            <a:r>
+              <a:rPr lang="zh-CN" altLang="en-US" dirty="0"/>
+              <a:t>使用时并没有感觉到太大的差别</a:t>
+            </a:r>
+            <a:r>
+              <a:rPr lang="en-US" altLang="zh-CN" dirty="0"/>
+              <a:t>, AXIOS</a:t>
+            </a:r>
+            <a:r>
+              <a:rPr lang="zh-CN" altLang="en-US" dirty="0"/>
+              <a:t>完全脱离了</a:t>
+            </a:r>
+            <a:r>
+              <a:rPr lang="en-US" altLang="zh-CN" dirty="0" err="1"/>
+              <a:t>JQuery</a:t>
+            </a:r>
+            <a:r>
+              <a:rPr lang="zh-CN" altLang="en-US" dirty="0"/>
+              <a:t>后引用较为方便</a:t>
+            </a:r>
+            <a:r>
+              <a:rPr lang="en-US" altLang="zh-CN" dirty="0"/>
+              <a:t>.</a:t>
+            </a:r>
+            <a:endParaRPr lang="zh-CN" altLang="en-US" dirty="0"/>
           </a:p>
         </p:txBody>
       </p:sp>
     </p:spTree>
     <p:extLst>
       <p:ext uri="{BB962C8B-B14F-4D97-AF65-F5344CB8AC3E}">
-        <p14:creationId xmlns:p14="http://schemas.microsoft.com/office/powerpoint/2010/main" val="3739353374"/>
+        <p14:creationId xmlns:p14="http://schemas.microsoft.com/office/powerpoint/2010/main" val="3788140004"/>
       </p:ext>
     </p:extLst>
   </p:cSld>
@@ -4629,7 +4936,7 @@
           <p:cNvPr id="2" name="标题 1">
             <a:extLst>
               <a:ext uri="{FF2B5EF4-FFF2-40B4-BE49-F238E27FC236}">
-                <a16:creationId xmlns:a16="http://schemas.microsoft.com/office/drawing/2014/main" id="{700FA466-2BC8-448E-8F9D-0002F64FAC41}"/>
+                <a16:creationId xmlns:a16="http://schemas.microsoft.com/office/drawing/2014/main" id="{7068EE0C-3CA4-4955-AB5A-A44293314536}"/>
               </a:ext>
             </a:extLst>
           </p:cNvPr>
@@ -4647,7 +4954,7 @@
           <a:p>
             <a:r>
               <a:rPr lang="zh-CN" altLang="en-US" dirty="0"/>
-              <a:t>问题分析</a:t>
+              <a:t>前端逻辑总结</a:t>
             </a:r>
           </a:p>
         </p:txBody>
@@ -4657,7 +4964,7 @@
           <p:cNvPr id="3" name="内容占位符 2">
             <a:extLst>
               <a:ext uri="{FF2B5EF4-FFF2-40B4-BE49-F238E27FC236}">
-                <a16:creationId xmlns:a16="http://schemas.microsoft.com/office/drawing/2014/main" id="{0A28F096-23D7-4C53-886B-3E4D1EEF92A2}"/>
+                <a16:creationId xmlns:a16="http://schemas.microsoft.com/office/drawing/2014/main" id="{00859241-9FCD-4EBF-9B26-835055CEAFB9}"/>
               </a:ext>
             </a:extLst>
           </p:cNvPr>
@@ -4673,24 +4980,70 @@
           <a:bodyPr/>
           <a:lstStyle/>
           <a:p>
-            <a:r>
-              <a:rPr lang="zh-CN" altLang="en-US" dirty="0"/>
-              <a:t>前后端进度不同</a:t>
-            </a:r>
-            <a:endParaRPr lang="en-US" altLang="zh-CN" dirty="0"/>
-          </a:p>
-          <a:p>
-            <a:r>
-              <a:rPr lang="zh-CN" altLang="en-US" dirty="0"/>
-              <a:t>网站开发经验不足</a:t>
-            </a:r>
+            <a:pPr marL="514350" indent="-514350">
+              <a:buAutoNum type="arabicPeriod"/>
+            </a:pPr>
+            <a:r>
+              <a:rPr lang="zh-CN" altLang="en-US" dirty="0"/>
+              <a:t>前端文件应与后端文件放在同一个端口下</a:t>
+            </a:r>
+            <a:r>
+              <a:rPr lang="en-US" altLang="zh-CN" dirty="0"/>
+              <a:t>, </a:t>
+            </a:r>
+            <a:r>
+              <a:rPr lang="zh-CN" altLang="en-US" dirty="0"/>
+              <a:t>不然需要处理跨域请求</a:t>
+            </a:r>
+            <a:r>
+              <a:rPr lang="en-US" altLang="zh-CN" dirty="0"/>
+              <a:t>.</a:t>
+            </a:r>
+          </a:p>
+          <a:p>
+            <a:pPr marL="514350" indent="-514350">
+              <a:buAutoNum type="arabicPeriod"/>
+            </a:pPr>
+            <a:r>
+              <a:rPr lang="zh-CN" altLang="en-US" dirty="0"/>
+              <a:t>及时更新</a:t>
+            </a:r>
+            <a:r>
+              <a:rPr lang="en-US" altLang="zh-CN" dirty="0"/>
+              <a:t>API</a:t>
+            </a:r>
+            <a:r>
+              <a:rPr lang="zh-CN" altLang="en-US" dirty="0"/>
+              <a:t>文档中的</a:t>
+            </a:r>
+            <a:r>
+              <a:rPr lang="en-US" altLang="zh-CN" dirty="0"/>
+              <a:t>API</a:t>
+            </a:r>
+            <a:r>
+              <a:rPr lang="zh-CN" altLang="en-US" dirty="0"/>
+              <a:t>的表单</a:t>
+            </a:r>
+            <a:r>
+              <a:rPr lang="en-US" altLang="zh-CN" dirty="0"/>
+              <a:t>name</a:t>
+            </a:r>
+            <a:r>
+              <a:rPr lang="zh-CN" altLang="en-US" dirty="0"/>
+              <a:t>和请求方式</a:t>
+            </a:r>
+            <a:r>
+              <a:rPr lang="en-US" altLang="zh-CN" dirty="0"/>
+              <a:t>.</a:t>
+            </a:r>
+            <a:endParaRPr lang="zh-CN" altLang="en-US" dirty="0"/>
           </a:p>
         </p:txBody>
       </p:sp>
     </p:spTree>
     <p:extLst>
       <p:ext uri="{BB962C8B-B14F-4D97-AF65-F5344CB8AC3E}">
-        <p14:creationId xmlns:p14="http://schemas.microsoft.com/office/powerpoint/2010/main" val="2053815845"/>
+        <p14:creationId xmlns:p14="http://schemas.microsoft.com/office/powerpoint/2010/main" val="256501251"/>
       </p:ext>
     </p:extLst>
   </p:cSld>
@@ -4722,7 +5075,7 @@
           <p:cNvPr id="2" name="标题 1">
             <a:extLst>
               <a:ext uri="{FF2B5EF4-FFF2-40B4-BE49-F238E27FC236}">
-                <a16:creationId xmlns:a16="http://schemas.microsoft.com/office/drawing/2014/main" id="{14375B67-B4E6-402C-9498-DB3824B0F3B4}"/>
+                <a16:creationId xmlns:a16="http://schemas.microsoft.com/office/drawing/2014/main" id="{0F366785-B3A9-4F2F-B478-D788D62D9FED}"/>
               </a:ext>
             </a:extLst>
           </p:cNvPr>
@@ -4740,50 +5093,89 @@
           <a:p>
             <a:r>
               <a:rPr lang="zh-CN" altLang="en-US" dirty="0"/>
-              <a:t>页面展示</a:t>
-            </a:r>
-          </a:p>
-        </p:txBody>
-      </p:sp>
-      <p:pic>
-        <p:nvPicPr>
-          <p:cNvPr id="5" name="内容占位符 4">
-            <a:extLst>
-              <a:ext uri="{FF2B5EF4-FFF2-40B4-BE49-F238E27FC236}">
-                <a16:creationId xmlns:a16="http://schemas.microsoft.com/office/drawing/2014/main" id="{F0CE3832-E045-457D-9A0B-4141A883B080}"/>
-              </a:ext>
-            </a:extLst>
-          </p:cNvPr>
-          <p:cNvPicPr>
-            <a:picLocks noGrp="1" noChangeAspect="1"/>
-          </p:cNvPicPr>
+              <a:t>项目介绍</a:t>
+            </a:r>
+          </a:p>
+        </p:txBody>
+      </p:sp>
+      <p:sp>
+        <p:nvSpPr>
+          <p:cNvPr id="3" name="内容占位符 2">
+            <a:extLst>
+              <a:ext uri="{FF2B5EF4-FFF2-40B4-BE49-F238E27FC236}">
+                <a16:creationId xmlns:a16="http://schemas.microsoft.com/office/drawing/2014/main" id="{EAF557A3-3912-43A3-B308-A75586F75E97}"/>
+              </a:ext>
+            </a:extLst>
+          </p:cNvPr>
+          <p:cNvSpPr>
+            <a:spLocks noGrp="1"/>
+          </p:cNvSpPr>
           <p:nvPr>
             <p:ph idx="1"/>
           </p:nvPr>
-        </p:nvPicPr>
-        <p:blipFill>
-          <a:blip r:embed="rId2">
-            <a:extLst>
-              <a:ext uri="{28A0092B-C50C-407E-A947-70E740481C1C}">
-                <a14:useLocalDpi xmlns:a14="http://schemas.microsoft.com/office/drawing/2010/main" val="0"/>
-              </a:ext>
-            </a:extLst>
-          </a:blip>
-          <a:stretch>
-            <a:fillRect/>
-          </a:stretch>
-        </p:blipFill>
-        <p:spPr>
-          <a:xfrm>
-            <a:off x="1810370" y="1825625"/>
-            <a:ext cx="8571259" cy="4351338"/>
-          </a:xfrm>
-        </p:spPr>
-      </p:pic>
+        </p:nvSpPr>
+        <p:spPr/>
+        <p:txBody>
+          <a:bodyPr/>
+          <a:lstStyle/>
+          <a:p>
+            <a:r>
+              <a:rPr lang="zh-CN" altLang="en-US" dirty="0"/>
+              <a:t>一个允许用户自由上传相片的网站</a:t>
+            </a:r>
+            <a:endParaRPr lang="en-US" altLang="zh-CN" dirty="0"/>
+          </a:p>
+          <a:p>
+            <a:r>
+              <a:rPr lang="zh-CN" altLang="en-US" dirty="0"/>
+              <a:t>首页</a:t>
+            </a:r>
+            <a:endParaRPr lang="en-US" altLang="zh-CN" dirty="0"/>
+          </a:p>
+          <a:p>
+            <a:pPr lvl="1"/>
+            <a:r>
+              <a:rPr lang="zh-CN" altLang="en-US" dirty="0"/>
+              <a:t>进行相册展示</a:t>
+            </a:r>
+            <a:endParaRPr lang="en-US" altLang="zh-CN" dirty="0"/>
+          </a:p>
+          <a:p>
+            <a:r>
+              <a:rPr lang="zh-CN" altLang="en-US" dirty="0"/>
+              <a:t>相册页</a:t>
+            </a:r>
+            <a:endParaRPr lang="en-US" altLang="zh-CN" dirty="0"/>
+          </a:p>
+          <a:p>
+            <a:pPr lvl="1"/>
+            <a:r>
+              <a:rPr lang="zh-CN" altLang="en-US" dirty="0"/>
+              <a:t>展示相册内的所有照片</a:t>
+            </a:r>
+            <a:endParaRPr lang="en-US" altLang="zh-CN" dirty="0"/>
+          </a:p>
+          <a:p>
+            <a:r>
+              <a:rPr lang="zh-CN" altLang="en-US" dirty="0"/>
+              <a:t>登陆、注册页</a:t>
+            </a:r>
+            <a:endParaRPr lang="en-US" altLang="zh-CN" dirty="0"/>
+          </a:p>
+          <a:p>
+            <a:pPr lvl="1"/>
+            <a:r>
+              <a:rPr lang="zh-CN" altLang="en-US" dirty="0"/>
+              <a:t>用户进行登陆注册</a:t>
+            </a:r>
+            <a:endParaRPr lang="en-US" altLang="zh-CN" dirty="0"/>
+          </a:p>
+        </p:txBody>
+      </p:sp>
     </p:spTree>
     <p:extLst>
       <p:ext uri="{BB962C8B-B14F-4D97-AF65-F5344CB8AC3E}">
-        <p14:creationId xmlns:p14="http://schemas.microsoft.com/office/powerpoint/2010/main" val="2082207871"/>
+        <p14:creationId xmlns:p14="http://schemas.microsoft.com/office/powerpoint/2010/main" val="3488536208"/>
       </p:ext>
     </p:extLst>
   </p:cSld>

--- a/文档/项目展示-1.pptx
+++ b/文档/项目展示-1.pptx
@@ -10,14 +10,15 @@
     <p:sldId id="266" r:id="rId4"/>
     <p:sldId id="267" r:id="rId5"/>
     <p:sldId id="268" r:id="rId6"/>
-    <p:sldId id="261" r:id="rId7"/>
-    <p:sldId id="258" r:id="rId8"/>
-    <p:sldId id="259" r:id="rId9"/>
-    <p:sldId id="260" r:id="rId10"/>
-    <p:sldId id="262" r:id="rId11"/>
-    <p:sldId id="263" r:id="rId12"/>
-    <p:sldId id="264" r:id="rId13"/>
-    <p:sldId id="265" r:id="rId14"/>
+    <p:sldId id="269" r:id="rId7"/>
+    <p:sldId id="261" r:id="rId8"/>
+    <p:sldId id="258" r:id="rId9"/>
+    <p:sldId id="259" r:id="rId10"/>
+    <p:sldId id="260" r:id="rId11"/>
+    <p:sldId id="262" r:id="rId12"/>
+    <p:sldId id="263" r:id="rId13"/>
+    <p:sldId id="264" r:id="rId14"/>
+    <p:sldId id="265" r:id="rId15"/>
   </p:sldIdLst>
   <p:sldSz cx="12192000" cy="6858000"/>
   <p:notesSz cx="6858000" cy="9144000"/>
@@ -3426,7 +3427,7 @@
           <p:cNvPr id="2" name="标题 1">
             <a:extLst>
               <a:ext uri="{FF2B5EF4-FFF2-40B4-BE49-F238E27FC236}">
-                <a16:creationId xmlns:a16="http://schemas.microsoft.com/office/drawing/2014/main" id="{C6A06754-99B1-475E-839A-71B866F2E223}"/>
+                <a16:creationId xmlns:a16="http://schemas.microsoft.com/office/drawing/2014/main" id="{14375B67-B4E6-402C-9498-DB3824B0F3B4}"/>
               </a:ext>
             </a:extLst>
           </p:cNvPr>
@@ -3442,7 +3443,10 @@
           <a:bodyPr/>
           <a:lstStyle/>
           <a:p>
-            <a:endParaRPr lang="zh-CN" altLang="en-US" dirty="0"/>
+            <a:r>
+              <a:rPr lang="zh-CN" altLang="en-US" dirty="0"/>
+              <a:t>页面展示</a:t>
+            </a:r>
           </a:p>
         </p:txBody>
       </p:sp>
@@ -3451,7 +3455,7 @@
           <p:cNvPr id="5" name="内容占位符 4">
             <a:extLst>
               <a:ext uri="{FF2B5EF4-FFF2-40B4-BE49-F238E27FC236}">
-                <a16:creationId xmlns:a16="http://schemas.microsoft.com/office/drawing/2014/main" id="{128BCAE2-F858-4948-BE04-B1D61035A668}"/>
+                <a16:creationId xmlns:a16="http://schemas.microsoft.com/office/drawing/2014/main" id="{F0CE3832-E045-457D-9A0B-4141A883B080}"/>
               </a:ext>
             </a:extLst>
           </p:cNvPr>
@@ -3476,15 +3480,15 @@
         </p:blipFill>
         <p:spPr>
           <a:xfrm>
-            <a:off x="4159306" y="1825625"/>
-            <a:ext cx="3873387" cy="4351338"/>
+            <a:off x="1810370" y="1825625"/>
+            <a:ext cx="8571259" cy="4351338"/>
           </a:xfrm>
         </p:spPr>
       </p:pic>
     </p:spTree>
     <p:extLst>
       <p:ext uri="{BB962C8B-B14F-4D97-AF65-F5344CB8AC3E}">
-        <p14:creationId xmlns:p14="http://schemas.microsoft.com/office/powerpoint/2010/main" val="2514725508"/>
+        <p14:creationId xmlns:p14="http://schemas.microsoft.com/office/powerpoint/2010/main" val="2082207871"/>
       </p:ext>
     </p:extLst>
   </p:cSld>
@@ -3516,7 +3520,7 @@
           <p:cNvPr id="2" name="标题 1">
             <a:extLst>
               <a:ext uri="{FF2B5EF4-FFF2-40B4-BE49-F238E27FC236}">
-                <a16:creationId xmlns:a16="http://schemas.microsoft.com/office/drawing/2014/main" id="{BB926CF1-23A7-49FD-8964-C3F3A2B45F5F}"/>
+                <a16:creationId xmlns:a16="http://schemas.microsoft.com/office/drawing/2014/main" id="{C6A06754-99B1-475E-839A-71B866F2E223}"/>
               </a:ext>
             </a:extLst>
           </p:cNvPr>
@@ -3532,7 +3536,7 @@
           <a:bodyPr/>
           <a:lstStyle/>
           <a:p>
-            <a:endParaRPr lang="zh-CN" altLang="en-US"/>
+            <a:endParaRPr lang="zh-CN" altLang="en-US" dirty="0"/>
           </a:p>
         </p:txBody>
       </p:sp>
@@ -3541,7 +3545,7 @@
           <p:cNvPr id="5" name="内容占位符 4">
             <a:extLst>
               <a:ext uri="{FF2B5EF4-FFF2-40B4-BE49-F238E27FC236}">
-                <a16:creationId xmlns:a16="http://schemas.microsoft.com/office/drawing/2014/main" id="{2B13343F-DC2E-45E6-B255-466176EC77DB}"/>
+                <a16:creationId xmlns:a16="http://schemas.microsoft.com/office/drawing/2014/main" id="{128BCAE2-F858-4948-BE04-B1D61035A668}"/>
               </a:ext>
             </a:extLst>
           </p:cNvPr>
@@ -3566,15 +3570,15 @@
         </p:blipFill>
         <p:spPr>
           <a:xfrm>
-            <a:off x="4238660" y="1825625"/>
-            <a:ext cx="3714679" cy="4351338"/>
+            <a:off x="4159306" y="1825625"/>
+            <a:ext cx="3873387" cy="4351338"/>
           </a:xfrm>
         </p:spPr>
       </p:pic>
     </p:spTree>
     <p:extLst>
       <p:ext uri="{BB962C8B-B14F-4D97-AF65-F5344CB8AC3E}">
-        <p14:creationId xmlns:p14="http://schemas.microsoft.com/office/powerpoint/2010/main" val="4006961182"/>
+        <p14:creationId xmlns:p14="http://schemas.microsoft.com/office/powerpoint/2010/main" val="2514725508"/>
       </p:ext>
     </p:extLst>
   </p:cSld>
@@ -3603,6 +3607,96 @@
       </p:grpSpPr>
       <p:sp>
         <p:nvSpPr>
+          <p:cNvPr id="2" name="标题 1">
+            <a:extLst>
+              <a:ext uri="{FF2B5EF4-FFF2-40B4-BE49-F238E27FC236}">
+                <a16:creationId xmlns:a16="http://schemas.microsoft.com/office/drawing/2014/main" id="{BB926CF1-23A7-49FD-8964-C3F3A2B45F5F}"/>
+              </a:ext>
+            </a:extLst>
+          </p:cNvPr>
+          <p:cNvSpPr>
+            <a:spLocks noGrp="1"/>
+          </p:cNvSpPr>
+          <p:nvPr>
+            <p:ph type="title"/>
+          </p:nvPr>
+        </p:nvSpPr>
+        <p:spPr/>
+        <p:txBody>
+          <a:bodyPr/>
+          <a:lstStyle/>
+          <a:p>
+            <a:endParaRPr lang="zh-CN" altLang="en-US"/>
+          </a:p>
+        </p:txBody>
+      </p:sp>
+      <p:pic>
+        <p:nvPicPr>
+          <p:cNvPr id="5" name="内容占位符 4">
+            <a:extLst>
+              <a:ext uri="{FF2B5EF4-FFF2-40B4-BE49-F238E27FC236}">
+                <a16:creationId xmlns:a16="http://schemas.microsoft.com/office/drawing/2014/main" id="{2B13343F-DC2E-45E6-B255-466176EC77DB}"/>
+              </a:ext>
+            </a:extLst>
+          </p:cNvPr>
+          <p:cNvPicPr>
+            <a:picLocks noGrp="1" noChangeAspect="1"/>
+          </p:cNvPicPr>
+          <p:nvPr>
+            <p:ph idx="1"/>
+          </p:nvPr>
+        </p:nvPicPr>
+        <p:blipFill>
+          <a:blip r:embed="rId2">
+            <a:extLst>
+              <a:ext uri="{28A0092B-C50C-407E-A947-70E740481C1C}">
+                <a14:useLocalDpi xmlns:a14="http://schemas.microsoft.com/office/drawing/2010/main" val="0"/>
+              </a:ext>
+            </a:extLst>
+          </a:blip>
+          <a:stretch>
+            <a:fillRect/>
+          </a:stretch>
+        </p:blipFill>
+        <p:spPr>
+          <a:xfrm>
+            <a:off x="4238660" y="1825625"/>
+            <a:ext cx="3714679" cy="4351338"/>
+          </a:xfrm>
+        </p:spPr>
+      </p:pic>
+    </p:spTree>
+    <p:extLst>
+      <p:ext uri="{BB962C8B-B14F-4D97-AF65-F5344CB8AC3E}">
+        <p14:creationId xmlns:p14="http://schemas.microsoft.com/office/powerpoint/2010/main" val="4006961182"/>
+      </p:ext>
+    </p:extLst>
+  </p:cSld>
+  <p:clrMapOvr>
+    <a:masterClrMapping/>
+  </p:clrMapOvr>
+</p:sld>
+</file>
+
+<file path=ppt/slides/slide13.xml><?xml version="1.0" encoding="utf-8"?>
+<p:sld xmlns:a="http://schemas.openxmlformats.org/drawingml/2006/main" xmlns:r="http://schemas.openxmlformats.org/officeDocument/2006/relationships" xmlns:p="http://schemas.openxmlformats.org/presentationml/2006/main">
+  <p:cSld>
+    <p:spTree>
+      <p:nvGrpSpPr>
+        <p:cNvPr id="1" name=""/>
+        <p:cNvGrpSpPr/>
+        <p:nvPr/>
+      </p:nvGrpSpPr>
+      <p:grpSpPr>
+        <a:xfrm>
+          <a:off x="0" y="0"/>
+          <a:ext cx="0" cy="0"/>
+          <a:chOff x="0" y="0"/>
+          <a:chExt cx="0" cy="0"/>
+        </a:xfrm>
+      </p:grpSpPr>
+      <p:sp>
+        <p:nvSpPr>
           <p:cNvPr id="7" name="标题 6">
             <a:extLst>
               <a:ext uri="{FF2B5EF4-FFF2-40B4-BE49-F238E27FC236}">
@@ -3674,7 +3768,7 @@
 </p:sld>
 </file>
 
-<file path=ppt/slides/slide13.xml><?xml version="1.0" encoding="utf-8"?>
+<file path=ppt/slides/slide14.xml><?xml version="1.0" encoding="utf-8"?>
 <p:sld xmlns:a="http://schemas.openxmlformats.org/drawingml/2006/main" xmlns:r="http://schemas.openxmlformats.org/officeDocument/2006/relationships" xmlns:p="http://schemas.openxmlformats.org/presentationml/2006/main">
   <p:cSld>
     <p:spTree>
@@ -3917,18 +4011,9 @@
           <a:lstStyle/>
           <a:p>
             <a:r>
-              <a:rPr lang="zh-CN" altLang="en-US" dirty="0" smtClean="0"/>
-              <a:t>前端样式具</a:t>
-            </a:r>
-            <a:r>
-              <a:rPr lang="zh-CN" altLang="en-US" dirty="0"/>
-              <a:t>体工</a:t>
-            </a:r>
-            <a:r>
-              <a:rPr lang="zh-CN" altLang="en-US" dirty="0" smtClean="0"/>
-              <a:t>作</a:t>
-            </a:r>
-            <a:endParaRPr lang="zh-CN" altLang="en-US" dirty="0"/>
+              <a:rPr lang="zh-CN" altLang="en-US" dirty="0"/>
+              <a:t>前端样式具体工作</a:t>
+            </a:r>
           </a:p>
         </p:txBody>
       </p:sp>
@@ -3951,50 +4036,49 @@
               <a:buNone/>
             </a:pPr>
             <a:r>
-              <a:rPr lang="en-US" altLang="zh-CN" dirty="0" smtClean="0"/>
+              <a:rPr lang="en-US" altLang="zh-CN" dirty="0"/>
               <a:t>1.</a:t>
             </a:r>
             <a:r>
-              <a:rPr lang="zh-CN" altLang="en-US" dirty="0" smtClean="0"/>
+              <a:rPr lang="zh-CN" altLang="en-US" dirty="0"/>
               <a:t>先拿出一个能看的页面，和团队确定具体的功能和方向。</a:t>
             </a:r>
-            <a:endParaRPr lang="en-US" altLang="zh-CN" dirty="0" smtClean="0"/>
+            <a:endParaRPr lang="en-US" altLang="zh-CN" dirty="0"/>
           </a:p>
           <a:p>
             <a:pPr marL="0" indent="0">
               <a:buNone/>
             </a:pPr>
             <a:r>
-              <a:rPr lang="en-US" altLang="zh-CN" dirty="0" smtClean="0"/>
+              <a:rPr lang="en-US" altLang="zh-CN" dirty="0"/>
               <a:t>2.</a:t>
             </a:r>
             <a:r>
-              <a:rPr lang="zh-CN" altLang="en-US" dirty="0" smtClean="0"/>
+              <a:rPr lang="zh-CN" altLang="en-US" dirty="0"/>
               <a:t>实现各个页面的视觉效果图形样式，尽可能使页面更好看一点</a:t>
             </a:r>
-            <a:endParaRPr lang="en-US" altLang="zh-CN" dirty="0" smtClean="0"/>
+            <a:endParaRPr lang="en-US" altLang="zh-CN" dirty="0"/>
           </a:p>
           <a:p>
             <a:pPr marL="0" indent="0">
               <a:buNone/>
             </a:pPr>
             <a:r>
-              <a:rPr lang="en-US" altLang="zh-CN" dirty="0" smtClean="0"/>
+              <a:rPr lang="en-US" altLang="zh-CN" dirty="0"/>
               <a:t>3.</a:t>
             </a:r>
             <a:r>
-              <a:rPr lang="zh-CN" altLang="en-US" dirty="0" smtClean="0"/>
+              <a:rPr lang="zh-CN" altLang="en-US" dirty="0"/>
               <a:t>配合写</a:t>
             </a:r>
             <a:r>
-              <a:rPr lang="en-US" altLang="zh-CN" dirty="0" smtClean="0"/>
+              <a:rPr lang="en-US" altLang="zh-CN" dirty="0"/>
               <a:t>js</a:t>
             </a:r>
             <a:r>
-              <a:rPr lang="zh-CN" altLang="en-US" dirty="0" smtClean="0"/>
+              <a:rPr lang="zh-CN" altLang="en-US" dirty="0"/>
               <a:t>前端逻辑的同学</a:t>
             </a:r>
-            <a:endParaRPr lang="zh-CN" altLang="en-US" dirty="0"/>
           </a:p>
         </p:txBody>
       </p:sp>
@@ -4048,7 +4132,7 @@
               <a:t>我感觉的</a:t>
             </a:r>
             <a:r>
-              <a:rPr lang="en-US" altLang="zh-CN" dirty="0" smtClean="0"/>
+              <a:rPr lang="en-US" altLang="zh-CN" dirty="0"/>
               <a:t>Vue cli</a:t>
             </a:r>
             <a:endParaRPr lang="zh-CN" altLang="en-US" dirty="0"/>
@@ -4077,63 +4161,59 @@
             </a:pPr>
             <a:r>
               <a:rPr lang="zh-CN" altLang="en-US" dirty="0"/>
-              <a:t>优</a:t>
-            </a:r>
-            <a:r>
-              <a:rPr lang="zh-CN" altLang="en-US" dirty="0" smtClean="0"/>
-              <a:t>点：</a:t>
-            </a:r>
-            <a:endParaRPr lang="en-US" altLang="zh-CN" dirty="0" smtClean="0"/>
+              <a:t>优点：</a:t>
+            </a:r>
+            <a:endParaRPr lang="en-US" altLang="zh-CN" dirty="0"/>
           </a:p>
           <a:p>
             <a:pPr marL="0" indent="0">
               <a:buNone/>
             </a:pPr>
             <a:r>
-              <a:rPr lang="en-US" altLang="zh-CN" dirty="0" smtClean="0"/>
+              <a:rPr lang="en-US" altLang="zh-CN" dirty="0"/>
               <a:t>1</a:t>
             </a:r>
             <a:r>
-              <a:rPr lang="zh-CN" altLang="en-US" dirty="0" smtClean="0"/>
+              <a:rPr lang="zh-CN" altLang="en-US" dirty="0"/>
               <a:t>，我是第一次用</a:t>
             </a:r>
             <a:r>
-              <a:rPr lang="en-US" altLang="zh-CN" dirty="0" smtClean="0"/>
+              <a:rPr lang="en-US" altLang="zh-CN" dirty="0"/>
               <a:t>vue cli</a:t>
             </a:r>
             <a:r>
-              <a:rPr lang="zh-CN" altLang="en-US" dirty="0" smtClean="0"/>
+              <a:rPr lang="zh-CN" altLang="en-US" dirty="0"/>
               <a:t>感觉颠覆了我以前写网页的经验，感觉写组件就像写对象一样。</a:t>
             </a:r>
-            <a:endParaRPr lang="en-US" altLang="zh-CN" dirty="0" smtClean="0"/>
+            <a:endParaRPr lang="en-US" altLang="zh-CN" dirty="0"/>
           </a:p>
           <a:p>
             <a:pPr marL="0" indent="0">
               <a:buNone/>
             </a:pPr>
             <a:r>
-              <a:rPr lang="en-US" altLang="zh-CN" dirty="0" smtClean="0"/>
+              <a:rPr lang="en-US" altLang="zh-CN" dirty="0"/>
               <a:t>2</a:t>
             </a:r>
             <a:r>
-              <a:rPr lang="zh-CN" altLang="en-US" dirty="0" smtClean="0"/>
+              <a:rPr lang="zh-CN" altLang="en-US" dirty="0"/>
               <a:t>，因为有路由，页面之间的通信和跳转都十分方便</a:t>
             </a:r>
-            <a:endParaRPr lang="en-US" altLang="zh-CN" dirty="0" smtClean="0"/>
+            <a:endParaRPr lang="en-US" altLang="zh-CN" dirty="0"/>
           </a:p>
           <a:p>
             <a:pPr marL="0" indent="0">
               <a:buNone/>
             </a:pPr>
             <a:r>
-              <a:rPr lang="en-US" altLang="zh-CN" dirty="0" smtClean="0"/>
+              <a:rPr lang="en-US" altLang="zh-CN" dirty="0"/>
               <a:t>3</a:t>
             </a:r>
             <a:r>
-              <a:rPr lang="zh-CN" altLang="en-US" dirty="0" smtClean="0"/>
+              <a:rPr lang="zh-CN" altLang="en-US" dirty="0"/>
               <a:t>，可以双向绑定数据，有模板语法循环语法条件语法这些都比较方便，这也是平时经常用的。</a:t>
             </a:r>
-            <a:endParaRPr lang="en-US" altLang="zh-CN" dirty="0" smtClean="0"/>
+            <a:endParaRPr lang="en-US" altLang="zh-CN" dirty="0"/>
           </a:p>
           <a:p>
             <a:pPr marL="0" indent="0">
@@ -4141,11 +4221,7 @@
             </a:pPr>
             <a:r>
               <a:rPr lang="zh-CN" altLang="en-US" dirty="0"/>
-              <a:t>缺</a:t>
-            </a:r>
-            <a:r>
-              <a:rPr lang="zh-CN" altLang="en-US" dirty="0" smtClean="0"/>
-              <a:t>点：</a:t>
+              <a:t>缺点：</a:t>
             </a:r>
             <a:endParaRPr lang="en-US" altLang="zh-CN" dirty="0"/>
           </a:p>
@@ -4154,36 +4230,35 @@
               <a:buNone/>
             </a:pPr>
             <a:r>
-              <a:rPr lang="en-US" altLang="zh-CN" dirty="0" smtClean="0"/>
+              <a:rPr lang="en-US" altLang="zh-CN" dirty="0"/>
               <a:t>1</a:t>
             </a:r>
             <a:r>
-              <a:rPr lang="zh-CN" altLang="en-US" dirty="0" smtClean="0"/>
+              <a:rPr lang="zh-CN" altLang="en-US" dirty="0"/>
               <a:t>，因为是第一次使用，很多地方，比如用法方法都不熟悉，开发的时候总体上感觉比较麻烦。</a:t>
             </a:r>
-            <a:endParaRPr lang="en-US" altLang="zh-CN" dirty="0" smtClean="0"/>
+            <a:endParaRPr lang="en-US" altLang="zh-CN" dirty="0"/>
           </a:p>
           <a:p>
             <a:pPr marL="0" indent="0">
               <a:buNone/>
             </a:pPr>
             <a:r>
-              <a:rPr lang="en-US" altLang="zh-CN" dirty="0" smtClean="0"/>
+              <a:rPr lang="en-US" altLang="zh-CN" dirty="0"/>
               <a:t>2</a:t>
             </a:r>
             <a:r>
-              <a:rPr lang="zh-CN" altLang="en-US" dirty="0" smtClean="0"/>
+              <a:rPr lang="zh-CN" altLang="en-US" dirty="0"/>
               <a:t>，</a:t>
             </a:r>
             <a:r>
-              <a:rPr lang="en-US" altLang="zh-CN" dirty="0" smtClean="0"/>
+              <a:rPr lang="en-US" altLang="zh-CN" dirty="0"/>
               <a:t>vue cli </a:t>
             </a:r>
             <a:r>
-              <a:rPr lang="zh-CN" altLang="en-US" dirty="0" smtClean="0"/>
+              <a:rPr lang="zh-CN" altLang="en-US" dirty="0"/>
               <a:t>脚手架比较适合大型的复杂的项目，像比较小的项目我觉得不用这个脚手架比较合适。</a:t>
             </a:r>
-            <a:endParaRPr lang="zh-CN" altLang="en-US" dirty="0"/>
           </a:p>
         </p:txBody>
       </p:sp>
@@ -4262,18 +4337,18 @@
               <a:buNone/>
             </a:pPr>
             <a:r>
-              <a:rPr lang="zh-CN" altLang="en-US" dirty="0" smtClean="0"/>
+              <a:rPr lang="zh-CN" altLang="en-US" dirty="0"/>
               <a:t>在参照网上教程的模板学习</a:t>
             </a:r>
             <a:r>
-              <a:rPr lang="en-US" altLang="zh-CN" dirty="0" smtClean="0"/>
+              <a:rPr lang="en-US" altLang="zh-CN" dirty="0"/>
               <a:t>vue cli</a:t>
             </a:r>
             <a:r>
-              <a:rPr lang="zh-CN" altLang="en-US" dirty="0" smtClean="0"/>
+              <a:rPr lang="zh-CN" altLang="en-US" dirty="0"/>
               <a:t>的时候似乎一切都变得简单，但是要自己发展出一些分至结构，添加功能的时候就会遇到很多问题，</a:t>
             </a:r>
-            <a:endParaRPr lang="en-US" altLang="zh-CN" dirty="0" smtClean="0"/>
+            <a:endParaRPr lang="en-US" altLang="zh-CN" dirty="0"/>
           </a:p>
           <a:p>
             <a:pPr marL="0" indent="0">
@@ -4281,21 +4356,17 @@
             </a:pPr>
             <a:r>
               <a:rPr lang="zh-CN" altLang="en-US" dirty="0"/>
-              <a:t>有时</a:t>
-            </a:r>
-            <a:r>
-              <a:rPr lang="zh-CN" altLang="en-US" dirty="0" smtClean="0"/>
-              <a:t>候会有一些功能的</a:t>
-            </a:r>
-            <a:r>
-              <a:rPr lang="en-US" altLang="zh-CN" dirty="0" smtClean="0"/>
+              <a:t>有时候会有一些功能的</a:t>
+            </a:r>
+            <a:r>
+              <a:rPr lang="en-US" altLang="zh-CN" dirty="0"/>
               <a:t>js</a:t>
             </a:r>
             <a:r>
-              <a:rPr lang="zh-CN" altLang="en-US" dirty="0" smtClean="0"/>
+              <a:rPr lang="zh-CN" altLang="en-US" dirty="0"/>
               <a:t>不起作用，或者跟别的东西冲突，但是在传统开发方式中就没有问题。</a:t>
             </a:r>
-            <a:endParaRPr lang="en-US" altLang="zh-CN" dirty="0" smtClean="0"/>
+            <a:endParaRPr lang="en-US" altLang="zh-CN" dirty="0"/>
           </a:p>
           <a:p>
             <a:pPr marL="0" indent="0">
@@ -4303,29 +4374,25 @@
             </a:pPr>
             <a:r>
               <a:rPr lang="zh-CN" altLang="en-US" dirty="0"/>
-              <a:t>因</a:t>
-            </a:r>
-            <a:r>
-              <a:rPr lang="zh-CN" altLang="en-US" dirty="0" smtClean="0"/>
-              <a:t>为前端页面要最早的写出来供团队参考，没有时间边学边写，所以为了尽早出成果，用</a:t>
-            </a:r>
-            <a:r>
-              <a:rPr lang="en-US" altLang="zh-CN" dirty="0" smtClean="0"/>
+              <a:t>因为前端页面要最早的写出来供团队参考，没有时间边学边写，所以为了尽早出成果，用</a:t>
+            </a:r>
+            <a:r>
+              <a:rPr lang="en-US" altLang="zh-CN" dirty="0"/>
               <a:t>vue cli</a:t>
             </a:r>
             <a:r>
-              <a:rPr lang="zh-CN" altLang="en-US" dirty="0" smtClean="0"/>
+              <a:rPr lang="zh-CN" altLang="en-US" dirty="0"/>
               <a:t>写了一半以后我用传统开发方式对前端进行了重构，但还是使用了很多的</a:t>
             </a:r>
             <a:r>
-              <a:rPr lang="en-US" altLang="zh-CN" dirty="0" smtClean="0"/>
+              <a:rPr lang="en-US" altLang="zh-CN" dirty="0"/>
               <a:t>vue</a:t>
             </a:r>
             <a:r>
-              <a:rPr lang="zh-CN" altLang="en-US" dirty="0" smtClean="0"/>
+              <a:rPr lang="zh-CN" altLang="en-US" dirty="0"/>
               <a:t>特有的方法。</a:t>
             </a:r>
-            <a:endParaRPr lang="en-US" altLang="zh-CN" dirty="0" smtClean="0"/>
+            <a:endParaRPr lang="en-US" altLang="zh-CN" dirty="0"/>
           </a:p>
           <a:p>
             <a:pPr marL="0" indent="0">
@@ -4333,21 +4400,16 @@
             </a:pPr>
             <a:r>
               <a:rPr lang="zh-CN" altLang="en-US" dirty="0"/>
-              <a:t>总体</a:t>
-            </a:r>
-            <a:r>
-              <a:rPr lang="zh-CN" altLang="en-US" dirty="0" smtClean="0"/>
-              <a:t>上感觉</a:t>
-            </a:r>
-            <a:r>
-              <a:rPr lang="en-US" altLang="zh-CN" dirty="0" smtClean="0"/>
+              <a:t>总体上感觉</a:t>
+            </a:r>
+            <a:r>
+              <a:rPr lang="en-US" altLang="zh-CN" dirty="0"/>
               <a:t>vue</a:t>
             </a:r>
             <a:r>
-              <a:rPr lang="zh-CN" altLang="en-US" dirty="0" smtClean="0"/>
+              <a:rPr lang="zh-CN" altLang="en-US" dirty="0"/>
               <a:t>是一种给我焕然一新的感觉的前端框架，课后也要深入学习一下。</a:t>
             </a:r>
-            <a:endParaRPr lang="zh-CN" altLang="en-US" dirty="0"/>
           </a:p>
         </p:txBody>
       </p:sp>
@@ -4386,7 +4448,7 @@
           <p:cNvPr id="2" name="标题 1">
             <a:extLst>
               <a:ext uri="{FF2B5EF4-FFF2-40B4-BE49-F238E27FC236}">
-                <a16:creationId xmlns:a16="http://schemas.microsoft.com/office/drawing/2014/main" id="{0F366785-B3A9-4F2F-B478-D788D62D9FED}"/>
+                <a16:creationId xmlns:a16="http://schemas.microsoft.com/office/drawing/2014/main" id="{A4792B01-61B0-457A-AB1E-CC91F8D8DD45}"/>
               </a:ext>
             </a:extLst>
           </p:cNvPr>
@@ -4404,7 +4466,7 @@
           <a:p>
             <a:r>
               <a:rPr lang="zh-CN" altLang="en-US" dirty="0"/>
-              <a:t>项目介绍</a:t>
+              <a:t>数据库具体工作</a:t>
             </a:r>
           </a:p>
         </p:txBody>
@@ -4414,7 +4476,7 @@
           <p:cNvPr id="3" name="内容占位符 2">
             <a:extLst>
               <a:ext uri="{FF2B5EF4-FFF2-40B4-BE49-F238E27FC236}">
-                <a16:creationId xmlns:a16="http://schemas.microsoft.com/office/drawing/2014/main" id="{EAF557A3-3912-43A3-B308-A75586F75E97}"/>
+                <a16:creationId xmlns:a16="http://schemas.microsoft.com/office/drawing/2014/main" id="{D80E8FA3-B353-47EB-AB20-4722A9075F24}"/>
               </a:ext>
             </a:extLst>
           </p:cNvPr>
@@ -4430,63 +4492,60 @@
           <a:bodyPr/>
           <a:lstStyle/>
           <a:p>
-            <a:r>
-              <a:rPr lang="zh-CN" altLang="en-US" dirty="0"/>
-              <a:t>一个允许用户自由上传相片的网站</a:t>
+            <a:pPr marL="0" indent="0">
+              <a:buNone/>
+            </a:pPr>
+            <a:r>
+              <a:rPr lang="en-US" altLang="zh-CN" dirty="0"/>
+              <a:t>1.</a:t>
+            </a:r>
+            <a:r>
+              <a:rPr lang="zh-CN" altLang="en-US" dirty="0"/>
+              <a:t>根据需求设计数据库的各个表，</a:t>
+            </a:r>
+            <a:r>
+              <a:rPr lang="zh-CN" altLang="en-US"/>
+              <a:t>设置好数据之间</a:t>
+            </a:r>
+            <a:r>
+              <a:rPr lang="zh-CN" altLang="en-US" dirty="0"/>
+              <a:t>的依赖。</a:t>
             </a:r>
             <a:endParaRPr lang="en-US" altLang="zh-CN" dirty="0"/>
           </a:p>
           <a:p>
-            <a:r>
-              <a:rPr lang="zh-CN" altLang="en-US" dirty="0"/>
-              <a:t>首页</a:t>
+            <a:pPr marL="0" indent="0">
+              <a:buNone/>
+            </a:pPr>
+            <a:r>
+              <a:rPr lang="en-US" altLang="zh-CN" dirty="0"/>
+              <a:t>2.</a:t>
+            </a:r>
+            <a:r>
+              <a:rPr lang="zh-CN" altLang="en-US" dirty="0"/>
+              <a:t>调试后端与数据库的连接。</a:t>
             </a:r>
             <a:endParaRPr lang="en-US" altLang="zh-CN" dirty="0"/>
           </a:p>
           <a:p>
-            <a:pPr lvl="1"/>
-            <a:r>
-              <a:rPr lang="zh-CN" altLang="en-US" dirty="0"/>
-              <a:t>进行相册展示</a:t>
-            </a:r>
-            <a:endParaRPr lang="en-US" altLang="zh-CN" dirty="0"/>
-          </a:p>
-          <a:p>
-            <a:r>
-              <a:rPr lang="zh-CN" altLang="en-US" dirty="0"/>
-              <a:t>相册页</a:t>
-            </a:r>
-            <a:endParaRPr lang="en-US" altLang="zh-CN" dirty="0"/>
-          </a:p>
-          <a:p>
-            <a:pPr lvl="1"/>
-            <a:r>
-              <a:rPr lang="zh-CN" altLang="en-US" dirty="0"/>
-              <a:t>展示相册内的所有照片</a:t>
-            </a:r>
-            <a:endParaRPr lang="en-US" altLang="zh-CN" dirty="0"/>
-          </a:p>
-          <a:p>
-            <a:r>
-              <a:rPr lang="zh-CN" altLang="en-US" dirty="0"/>
-              <a:t>登陆、注册页</a:t>
-            </a:r>
-            <a:endParaRPr lang="en-US" altLang="zh-CN" dirty="0"/>
-          </a:p>
-          <a:p>
-            <a:pPr lvl="1"/>
-            <a:r>
-              <a:rPr lang="zh-CN" altLang="en-US" dirty="0"/>
-              <a:t>用户进行登陆注册</a:t>
-            </a:r>
-            <a:endParaRPr lang="en-US" altLang="zh-CN" dirty="0"/>
+            <a:pPr marL="0" indent="0">
+              <a:buNone/>
+            </a:pPr>
+            <a:r>
+              <a:rPr lang="en-US" altLang="zh-CN" dirty="0"/>
+              <a:t>3.</a:t>
+            </a:r>
+            <a:r>
+              <a:rPr lang="zh-CN" altLang="en-US" dirty="0"/>
+              <a:t>编写数据库操作类函数（数据的增删改查）。</a:t>
+            </a:r>
           </a:p>
         </p:txBody>
       </p:sp>
     </p:spTree>
     <p:extLst>
       <p:ext uri="{BB962C8B-B14F-4D97-AF65-F5344CB8AC3E}">
-        <p14:creationId xmlns:p14="http://schemas.microsoft.com/office/powerpoint/2010/main" val="3488536208"/>
+        <p14:creationId xmlns:p14="http://schemas.microsoft.com/office/powerpoint/2010/main" val="3790580521"/>
       </p:ext>
     </p:extLst>
   </p:cSld>
@@ -4518,7 +4577,7 @@
           <p:cNvPr id="2" name="标题 1">
             <a:extLst>
               <a:ext uri="{FF2B5EF4-FFF2-40B4-BE49-F238E27FC236}">
-                <a16:creationId xmlns:a16="http://schemas.microsoft.com/office/drawing/2014/main" id="{A45A4CE6-2906-4D2C-AC65-4D9C89E62F94}"/>
+                <a16:creationId xmlns:a16="http://schemas.microsoft.com/office/drawing/2014/main" id="{0F366785-B3A9-4F2F-B478-D788D62D9FED}"/>
               </a:ext>
             </a:extLst>
           </p:cNvPr>
@@ -4536,7 +4595,7 @@
           <a:p>
             <a:r>
               <a:rPr lang="zh-CN" altLang="en-US" dirty="0"/>
-              <a:t>总体流程计划</a:t>
+              <a:t>项目介绍</a:t>
             </a:r>
           </a:p>
         </p:txBody>
@@ -4546,7 +4605,7 @@
           <p:cNvPr id="3" name="内容占位符 2">
             <a:extLst>
               <a:ext uri="{FF2B5EF4-FFF2-40B4-BE49-F238E27FC236}">
-                <a16:creationId xmlns:a16="http://schemas.microsoft.com/office/drawing/2014/main" id="{09260894-1ED6-4C26-9FFF-6BF8AA15F150}"/>
+                <a16:creationId xmlns:a16="http://schemas.microsoft.com/office/drawing/2014/main" id="{EAF557A3-3912-43A3-B308-A75586F75E97}"/>
               </a:ext>
             </a:extLst>
           </p:cNvPr>
@@ -4564,40 +4623,61 @@
           <a:p>
             <a:r>
               <a:rPr lang="zh-CN" altLang="en-US" dirty="0"/>
-              <a:t>第一周：进行基本的学习和页面构建</a:t>
+              <a:t>一个允许用户自由上传相片的网站</a:t>
             </a:r>
             <a:endParaRPr lang="en-US" altLang="zh-CN" dirty="0"/>
           </a:p>
           <a:p>
             <a:r>
               <a:rPr lang="zh-CN" altLang="en-US" dirty="0"/>
-              <a:t>第二周：完成所有前端页面，后端初步完成</a:t>
-            </a:r>
-            <a:r>
-              <a:rPr lang="en-US" altLang="zh-CN" dirty="0"/>
-              <a:t> API</a:t>
-            </a:r>
-          </a:p>
-          <a:p>
-            <a:r>
-              <a:rPr lang="zh-CN" altLang="en-US" dirty="0"/>
-              <a:t>第三周：页面 </a:t>
-            </a:r>
-            <a:r>
-              <a:rPr lang="en-US" altLang="zh-CN" dirty="0"/>
-              <a:t>API </a:t>
-            </a:r>
-            <a:r>
-              <a:rPr lang="zh-CN" altLang="en-US" dirty="0"/>
-              <a:t>调试</a:t>
-            </a:r>
+              <a:t>首页</a:t>
+            </a:r>
+            <a:endParaRPr lang="en-US" altLang="zh-CN" dirty="0"/>
+          </a:p>
+          <a:p>
+            <a:pPr lvl="1"/>
+            <a:r>
+              <a:rPr lang="zh-CN" altLang="en-US" dirty="0"/>
+              <a:t>进行相册展示</a:t>
+            </a:r>
+            <a:endParaRPr lang="en-US" altLang="zh-CN" dirty="0"/>
+          </a:p>
+          <a:p>
+            <a:r>
+              <a:rPr lang="zh-CN" altLang="en-US" dirty="0"/>
+              <a:t>相册页</a:t>
+            </a:r>
+            <a:endParaRPr lang="en-US" altLang="zh-CN" dirty="0"/>
+          </a:p>
+          <a:p>
+            <a:pPr lvl="1"/>
+            <a:r>
+              <a:rPr lang="zh-CN" altLang="en-US" dirty="0"/>
+              <a:t>展示相册内的所有照片</a:t>
+            </a:r>
+            <a:endParaRPr lang="en-US" altLang="zh-CN" dirty="0"/>
+          </a:p>
+          <a:p>
+            <a:r>
+              <a:rPr lang="zh-CN" altLang="en-US" dirty="0"/>
+              <a:t>登陆、注册页</a:t>
+            </a:r>
+            <a:endParaRPr lang="en-US" altLang="zh-CN" dirty="0"/>
+          </a:p>
+          <a:p>
+            <a:pPr lvl="1"/>
+            <a:r>
+              <a:rPr lang="zh-CN" altLang="en-US" dirty="0"/>
+              <a:t>用户进行登陆注册</a:t>
+            </a:r>
+            <a:endParaRPr lang="en-US" altLang="zh-CN" dirty="0"/>
           </a:p>
         </p:txBody>
       </p:sp>
     </p:spTree>
     <p:extLst>
       <p:ext uri="{BB962C8B-B14F-4D97-AF65-F5344CB8AC3E}">
-        <p14:creationId xmlns:p14="http://schemas.microsoft.com/office/powerpoint/2010/main" val="3739353374"/>
+        <p14:creationId xmlns:p14="http://schemas.microsoft.com/office/powerpoint/2010/main" val="3488536208"/>
       </p:ext>
     </p:extLst>
   </p:cSld>
@@ -4629,7 +4709,7 @@
           <p:cNvPr id="2" name="标题 1">
             <a:extLst>
               <a:ext uri="{FF2B5EF4-FFF2-40B4-BE49-F238E27FC236}">
-                <a16:creationId xmlns:a16="http://schemas.microsoft.com/office/drawing/2014/main" id="{700FA466-2BC8-448E-8F9D-0002F64FAC41}"/>
+                <a16:creationId xmlns:a16="http://schemas.microsoft.com/office/drawing/2014/main" id="{A45A4CE6-2906-4D2C-AC65-4D9C89E62F94}"/>
               </a:ext>
             </a:extLst>
           </p:cNvPr>
@@ -4647,7 +4727,7 @@
           <a:p>
             <a:r>
               <a:rPr lang="zh-CN" altLang="en-US" dirty="0"/>
-              <a:t>问题分析</a:t>
+              <a:t>总体流程计划</a:t>
             </a:r>
           </a:p>
         </p:txBody>
@@ -4657,7 +4737,7 @@
           <p:cNvPr id="3" name="内容占位符 2">
             <a:extLst>
               <a:ext uri="{FF2B5EF4-FFF2-40B4-BE49-F238E27FC236}">
-                <a16:creationId xmlns:a16="http://schemas.microsoft.com/office/drawing/2014/main" id="{0A28F096-23D7-4C53-886B-3E4D1EEF92A2}"/>
+                <a16:creationId xmlns:a16="http://schemas.microsoft.com/office/drawing/2014/main" id="{09260894-1ED6-4C26-9FFF-6BF8AA15F150}"/>
               </a:ext>
             </a:extLst>
           </p:cNvPr>
@@ -4675,14 +4755,32 @@
           <a:p>
             <a:r>
               <a:rPr lang="zh-CN" altLang="en-US" dirty="0"/>
-              <a:t>前后端进度不同</a:t>
+              <a:t>第一周：进行基本的学习和页面构建</a:t>
             </a:r>
             <a:endParaRPr lang="en-US" altLang="zh-CN" dirty="0"/>
           </a:p>
           <a:p>
             <a:r>
               <a:rPr lang="zh-CN" altLang="en-US" dirty="0"/>
-              <a:t>网站开发经验不足</a:t>
+              <a:t>第二周：完成所有前端页面，后端初步完成</a:t>
+            </a:r>
+            <a:r>
+              <a:rPr lang="en-US" altLang="zh-CN" dirty="0"/>
+              <a:t> API</a:t>
+            </a:r>
+          </a:p>
+          <a:p>
+            <a:r>
+              <a:rPr lang="zh-CN" altLang="en-US" dirty="0"/>
+              <a:t>第三周：页面 </a:t>
+            </a:r>
+            <a:r>
+              <a:rPr lang="en-US" altLang="zh-CN" dirty="0"/>
+              <a:t>API </a:t>
+            </a:r>
+            <a:r>
+              <a:rPr lang="zh-CN" altLang="en-US" dirty="0"/>
+              <a:t>调试</a:t>
             </a:r>
           </a:p>
         </p:txBody>
@@ -4690,7 +4788,7 @@
     </p:spTree>
     <p:extLst>
       <p:ext uri="{BB962C8B-B14F-4D97-AF65-F5344CB8AC3E}">
-        <p14:creationId xmlns:p14="http://schemas.microsoft.com/office/powerpoint/2010/main" val="2053815845"/>
+        <p14:creationId xmlns:p14="http://schemas.microsoft.com/office/powerpoint/2010/main" val="3739353374"/>
       </p:ext>
     </p:extLst>
   </p:cSld>
@@ -4722,7 +4820,7 @@
           <p:cNvPr id="2" name="标题 1">
             <a:extLst>
               <a:ext uri="{FF2B5EF4-FFF2-40B4-BE49-F238E27FC236}">
-                <a16:creationId xmlns:a16="http://schemas.microsoft.com/office/drawing/2014/main" id="{14375B67-B4E6-402C-9498-DB3824B0F3B4}"/>
+                <a16:creationId xmlns:a16="http://schemas.microsoft.com/office/drawing/2014/main" id="{700FA466-2BC8-448E-8F9D-0002F64FAC41}"/>
               </a:ext>
             </a:extLst>
           </p:cNvPr>
@@ -4740,50 +4838,50 @@
           <a:p>
             <a:r>
               <a:rPr lang="zh-CN" altLang="en-US" dirty="0"/>
-              <a:t>页面展示</a:t>
-            </a:r>
-          </a:p>
-        </p:txBody>
-      </p:sp>
-      <p:pic>
-        <p:nvPicPr>
-          <p:cNvPr id="5" name="内容占位符 4">
-            <a:extLst>
-              <a:ext uri="{FF2B5EF4-FFF2-40B4-BE49-F238E27FC236}">
-                <a16:creationId xmlns:a16="http://schemas.microsoft.com/office/drawing/2014/main" id="{F0CE3832-E045-457D-9A0B-4141A883B080}"/>
-              </a:ext>
-            </a:extLst>
-          </p:cNvPr>
-          <p:cNvPicPr>
-            <a:picLocks noGrp="1" noChangeAspect="1"/>
-          </p:cNvPicPr>
+              <a:t>问题分析</a:t>
+            </a:r>
+          </a:p>
+        </p:txBody>
+      </p:sp>
+      <p:sp>
+        <p:nvSpPr>
+          <p:cNvPr id="3" name="内容占位符 2">
+            <a:extLst>
+              <a:ext uri="{FF2B5EF4-FFF2-40B4-BE49-F238E27FC236}">
+                <a16:creationId xmlns:a16="http://schemas.microsoft.com/office/drawing/2014/main" id="{0A28F096-23D7-4C53-886B-3E4D1EEF92A2}"/>
+              </a:ext>
+            </a:extLst>
+          </p:cNvPr>
+          <p:cNvSpPr>
+            <a:spLocks noGrp="1"/>
+          </p:cNvSpPr>
           <p:nvPr>
             <p:ph idx="1"/>
           </p:nvPr>
-        </p:nvPicPr>
-        <p:blipFill>
-          <a:blip r:embed="rId2">
-            <a:extLst>
-              <a:ext uri="{28A0092B-C50C-407E-A947-70E740481C1C}">
-                <a14:useLocalDpi xmlns:a14="http://schemas.microsoft.com/office/drawing/2010/main" val="0"/>
-              </a:ext>
-            </a:extLst>
-          </a:blip>
-          <a:stretch>
-            <a:fillRect/>
-          </a:stretch>
-        </p:blipFill>
-        <p:spPr>
-          <a:xfrm>
-            <a:off x="1810370" y="1825625"/>
-            <a:ext cx="8571259" cy="4351338"/>
-          </a:xfrm>
-        </p:spPr>
-      </p:pic>
+        </p:nvSpPr>
+        <p:spPr/>
+        <p:txBody>
+          <a:bodyPr/>
+          <a:lstStyle/>
+          <a:p>
+            <a:r>
+              <a:rPr lang="zh-CN" altLang="en-US" dirty="0"/>
+              <a:t>前后端进度不同</a:t>
+            </a:r>
+            <a:endParaRPr lang="en-US" altLang="zh-CN" dirty="0"/>
+          </a:p>
+          <a:p>
+            <a:r>
+              <a:rPr lang="zh-CN" altLang="en-US" dirty="0"/>
+              <a:t>网站开发经验不足</a:t>
+            </a:r>
+          </a:p>
+        </p:txBody>
+      </p:sp>
     </p:spTree>
     <p:extLst>
       <p:ext uri="{BB962C8B-B14F-4D97-AF65-F5344CB8AC3E}">
-        <p14:creationId xmlns:p14="http://schemas.microsoft.com/office/powerpoint/2010/main" val="2082207871"/>
+        <p14:creationId xmlns:p14="http://schemas.microsoft.com/office/powerpoint/2010/main" val="2053815845"/>
       </p:ext>
     </p:extLst>
   </p:cSld>

--- a/文档/项目展示-1.pptx
+++ b/文档/项目展示-1.pptx
@@ -3806,6 +3806,15 @@
               <a:rPr lang="zh-CN" altLang="en-US" dirty="0"/>
               <a:t>分工</a:t>
             </a:r>
+            <a:r>
+              <a:rPr lang="en-US" altLang="zh-CN" dirty="0"/>
+              <a:t>-</a:t>
+            </a:r>
+            <a:r>
+              <a:rPr lang="zh-CN" altLang="en-US"/>
+              <a:t>第一组</a:t>
+            </a:r>
+            <a:endParaRPr lang="zh-CN" altLang="en-US" dirty="0"/>
           </a:p>
         </p:txBody>
       </p:sp>
@@ -3917,18 +3926,9 @@
           <a:lstStyle/>
           <a:p>
             <a:r>
-              <a:rPr lang="zh-CN" altLang="en-US" dirty="0" smtClean="0"/>
-              <a:t>前端样式具</a:t>
-            </a:r>
-            <a:r>
               <a:rPr lang="zh-CN" altLang="en-US" dirty="0"/>
-              <a:t>体工</a:t>
-            </a:r>
-            <a:r>
-              <a:rPr lang="zh-CN" altLang="en-US" dirty="0" smtClean="0"/>
-              <a:t>作</a:t>
-            </a:r>
-            <a:endParaRPr lang="zh-CN" altLang="en-US" dirty="0"/>
+              <a:t>前端样式具体工作</a:t>
+            </a:r>
           </a:p>
         </p:txBody>
       </p:sp>
@@ -3951,50 +3951,49 @@
               <a:buNone/>
             </a:pPr>
             <a:r>
-              <a:rPr lang="en-US" altLang="zh-CN" dirty="0" smtClean="0"/>
+              <a:rPr lang="en-US" altLang="zh-CN" dirty="0"/>
               <a:t>1.</a:t>
             </a:r>
             <a:r>
-              <a:rPr lang="zh-CN" altLang="en-US" dirty="0" smtClean="0"/>
+              <a:rPr lang="zh-CN" altLang="en-US" dirty="0"/>
               <a:t>先拿出一个能看的页面，和团队确定具体的功能和方向。</a:t>
             </a:r>
-            <a:endParaRPr lang="en-US" altLang="zh-CN" dirty="0" smtClean="0"/>
+            <a:endParaRPr lang="en-US" altLang="zh-CN" dirty="0"/>
           </a:p>
           <a:p>
             <a:pPr marL="0" indent="0">
               <a:buNone/>
             </a:pPr>
             <a:r>
-              <a:rPr lang="en-US" altLang="zh-CN" dirty="0" smtClean="0"/>
+              <a:rPr lang="en-US" altLang="zh-CN" dirty="0"/>
               <a:t>2.</a:t>
             </a:r>
             <a:r>
-              <a:rPr lang="zh-CN" altLang="en-US" dirty="0" smtClean="0"/>
+              <a:rPr lang="zh-CN" altLang="en-US" dirty="0"/>
               <a:t>实现各个页面的视觉效果图形样式，尽可能使页面更好看一点</a:t>
             </a:r>
-            <a:endParaRPr lang="en-US" altLang="zh-CN" dirty="0" smtClean="0"/>
+            <a:endParaRPr lang="en-US" altLang="zh-CN" dirty="0"/>
           </a:p>
           <a:p>
             <a:pPr marL="0" indent="0">
               <a:buNone/>
             </a:pPr>
             <a:r>
-              <a:rPr lang="en-US" altLang="zh-CN" dirty="0" smtClean="0"/>
+              <a:rPr lang="en-US" altLang="zh-CN" dirty="0"/>
               <a:t>3.</a:t>
             </a:r>
             <a:r>
-              <a:rPr lang="zh-CN" altLang="en-US" dirty="0" smtClean="0"/>
+              <a:rPr lang="zh-CN" altLang="en-US" dirty="0"/>
               <a:t>配合写</a:t>
             </a:r>
             <a:r>
-              <a:rPr lang="en-US" altLang="zh-CN" dirty="0" smtClean="0"/>
+              <a:rPr lang="en-US" altLang="zh-CN" dirty="0"/>
               <a:t>js</a:t>
             </a:r>
             <a:r>
-              <a:rPr lang="zh-CN" altLang="en-US" dirty="0" smtClean="0"/>
+              <a:rPr lang="zh-CN" altLang="en-US" dirty="0"/>
               <a:t>前端逻辑的同学</a:t>
             </a:r>
-            <a:endParaRPr lang="zh-CN" altLang="en-US" dirty="0"/>
           </a:p>
         </p:txBody>
       </p:sp>
@@ -4048,7 +4047,7 @@
               <a:t>我感觉的</a:t>
             </a:r>
             <a:r>
-              <a:rPr lang="en-US" altLang="zh-CN" dirty="0" smtClean="0"/>
+              <a:rPr lang="en-US" altLang="zh-CN" dirty="0"/>
               <a:t>Vue cli</a:t>
             </a:r>
             <a:endParaRPr lang="zh-CN" altLang="en-US" dirty="0"/>
@@ -4077,63 +4076,59 @@
             </a:pPr>
             <a:r>
               <a:rPr lang="zh-CN" altLang="en-US" dirty="0"/>
-              <a:t>优</a:t>
-            </a:r>
-            <a:r>
-              <a:rPr lang="zh-CN" altLang="en-US" dirty="0" smtClean="0"/>
-              <a:t>点：</a:t>
-            </a:r>
-            <a:endParaRPr lang="en-US" altLang="zh-CN" dirty="0" smtClean="0"/>
+              <a:t>优点：</a:t>
+            </a:r>
+            <a:endParaRPr lang="en-US" altLang="zh-CN" dirty="0"/>
           </a:p>
           <a:p>
             <a:pPr marL="0" indent="0">
               <a:buNone/>
             </a:pPr>
             <a:r>
-              <a:rPr lang="en-US" altLang="zh-CN" dirty="0" smtClean="0"/>
+              <a:rPr lang="en-US" altLang="zh-CN" dirty="0"/>
               <a:t>1</a:t>
             </a:r>
             <a:r>
-              <a:rPr lang="zh-CN" altLang="en-US" dirty="0" smtClean="0"/>
+              <a:rPr lang="zh-CN" altLang="en-US" dirty="0"/>
               <a:t>，我是第一次用</a:t>
             </a:r>
             <a:r>
-              <a:rPr lang="en-US" altLang="zh-CN" dirty="0" smtClean="0"/>
+              <a:rPr lang="en-US" altLang="zh-CN" dirty="0"/>
               <a:t>vue cli</a:t>
             </a:r>
             <a:r>
-              <a:rPr lang="zh-CN" altLang="en-US" dirty="0" smtClean="0"/>
+              <a:rPr lang="zh-CN" altLang="en-US" dirty="0"/>
               <a:t>感觉颠覆了我以前写网页的经验，感觉写组件就像写对象一样。</a:t>
             </a:r>
-            <a:endParaRPr lang="en-US" altLang="zh-CN" dirty="0" smtClean="0"/>
+            <a:endParaRPr lang="en-US" altLang="zh-CN" dirty="0"/>
           </a:p>
           <a:p>
             <a:pPr marL="0" indent="0">
               <a:buNone/>
             </a:pPr>
             <a:r>
-              <a:rPr lang="en-US" altLang="zh-CN" dirty="0" smtClean="0"/>
+              <a:rPr lang="en-US" altLang="zh-CN" dirty="0"/>
               <a:t>2</a:t>
             </a:r>
             <a:r>
-              <a:rPr lang="zh-CN" altLang="en-US" dirty="0" smtClean="0"/>
+              <a:rPr lang="zh-CN" altLang="en-US" dirty="0"/>
               <a:t>，因为有路由，页面之间的通信和跳转都十分方便</a:t>
             </a:r>
-            <a:endParaRPr lang="en-US" altLang="zh-CN" dirty="0" smtClean="0"/>
+            <a:endParaRPr lang="en-US" altLang="zh-CN" dirty="0"/>
           </a:p>
           <a:p>
             <a:pPr marL="0" indent="0">
               <a:buNone/>
             </a:pPr>
             <a:r>
-              <a:rPr lang="en-US" altLang="zh-CN" dirty="0" smtClean="0"/>
+              <a:rPr lang="en-US" altLang="zh-CN" dirty="0"/>
               <a:t>3</a:t>
             </a:r>
             <a:r>
-              <a:rPr lang="zh-CN" altLang="en-US" dirty="0" smtClean="0"/>
+              <a:rPr lang="zh-CN" altLang="en-US" dirty="0"/>
               <a:t>，可以双向绑定数据，有模板语法循环语法条件语法这些都比较方便，这也是平时经常用的。</a:t>
             </a:r>
-            <a:endParaRPr lang="en-US" altLang="zh-CN" dirty="0" smtClean="0"/>
+            <a:endParaRPr lang="en-US" altLang="zh-CN" dirty="0"/>
           </a:p>
           <a:p>
             <a:pPr marL="0" indent="0">
@@ -4141,11 +4136,7 @@
             </a:pPr>
             <a:r>
               <a:rPr lang="zh-CN" altLang="en-US" dirty="0"/>
-              <a:t>缺</a:t>
-            </a:r>
-            <a:r>
-              <a:rPr lang="zh-CN" altLang="en-US" dirty="0" smtClean="0"/>
-              <a:t>点：</a:t>
+              <a:t>缺点：</a:t>
             </a:r>
             <a:endParaRPr lang="en-US" altLang="zh-CN" dirty="0"/>
           </a:p>
@@ -4154,36 +4145,35 @@
               <a:buNone/>
             </a:pPr>
             <a:r>
-              <a:rPr lang="en-US" altLang="zh-CN" dirty="0" smtClean="0"/>
+              <a:rPr lang="en-US" altLang="zh-CN" dirty="0"/>
               <a:t>1</a:t>
             </a:r>
             <a:r>
-              <a:rPr lang="zh-CN" altLang="en-US" dirty="0" smtClean="0"/>
+              <a:rPr lang="zh-CN" altLang="en-US" dirty="0"/>
               <a:t>，因为是第一次使用，很多地方，比如用法方法都不熟悉，开发的时候总体上感觉比较麻烦。</a:t>
             </a:r>
-            <a:endParaRPr lang="en-US" altLang="zh-CN" dirty="0" smtClean="0"/>
+            <a:endParaRPr lang="en-US" altLang="zh-CN" dirty="0"/>
           </a:p>
           <a:p>
             <a:pPr marL="0" indent="0">
               <a:buNone/>
             </a:pPr>
             <a:r>
-              <a:rPr lang="en-US" altLang="zh-CN" dirty="0" smtClean="0"/>
+              <a:rPr lang="en-US" altLang="zh-CN" dirty="0"/>
               <a:t>2</a:t>
             </a:r>
             <a:r>
-              <a:rPr lang="zh-CN" altLang="en-US" dirty="0" smtClean="0"/>
+              <a:rPr lang="zh-CN" altLang="en-US" dirty="0"/>
               <a:t>，</a:t>
             </a:r>
             <a:r>
-              <a:rPr lang="en-US" altLang="zh-CN" dirty="0" smtClean="0"/>
+              <a:rPr lang="en-US" altLang="zh-CN" dirty="0"/>
               <a:t>vue cli </a:t>
             </a:r>
             <a:r>
-              <a:rPr lang="zh-CN" altLang="en-US" dirty="0" smtClean="0"/>
+              <a:rPr lang="zh-CN" altLang="en-US" dirty="0"/>
               <a:t>脚手架比较适合大型的复杂的项目，像比较小的项目我觉得不用这个脚手架比较合适。</a:t>
             </a:r>
-            <a:endParaRPr lang="zh-CN" altLang="en-US" dirty="0"/>
           </a:p>
         </p:txBody>
       </p:sp>
@@ -4262,18 +4252,18 @@
               <a:buNone/>
             </a:pPr>
             <a:r>
-              <a:rPr lang="zh-CN" altLang="en-US" dirty="0" smtClean="0"/>
+              <a:rPr lang="zh-CN" altLang="en-US" dirty="0"/>
               <a:t>在参照网上教程的模板学习</a:t>
             </a:r>
             <a:r>
-              <a:rPr lang="en-US" altLang="zh-CN" dirty="0" smtClean="0"/>
+              <a:rPr lang="en-US" altLang="zh-CN" dirty="0"/>
               <a:t>vue cli</a:t>
             </a:r>
             <a:r>
-              <a:rPr lang="zh-CN" altLang="en-US" dirty="0" smtClean="0"/>
+              <a:rPr lang="zh-CN" altLang="en-US" dirty="0"/>
               <a:t>的时候似乎一切都变得简单，但是要自己发展出一些分至结构，添加功能的时候就会遇到很多问题，</a:t>
             </a:r>
-            <a:endParaRPr lang="en-US" altLang="zh-CN" dirty="0" smtClean="0"/>
+            <a:endParaRPr lang="en-US" altLang="zh-CN" dirty="0"/>
           </a:p>
           <a:p>
             <a:pPr marL="0" indent="0">
@@ -4281,21 +4271,17 @@
             </a:pPr>
             <a:r>
               <a:rPr lang="zh-CN" altLang="en-US" dirty="0"/>
-              <a:t>有时</a:t>
-            </a:r>
-            <a:r>
-              <a:rPr lang="zh-CN" altLang="en-US" dirty="0" smtClean="0"/>
-              <a:t>候会有一些功能的</a:t>
-            </a:r>
-            <a:r>
-              <a:rPr lang="en-US" altLang="zh-CN" dirty="0" smtClean="0"/>
+              <a:t>有时候会有一些功能的</a:t>
+            </a:r>
+            <a:r>
+              <a:rPr lang="en-US" altLang="zh-CN" dirty="0"/>
               <a:t>js</a:t>
             </a:r>
             <a:r>
-              <a:rPr lang="zh-CN" altLang="en-US" dirty="0" smtClean="0"/>
+              <a:rPr lang="zh-CN" altLang="en-US" dirty="0"/>
               <a:t>不起作用，或者跟别的东西冲突，但是在传统开发方式中就没有问题。</a:t>
             </a:r>
-            <a:endParaRPr lang="en-US" altLang="zh-CN" dirty="0" smtClean="0"/>
+            <a:endParaRPr lang="en-US" altLang="zh-CN" dirty="0"/>
           </a:p>
           <a:p>
             <a:pPr marL="0" indent="0">
@@ -4303,29 +4289,25 @@
             </a:pPr>
             <a:r>
               <a:rPr lang="zh-CN" altLang="en-US" dirty="0"/>
-              <a:t>因</a:t>
-            </a:r>
-            <a:r>
-              <a:rPr lang="zh-CN" altLang="en-US" dirty="0" smtClean="0"/>
-              <a:t>为前端页面要最早的写出来供团队参考，没有时间边学边写，所以为了尽早出成果，用</a:t>
-            </a:r>
-            <a:r>
-              <a:rPr lang="en-US" altLang="zh-CN" dirty="0" smtClean="0"/>
+              <a:t>因为前端页面要最早的写出来供团队参考，没有时间边学边写，所以为了尽早出成果，用</a:t>
+            </a:r>
+            <a:r>
+              <a:rPr lang="en-US" altLang="zh-CN" dirty="0"/>
               <a:t>vue cli</a:t>
             </a:r>
             <a:r>
-              <a:rPr lang="zh-CN" altLang="en-US" dirty="0" smtClean="0"/>
+              <a:rPr lang="zh-CN" altLang="en-US" dirty="0"/>
               <a:t>写了一半以后我用传统开发方式对前端进行了重构，但还是使用了很多的</a:t>
             </a:r>
             <a:r>
-              <a:rPr lang="en-US" altLang="zh-CN" dirty="0" smtClean="0"/>
+              <a:rPr lang="en-US" altLang="zh-CN" dirty="0"/>
               <a:t>vue</a:t>
             </a:r>
             <a:r>
-              <a:rPr lang="zh-CN" altLang="en-US" dirty="0" smtClean="0"/>
+              <a:rPr lang="zh-CN" altLang="en-US" dirty="0"/>
               <a:t>特有的方法。</a:t>
             </a:r>
-            <a:endParaRPr lang="en-US" altLang="zh-CN" dirty="0" smtClean="0"/>
+            <a:endParaRPr lang="en-US" altLang="zh-CN" dirty="0"/>
           </a:p>
           <a:p>
             <a:pPr marL="0" indent="0">
@@ -4333,21 +4315,16 @@
             </a:pPr>
             <a:r>
               <a:rPr lang="zh-CN" altLang="en-US" dirty="0"/>
-              <a:t>总体</a:t>
-            </a:r>
-            <a:r>
-              <a:rPr lang="zh-CN" altLang="en-US" dirty="0" smtClean="0"/>
-              <a:t>上感觉</a:t>
-            </a:r>
-            <a:r>
-              <a:rPr lang="en-US" altLang="zh-CN" dirty="0" smtClean="0"/>
+              <a:t>总体上感觉</a:t>
+            </a:r>
+            <a:r>
+              <a:rPr lang="en-US" altLang="zh-CN" dirty="0"/>
               <a:t>vue</a:t>
             </a:r>
             <a:r>
-              <a:rPr lang="zh-CN" altLang="en-US" dirty="0" smtClean="0"/>
+              <a:rPr lang="zh-CN" altLang="en-US" dirty="0"/>
               <a:t>是一种给我焕然一新的感觉的前端框架，课后也要深入学习一下。</a:t>
             </a:r>
-            <a:endParaRPr lang="zh-CN" altLang="en-US" dirty="0"/>
           </a:p>
         </p:txBody>
       </p:sp>

--- a/文档/项目展示-1.pptx
+++ b/文档/项目展示-1.pptx
@@ -3806,15 +3806,6 @@
               <a:rPr lang="zh-CN" altLang="en-US" dirty="0"/>
               <a:t>分工</a:t>
             </a:r>
-            <a:r>
-              <a:rPr lang="en-US" altLang="zh-CN" dirty="0"/>
-              <a:t>-</a:t>
-            </a:r>
-            <a:r>
-              <a:rPr lang="zh-CN" altLang="en-US"/>
-              <a:t>第一组</a:t>
-            </a:r>
-            <a:endParaRPr lang="zh-CN" altLang="en-US" dirty="0"/>
           </a:p>
         </p:txBody>
       </p:sp>
@@ -3926,9 +3917,18 @@
           <a:lstStyle/>
           <a:p>
             <a:r>
+              <a:rPr lang="zh-CN" altLang="en-US" dirty="0" smtClean="0"/>
+              <a:t>前端样式具</a:t>
+            </a:r>
+            <a:r>
               <a:rPr lang="zh-CN" altLang="en-US" dirty="0"/>
-              <a:t>前端样式具体工作</a:t>
-            </a:r>
+              <a:t>体工</a:t>
+            </a:r>
+            <a:r>
+              <a:rPr lang="zh-CN" altLang="en-US" dirty="0" smtClean="0"/>
+              <a:t>作</a:t>
+            </a:r>
+            <a:endParaRPr lang="zh-CN" altLang="en-US" dirty="0"/>
           </a:p>
         </p:txBody>
       </p:sp>
@@ -3951,49 +3951,50 @@
               <a:buNone/>
             </a:pPr>
             <a:r>
-              <a:rPr lang="en-US" altLang="zh-CN" dirty="0"/>
+              <a:rPr lang="en-US" altLang="zh-CN" dirty="0" smtClean="0"/>
               <a:t>1.</a:t>
             </a:r>
             <a:r>
-              <a:rPr lang="zh-CN" altLang="en-US" dirty="0"/>
+              <a:rPr lang="zh-CN" altLang="en-US" dirty="0" smtClean="0"/>
               <a:t>先拿出一个能看的页面，和团队确定具体的功能和方向。</a:t>
             </a:r>
-            <a:endParaRPr lang="en-US" altLang="zh-CN" dirty="0"/>
+            <a:endParaRPr lang="en-US" altLang="zh-CN" dirty="0" smtClean="0"/>
           </a:p>
           <a:p>
             <a:pPr marL="0" indent="0">
               <a:buNone/>
             </a:pPr>
             <a:r>
-              <a:rPr lang="en-US" altLang="zh-CN" dirty="0"/>
+              <a:rPr lang="en-US" altLang="zh-CN" dirty="0" smtClean="0"/>
               <a:t>2.</a:t>
             </a:r>
             <a:r>
-              <a:rPr lang="zh-CN" altLang="en-US" dirty="0"/>
+              <a:rPr lang="zh-CN" altLang="en-US" dirty="0" smtClean="0"/>
               <a:t>实现各个页面的视觉效果图形样式，尽可能使页面更好看一点</a:t>
             </a:r>
-            <a:endParaRPr lang="en-US" altLang="zh-CN" dirty="0"/>
+            <a:endParaRPr lang="en-US" altLang="zh-CN" dirty="0" smtClean="0"/>
           </a:p>
           <a:p>
             <a:pPr marL="0" indent="0">
               <a:buNone/>
             </a:pPr>
             <a:r>
-              <a:rPr lang="en-US" altLang="zh-CN" dirty="0"/>
+              <a:rPr lang="en-US" altLang="zh-CN" dirty="0" smtClean="0"/>
               <a:t>3.</a:t>
             </a:r>
             <a:r>
-              <a:rPr lang="zh-CN" altLang="en-US" dirty="0"/>
+              <a:rPr lang="zh-CN" altLang="en-US" dirty="0" smtClean="0"/>
               <a:t>配合写</a:t>
             </a:r>
             <a:r>
-              <a:rPr lang="en-US" altLang="zh-CN" dirty="0"/>
+              <a:rPr lang="en-US" altLang="zh-CN" dirty="0" smtClean="0"/>
               <a:t>js</a:t>
             </a:r>
             <a:r>
-              <a:rPr lang="zh-CN" altLang="en-US" dirty="0"/>
+              <a:rPr lang="zh-CN" altLang="en-US" dirty="0" smtClean="0"/>
               <a:t>前端逻辑的同学</a:t>
             </a:r>
+            <a:endParaRPr lang="zh-CN" altLang="en-US" dirty="0"/>
           </a:p>
         </p:txBody>
       </p:sp>
@@ -4047,7 +4048,7 @@
               <a:t>我感觉的</a:t>
             </a:r>
             <a:r>
-              <a:rPr lang="en-US" altLang="zh-CN" dirty="0"/>
+              <a:rPr lang="en-US" altLang="zh-CN" dirty="0" smtClean="0"/>
               <a:t>Vue cli</a:t>
             </a:r>
             <a:endParaRPr lang="zh-CN" altLang="en-US" dirty="0"/>
@@ -4076,7 +4077,75 @@
             </a:pPr>
             <a:r>
               <a:rPr lang="zh-CN" altLang="en-US" dirty="0"/>
-              <a:t>优点：</a:t>
+              <a:t>优</a:t>
+            </a:r>
+            <a:r>
+              <a:rPr lang="zh-CN" altLang="en-US" dirty="0" smtClean="0"/>
+              <a:t>点：</a:t>
+            </a:r>
+            <a:endParaRPr lang="en-US" altLang="zh-CN" dirty="0" smtClean="0"/>
+          </a:p>
+          <a:p>
+            <a:pPr marL="0" indent="0">
+              <a:buNone/>
+            </a:pPr>
+            <a:r>
+              <a:rPr lang="en-US" altLang="zh-CN" dirty="0" smtClean="0"/>
+              <a:t>1</a:t>
+            </a:r>
+            <a:r>
+              <a:rPr lang="zh-CN" altLang="en-US" dirty="0" smtClean="0"/>
+              <a:t>，我是第一次用</a:t>
+            </a:r>
+            <a:r>
+              <a:rPr lang="en-US" altLang="zh-CN" dirty="0" smtClean="0"/>
+              <a:t>vue cli</a:t>
+            </a:r>
+            <a:r>
+              <a:rPr lang="zh-CN" altLang="en-US" dirty="0" smtClean="0"/>
+              <a:t>感觉颠覆了我以前写网页的经验，感觉写组件就像写对象一样。</a:t>
+            </a:r>
+            <a:endParaRPr lang="en-US" altLang="zh-CN" dirty="0" smtClean="0"/>
+          </a:p>
+          <a:p>
+            <a:pPr marL="0" indent="0">
+              <a:buNone/>
+            </a:pPr>
+            <a:r>
+              <a:rPr lang="en-US" altLang="zh-CN" dirty="0" smtClean="0"/>
+              <a:t>2</a:t>
+            </a:r>
+            <a:r>
+              <a:rPr lang="zh-CN" altLang="en-US" dirty="0" smtClean="0"/>
+              <a:t>，因为有路由，页面之间的通信和跳转都十分方便</a:t>
+            </a:r>
+            <a:endParaRPr lang="en-US" altLang="zh-CN" dirty="0" smtClean="0"/>
+          </a:p>
+          <a:p>
+            <a:pPr marL="0" indent="0">
+              <a:buNone/>
+            </a:pPr>
+            <a:r>
+              <a:rPr lang="en-US" altLang="zh-CN" dirty="0" smtClean="0"/>
+              <a:t>3</a:t>
+            </a:r>
+            <a:r>
+              <a:rPr lang="zh-CN" altLang="en-US" dirty="0" smtClean="0"/>
+              <a:t>，可以双向绑定数据，有模板语法循环语法条件语法这些都比较方便，这也是平时经常用的。</a:t>
+            </a:r>
+            <a:endParaRPr lang="en-US" altLang="zh-CN" dirty="0" smtClean="0"/>
+          </a:p>
+          <a:p>
+            <a:pPr marL="0" indent="0">
+              <a:buNone/>
+            </a:pPr>
+            <a:r>
+              <a:rPr lang="zh-CN" altLang="en-US" dirty="0"/>
+              <a:t>缺</a:t>
+            </a:r>
+            <a:r>
+              <a:rPr lang="zh-CN" altLang="en-US" dirty="0" smtClean="0"/>
+              <a:t>点：</a:t>
             </a:r>
             <a:endParaRPr lang="en-US" altLang="zh-CN" dirty="0"/>
           </a:p>
@@ -4085,95 +4154,36 @@
               <a:buNone/>
             </a:pPr>
             <a:r>
-              <a:rPr lang="en-US" altLang="zh-CN" dirty="0"/>
+              <a:rPr lang="en-US" altLang="zh-CN" dirty="0" smtClean="0"/>
               <a:t>1</a:t>
             </a:r>
             <a:r>
-              <a:rPr lang="zh-CN" altLang="en-US" dirty="0"/>
-              <a:t>，我是第一次用</a:t>
-            </a:r>
-            <a:r>
-              <a:rPr lang="en-US" altLang="zh-CN" dirty="0"/>
-              <a:t>vue cli</a:t>
-            </a:r>
-            <a:r>
-              <a:rPr lang="zh-CN" altLang="en-US" dirty="0"/>
-              <a:t>感觉颠覆了我以前写网页的经验，感觉写组件就像写对象一样。</a:t>
-            </a:r>
-            <a:endParaRPr lang="en-US" altLang="zh-CN" dirty="0"/>
+              <a:rPr lang="zh-CN" altLang="en-US" dirty="0" smtClean="0"/>
+              <a:t>，因为是第一次使用，很多地方，比如用法方法都不熟悉，开发的时候总体上感觉比较麻烦。</a:t>
+            </a:r>
+            <a:endParaRPr lang="en-US" altLang="zh-CN" dirty="0" smtClean="0"/>
           </a:p>
           <a:p>
             <a:pPr marL="0" indent="0">
               <a:buNone/>
             </a:pPr>
             <a:r>
-              <a:rPr lang="en-US" altLang="zh-CN" dirty="0"/>
+              <a:rPr lang="en-US" altLang="zh-CN" dirty="0" smtClean="0"/>
               <a:t>2</a:t>
             </a:r>
             <a:r>
-              <a:rPr lang="zh-CN" altLang="en-US" dirty="0"/>
-              <a:t>，因为有路由，页面之间的通信和跳转都十分方便</a:t>
-            </a:r>
-            <a:endParaRPr lang="en-US" altLang="zh-CN" dirty="0"/>
-          </a:p>
-          <a:p>
-            <a:pPr marL="0" indent="0">
-              <a:buNone/>
-            </a:pPr>
-            <a:r>
-              <a:rPr lang="en-US" altLang="zh-CN" dirty="0"/>
-              <a:t>3</a:t>
-            </a:r>
-            <a:r>
-              <a:rPr lang="zh-CN" altLang="en-US" dirty="0"/>
-              <a:t>，可以双向绑定数据，有模板语法循环语法条件语法这些都比较方便，这也是平时经常用的。</a:t>
-            </a:r>
-            <a:endParaRPr lang="en-US" altLang="zh-CN" dirty="0"/>
-          </a:p>
-          <a:p>
-            <a:pPr marL="0" indent="0">
-              <a:buNone/>
-            </a:pPr>
-            <a:r>
-              <a:rPr lang="zh-CN" altLang="en-US" dirty="0"/>
-              <a:t>缺点：</a:t>
-            </a:r>
-            <a:endParaRPr lang="en-US" altLang="zh-CN" dirty="0"/>
-          </a:p>
-          <a:p>
-            <a:pPr marL="0" indent="0">
-              <a:buNone/>
-            </a:pPr>
-            <a:r>
-              <a:rPr lang="en-US" altLang="zh-CN" dirty="0"/>
-              <a:t>1</a:t>
-            </a:r>
-            <a:r>
-              <a:rPr lang="zh-CN" altLang="en-US" dirty="0"/>
-              <a:t>，因为是第一次使用，很多地方，比如用法方法都不熟悉，开发的时候总体上感觉比较麻烦。</a:t>
-            </a:r>
-            <a:endParaRPr lang="en-US" altLang="zh-CN" dirty="0"/>
-          </a:p>
-          <a:p>
-            <a:pPr marL="0" indent="0">
-              <a:buNone/>
-            </a:pPr>
-            <a:r>
-              <a:rPr lang="en-US" altLang="zh-CN" dirty="0"/>
-              <a:t>2</a:t>
-            </a:r>
-            <a:r>
-              <a:rPr lang="zh-CN" altLang="en-US" dirty="0"/>
+              <a:rPr lang="zh-CN" altLang="en-US" dirty="0" smtClean="0"/>
               <a:t>，</a:t>
             </a:r>
             <a:r>
-              <a:rPr lang="en-US" altLang="zh-CN" dirty="0"/>
+              <a:rPr lang="en-US" altLang="zh-CN" dirty="0" smtClean="0"/>
               <a:t>vue cli </a:t>
             </a:r>
             <a:r>
-              <a:rPr lang="zh-CN" altLang="en-US" dirty="0"/>
+              <a:rPr lang="zh-CN" altLang="en-US" dirty="0" smtClean="0"/>
               <a:t>脚手架比较适合大型的复杂的项目，像比较小的项目我觉得不用这个脚手架比较合适。</a:t>
             </a:r>
+            <a:endParaRPr lang="zh-CN" altLang="en-US" dirty="0"/>
           </a:p>
         </p:txBody>
       </p:sp>
@@ -4252,79 +4262,92 @@
               <a:buNone/>
             </a:pPr>
             <a:r>
+              <a:rPr lang="zh-CN" altLang="en-US" dirty="0" smtClean="0"/>
+              <a:t>在参照网上教程的模板学习</a:t>
+            </a:r>
+            <a:r>
+              <a:rPr lang="en-US" altLang="zh-CN" dirty="0" smtClean="0"/>
+              <a:t>vue cli</a:t>
+            </a:r>
+            <a:r>
+              <a:rPr lang="zh-CN" altLang="en-US" dirty="0" smtClean="0"/>
+              <a:t>的时候似乎一切都变得简单，但是要自己发展出一些分至结构，添加功能的时候就会遇到很多问题，</a:t>
+            </a:r>
+            <a:endParaRPr lang="en-US" altLang="zh-CN" dirty="0" smtClean="0"/>
+          </a:p>
+          <a:p>
+            <a:pPr marL="0" indent="0">
+              <a:buNone/>
+            </a:pPr>
+            <a:r>
               <a:rPr lang="zh-CN" altLang="en-US" dirty="0"/>
-              <a:t>在参照网上教程的模板学习</a:t>
-            </a:r>
-            <a:r>
-              <a:rPr lang="en-US" altLang="zh-CN" dirty="0"/>
+              <a:t>有时</a:t>
+            </a:r>
+            <a:r>
+              <a:rPr lang="zh-CN" altLang="en-US" dirty="0" smtClean="0"/>
+              <a:t>候会有一些功能的</a:t>
+            </a:r>
+            <a:r>
+              <a:rPr lang="en-US" altLang="zh-CN" dirty="0" smtClean="0"/>
+              <a:t>js</a:t>
+            </a:r>
+            <a:r>
+              <a:rPr lang="zh-CN" altLang="en-US" dirty="0" smtClean="0"/>
+              <a:t>不起作用，或者跟别的东西冲突，但是在传统开发方式中就没有问题。</a:t>
+            </a:r>
+            <a:endParaRPr lang="en-US" altLang="zh-CN" dirty="0" smtClean="0"/>
+          </a:p>
+          <a:p>
+            <a:pPr marL="0" indent="0">
+              <a:buNone/>
+            </a:pPr>
+            <a:r>
+              <a:rPr lang="zh-CN" altLang="en-US" dirty="0"/>
+              <a:t>因</a:t>
+            </a:r>
+            <a:r>
+              <a:rPr lang="zh-CN" altLang="en-US" dirty="0" smtClean="0"/>
+              <a:t>为前端页面要最早的写出来供团队参考，没有时间边学边写，所以为了尽早出成果，用</a:t>
+            </a:r>
+            <a:r>
+              <a:rPr lang="en-US" altLang="zh-CN" dirty="0" smtClean="0"/>
               <a:t>vue cli</a:t>
             </a:r>
             <a:r>
+              <a:rPr lang="zh-CN" altLang="en-US" dirty="0" smtClean="0"/>
+              <a:t>写了一半以后我用传统开发方式对前端进行了重构，但还是使用了很多的</a:t>
+            </a:r>
+            <a:r>
+              <a:rPr lang="en-US" altLang="zh-CN" dirty="0" smtClean="0"/>
+              <a:t>vue</a:t>
+            </a:r>
+            <a:r>
+              <a:rPr lang="zh-CN" altLang="en-US" dirty="0" smtClean="0"/>
+              <a:t>特有的方法。</a:t>
+            </a:r>
+            <a:endParaRPr lang="en-US" altLang="zh-CN" dirty="0" smtClean="0"/>
+          </a:p>
+          <a:p>
+            <a:pPr marL="0" indent="0">
+              <a:buNone/>
+            </a:pPr>
+            <a:r>
               <a:rPr lang="zh-CN" altLang="en-US" dirty="0"/>
-              <a:t>的时候似乎一切都变得简单，但是要自己发展出一些分至结构，添加功能的时候就会遇到很多问题，</a:t>
-            </a:r>
-            <a:endParaRPr lang="en-US" altLang="zh-CN" dirty="0"/>
-          </a:p>
-          <a:p>
-            <a:pPr marL="0" indent="0">
-              <a:buNone/>
-            </a:pPr>
-            <a:r>
-              <a:rPr lang="zh-CN" altLang="en-US" dirty="0"/>
-              <a:t>有时候会有一些功能的</a:t>
-            </a:r>
-            <a:r>
-              <a:rPr lang="en-US" altLang="zh-CN" dirty="0"/>
-              <a:t>js</a:t>
-            </a:r>
-            <a:r>
-              <a:rPr lang="zh-CN" altLang="en-US" dirty="0"/>
-              <a:t>不起作用，或者跟别的东西冲突，但是在传统开发方式中就没有问题。</a:t>
-            </a:r>
-            <a:endParaRPr lang="en-US" altLang="zh-CN" dirty="0"/>
-          </a:p>
-          <a:p>
-            <a:pPr marL="0" indent="0">
-              <a:buNone/>
-            </a:pPr>
-            <a:r>
-              <a:rPr lang="zh-CN" altLang="en-US" dirty="0"/>
-              <a:t>因为前端页面要最早的写出来供团队参考，没有时间边学边写，所以为了尽早出成果，用</a:t>
-            </a:r>
-            <a:r>
-              <a:rPr lang="en-US" altLang="zh-CN" dirty="0"/>
-              <a:t>vue cli</a:t>
-            </a:r>
-            <a:r>
-              <a:rPr lang="zh-CN" altLang="en-US" dirty="0"/>
-              <a:t>写了一半以后我用传统开发方式对前端进行了重构，但还是使用了很多的</a:t>
-            </a:r>
-            <a:r>
-              <a:rPr lang="en-US" altLang="zh-CN" dirty="0"/>
+              <a:t>总体</a:t>
+            </a:r>
+            <a:r>
+              <a:rPr lang="zh-CN" altLang="en-US" dirty="0" smtClean="0"/>
+              <a:t>上感觉</a:t>
+            </a:r>
+            <a:r>
+              <a:rPr lang="en-US" altLang="zh-CN" dirty="0" smtClean="0"/>
               <a:t>vue</a:t>
             </a:r>
             <a:r>
-              <a:rPr lang="zh-CN" altLang="en-US" dirty="0"/>
-              <a:t>特有的方法。</a:t>
-            </a:r>
-            <a:endParaRPr lang="en-US" altLang="zh-CN" dirty="0"/>
-          </a:p>
-          <a:p>
-            <a:pPr marL="0" indent="0">
-              <a:buNone/>
-            </a:pPr>
-            <a:r>
-              <a:rPr lang="zh-CN" altLang="en-US" dirty="0"/>
-              <a:t>总体上感觉</a:t>
-            </a:r>
-            <a:r>
-              <a:rPr lang="en-US" altLang="zh-CN" dirty="0"/>
-              <a:t>vue</a:t>
-            </a:r>
-            <a:r>
-              <a:rPr lang="zh-CN" altLang="en-US" dirty="0"/>
+              <a:rPr lang="zh-CN" altLang="en-US" dirty="0" smtClean="0"/>
               <a:t>是一种给我焕然一新的感觉的前端框架，课后也要深入学习一下。</a:t>
             </a:r>
+            <a:endParaRPr lang="zh-CN" altLang="en-US" dirty="0"/>
           </a:p>
         </p:txBody>
       </p:sp>
